--- a/doc/p2/TCC-P2.pptx
+++ b/doc/p2/TCC-P2.pptx
@@ -5,7 +5,7 @@
     <p:sldMasterId id="2147483660" r:id="rId1"/>
   </p:sldMasterIdLst>
   <p:notesMasterIdLst>
-    <p:notesMasterId r:id="rId37"/>
+    <p:notesMasterId r:id="rId38"/>
   </p:notesMasterIdLst>
   <p:sldIdLst>
     <p:sldId id="286" r:id="rId2"/>
@@ -22,27 +22,28 @@
     <p:sldId id="378" r:id="rId13"/>
     <p:sldId id="379" r:id="rId14"/>
     <p:sldId id="380" r:id="rId15"/>
-    <p:sldId id="381" r:id="rId16"/>
-    <p:sldId id="382" r:id="rId17"/>
-    <p:sldId id="383" r:id="rId18"/>
-    <p:sldId id="384" r:id="rId19"/>
-    <p:sldId id="385" r:id="rId20"/>
-    <p:sldId id="392" r:id="rId21"/>
-    <p:sldId id="371" r:id="rId22"/>
-    <p:sldId id="386" r:id="rId23"/>
-    <p:sldId id="387" r:id="rId24"/>
-    <p:sldId id="388" r:id="rId25"/>
-    <p:sldId id="352" r:id="rId26"/>
-    <p:sldId id="389" r:id="rId27"/>
-    <p:sldId id="390" r:id="rId28"/>
-    <p:sldId id="391" r:id="rId29"/>
-    <p:sldId id="393" r:id="rId30"/>
-    <p:sldId id="394" r:id="rId31"/>
-    <p:sldId id="395" r:id="rId32"/>
-    <p:sldId id="368" r:id="rId33"/>
-    <p:sldId id="369" r:id="rId34"/>
-    <p:sldId id="358" r:id="rId35"/>
-    <p:sldId id="372" r:id="rId36"/>
+    <p:sldId id="397" r:id="rId16"/>
+    <p:sldId id="381" r:id="rId17"/>
+    <p:sldId id="382" r:id="rId18"/>
+    <p:sldId id="383" r:id="rId19"/>
+    <p:sldId id="384" r:id="rId20"/>
+    <p:sldId id="385" r:id="rId21"/>
+    <p:sldId id="392" r:id="rId22"/>
+    <p:sldId id="371" r:id="rId23"/>
+    <p:sldId id="386" r:id="rId24"/>
+    <p:sldId id="387" r:id="rId25"/>
+    <p:sldId id="388" r:id="rId26"/>
+    <p:sldId id="352" r:id="rId27"/>
+    <p:sldId id="389" r:id="rId28"/>
+    <p:sldId id="390" r:id="rId29"/>
+    <p:sldId id="391" r:id="rId30"/>
+    <p:sldId id="393" r:id="rId31"/>
+    <p:sldId id="394" r:id="rId32"/>
+    <p:sldId id="395" r:id="rId33"/>
+    <p:sldId id="368" r:id="rId34"/>
+    <p:sldId id="369" r:id="rId35"/>
+    <p:sldId id="358" r:id="rId36"/>
+    <p:sldId id="372" r:id="rId37"/>
   </p:sldIdLst>
   <p:sldSz cx="9144000" cy="6858000" type="screen4x3"/>
   <p:notesSz cx="6858000" cy="9144000"/>
@@ -670,6 +671,753 @@
           <a:bodyPr/>
           <a:lstStyle/>
           <a:p>
+            <a:endParaRPr lang="pt-BR" dirty="0"/>
+          </a:p>
+        </p:txBody>
+      </p:sp>
+      <p:sp>
+        <p:nvSpPr>
+          <p:cNvPr id="4" name="Espaço Reservado para Número de Slide 3"/>
+          <p:cNvSpPr>
+            <a:spLocks noGrp="1"/>
+          </p:cNvSpPr>
+          <p:nvPr>
+            <p:ph type="sldNum" sz="quarter" idx="10"/>
+          </p:nvPr>
+        </p:nvSpPr>
+        <p:spPr/>
+        <p:txBody>
+          <a:bodyPr/>
+          <a:lstStyle/>
+          <a:p>
+            <a:fld id="{1703331F-5A7E-400F-916E-7C99988A06E6}" type="slidenum">
+              <a:rPr lang="pt-BR" smtClean="0"/>
+              <a:pPr/>
+              <a:t>15</a:t>
+            </a:fld>
+            <a:endParaRPr lang="pt-BR"/>
+          </a:p>
+        </p:txBody>
+      </p:sp>
+    </p:spTree>
+    <p:extLst>
+      <p:ext uri="{BB962C8B-B14F-4D97-AF65-F5344CB8AC3E}">
+        <p14:creationId xmlns:p14="http://schemas.microsoft.com/office/powerpoint/2010/main" val="1693925865"/>
+      </p:ext>
+    </p:extLst>
+  </p:cSld>
+  <p:clrMapOvr>
+    <a:masterClrMapping/>
+  </p:clrMapOvr>
+</p:notes>
+</file>
+
+<file path=ppt/notesSlides/notesSlide3.xml><?xml version="1.0" encoding="utf-8"?>
+<p:notes xmlns:a="http://schemas.openxmlformats.org/drawingml/2006/main" xmlns:r="http://schemas.openxmlformats.org/officeDocument/2006/relationships" xmlns:p="http://schemas.openxmlformats.org/presentationml/2006/main">
+  <p:cSld>
+    <p:spTree>
+      <p:nvGrpSpPr>
+        <p:cNvPr id="1" name=""/>
+        <p:cNvGrpSpPr/>
+        <p:nvPr/>
+      </p:nvGrpSpPr>
+      <p:grpSpPr>
+        <a:xfrm>
+          <a:off x="0" y="0"/>
+          <a:ext cx="0" cy="0"/>
+          <a:chOff x="0" y="0"/>
+          <a:chExt cx="0" cy="0"/>
+        </a:xfrm>
+      </p:grpSpPr>
+      <p:sp>
+        <p:nvSpPr>
+          <p:cNvPr id="2" name="Espaço Reservado para Imagem de Slide 1"/>
+          <p:cNvSpPr>
+            <a:spLocks noGrp="1" noRot="1" noChangeAspect="1"/>
+          </p:cNvSpPr>
+          <p:nvPr>
+            <p:ph type="sldImg"/>
+          </p:nvPr>
+        </p:nvSpPr>
+        <p:spPr/>
+      </p:sp>
+      <p:sp>
+        <p:nvSpPr>
+          <p:cNvPr id="3" name="Espaço Reservado para Anotações 2"/>
+          <p:cNvSpPr>
+            <a:spLocks noGrp="1"/>
+          </p:cNvSpPr>
+          <p:nvPr>
+            <p:ph type="body" idx="1"/>
+          </p:nvPr>
+        </p:nvSpPr>
+        <p:spPr/>
+        <p:txBody>
+          <a:bodyPr/>
+          <a:lstStyle/>
+          <a:p>
+            <a:r>
+              <a:rPr lang="pt-BR" dirty="0"/>
+              <a:t>---</a:t>
+            </a:r>
+            <a:r>
+              <a:rPr lang="pt-BR" dirty="0" err="1"/>
+              <a:t>Jquery</a:t>
+            </a:r>
+            <a:r>
+              <a:rPr lang="pt-BR" dirty="0"/>
+              <a:t> –facilitar a escrita do código</a:t>
+            </a:r>
+            <a:r>
+              <a:rPr lang="pt-BR" baseline="0" dirty="0"/>
+              <a:t> em </a:t>
+            </a:r>
+            <a:r>
+              <a:rPr lang="pt-BR" baseline="0" dirty="0" err="1"/>
+              <a:t>javascript</a:t>
+            </a:r>
+            <a:r>
+              <a:rPr lang="pt-BR" baseline="0" dirty="0"/>
+              <a:t> e fornecer uma manipulação simples de eventos</a:t>
+            </a:r>
+          </a:p>
+          <a:p>
+            <a:r>
+              <a:rPr lang="pt-BR" baseline="0" dirty="0"/>
+              <a:t>---</a:t>
+            </a:r>
+            <a:r>
+              <a:rPr lang="pt-BR" baseline="0" dirty="0" err="1"/>
+              <a:t>Jquery</a:t>
+            </a:r>
+            <a:r>
+              <a:rPr lang="pt-BR" baseline="0" dirty="0"/>
+              <a:t> </a:t>
+            </a:r>
+            <a:r>
+              <a:rPr lang="pt-BR" baseline="0" dirty="0" err="1"/>
+              <a:t>Validation</a:t>
+            </a:r>
+            <a:r>
+              <a:rPr lang="pt-BR" baseline="0" dirty="0"/>
+              <a:t> – validar dados do formulário</a:t>
+            </a:r>
+          </a:p>
+          <a:p>
+            <a:r>
+              <a:rPr lang="pt-BR" baseline="0" dirty="0"/>
+              <a:t>---</a:t>
+            </a:r>
+            <a:r>
+              <a:rPr lang="pt-BR" baseline="0" dirty="0" err="1"/>
+              <a:t>Bootstrap</a:t>
+            </a:r>
+            <a:r>
+              <a:rPr lang="pt-BR" baseline="0" dirty="0"/>
+              <a:t> – criação de layouts de CSS</a:t>
+            </a:r>
+          </a:p>
+          <a:p>
+            <a:r>
+              <a:rPr lang="pt-BR" baseline="0" dirty="0"/>
+              <a:t>---</a:t>
+            </a:r>
+            <a:r>
+              <a:rPr lang="pt-BR" baseline="0" dirty="0" err="1"/>
+              <a:t>Js-signals</a:t>
+            </a:r>
+            <a:r>
+              <a:rPr lang="pt-BR" baseline="0" dirty="0"/>
+              <a:t> – distribuir eventos</a:t>
+            </a:r>
+          </a:p>
+          <a:p>
+            <a:r>
+              <a:rPr lang="pt-BR" baseline="0" dirty="0"/>
+              <a:t>---</a:t>
+            </a:r>
+            <a:r>
+              <a:rPr lang="pt-BR" baseline="0" dirty="0" err="1"/>
+              <a:t>crossroads</a:t>
+            </a:r>
+            <a:r>
+              <a:rPr lang="pt-BR" baseline="0" dirty="0"/>
+              <a:t> – rotas das páginas no </a:t>
+            </a:r>
+            <a:r>
+              <a:rPr lang="pt-BR" baseline="0" dirty="0" err="1"/>
+              <a:t>javascript</a:t>
+            </a:r>
+            <a:endParaRPr lang="pt-BR" baseline="0" dirty="0"/>
+          </a:p>
+          <a:p>
+            <a:r>
+              <a:rPr lang="pt-BR" baseline="0" dirty="0"/>
+              <a:t>---</a:t>
+            </a:r>
+            <a:r>
+              <a:rPr lang="pt-BR" baseline="0" dirty="0" err="1"/>
+              <a:t>toastr</a:t>
+            </a:r>
+            <a:r>
+              <a:rPr lang="pt-BR" baseline="0" dirty="0"/>
+              <a:t> –notificações não bloqueadoras</a:t>
+            </a:r>
+          </a:p>
+          <a:p>
+            <a:endParaRPr lang="pt-BR" dirty="0"/>
+          </a:p>
+        </p:txBody>
+      </p:sp>
+      <p:sp>
+        <p:nvSpPr>
+          <p:cNvPr id="4" name="Espaço Reservado para Número de Slide 3"/>
+          <p:cNvSpPr>
+            <a:spLocks noGrp="1"/>
+          </p:cNvSpPr>
+          <p:nvPr>
+            <p:ph type="sldNum" sz="quarter" idx="10"/>
+          </p:nvPr>
+        </p:nvSpPr>
+        <p:spPr/>
+        <p:txBody>
+          <a:bodyPr/>
+          <a:lstStyle/>
+          <a:p>
+            <a:fld id="{1703331F-5A7E-400F-916E-7C99988A06E6}" type="slidenum">
+              <a:rPr lang="pt-BR" smtClean="0"/>
+              <a:pPr/>
+              <a:t>26</a:t>
+            </a:fld>
+            <a:endParaRPr lang="pt-BR"/>
+          </a:p>
+        </p:txBody>
+      </p:sp>
+    </p:spTree>
+    <p:extLst>
+      <p:ext uri="{BB962C8B-B14F-4D97-AF65-F5344CB8AC3E}">
+        <p14:creationId xmlns:p14="http://schemas.microsoft.com/office/powerpoint/2010/main" val="1121356052"/>
+      </p:ext>
+    </p:extLst>
+  </p:cSld>
+  <p:clrMapOvr>
+    <a:masterClrMapping/>
+  </p:clrMapOvr>
+</p:notes>
+</file>
+
+<file path=ppt/notesSlides/notesSlide4.xml><?xml version="1.0" encoding="utf-8"?>
+<p:notes xmlns:a="http://schemas.openxmlformats.org/drawingml/2006/main" xmlns:r="http://schemas.openxmlformats.org/officeDocument/2006/relationships" xmlns:p="http://schemas.openxmlformats.org/presentationml/2006/main">
+  <p:cSld>
+    <p:spTree>
+      <p:nvGrpSpPr>
+        <p:cNvPr id="1" name=""/>
+        <p:cNvGrpSpPr/>
+        <p:nvPr/>
+      </p:nvGrpSpPr>
+      <p:grpSpPr>
+        <a:xfrm>
+          <a:off x="0" y="0"/>
+          <a:ext cx="0" cy="0"/>
+          <a:chOff x="0" y="0"/>
+          <a:chExt cx="0" cy="0"/>
+        </a:xfrm>
+      </p:grpSpPr>
+      <p:sp>
+        <p:nvSpPr>
+          <p:cNvPr id="2" name="Espaço Reservado para Imagem de Slide 1"/>
+          <p:cNvSpPr>
+            <a:spLocks noGrp="1" noRot="1" noChangeAspect="1"/>
+          </p:cNvSpPr>
+          <p:nvPr>
+            <p:ph type="sldImg"/>
+          </p:nvPr>
+        </p:nvSpPr>
+        <p:spPr/>
+      </p:sp>
+      <p:sp>
+        <p:nvSpPr>
+          <p:cNvPr id="3" name="Espaço Reservado para Anotações 2"/>
+          <p:cNvSpPr>
+            <a:spLocks noGrp="1"/>
+          </p:cNvSpPr>
+          <p:nvPr>
+            <p:ph type="body" idx="1"/>
+          </p:nvPr>
+        </p:nvSpPr>
+        <p:spPr/>
+        <p:txBody>
+          <a:bodyPr/>
+          <a:lstStyle/>
+          <a:p>
+            <a:r>
+              <a:rPr lang="pt-BR" dirty="0"/>
+              <a:t>---</a:t>
+            </a:r>
+            <a:r>
+              <a:rPr lang="pt-BR" dirty="0" err="1"/>
+              <a:t>boatstrap-dialog</a:t>
+            </a:r>
+            <a:r>
+              <a:rPr lang="pt-BR" baseline="0" dirty="0"/>
+              <a:t> – </a:t>
+            </a:r>
+            <a:r>
+              <a:rPr lang="pt-BR" baseline="0" dirty="0" err="1"/>
+              <a:t>modals</a:t>
+            </a:r>
+            <a:endParaRPr lang="pt-BR" baseline="0" dirty="0"/>
+          </a:p>
+          <a:p>
+            <a:r>
+              <a:rPr lang="pt-BR" baseline="0" dirty="0"/>
+              <a:t>---</a:t>
+            </a:r>
+            <a:r>
+              <a:rPr lang="pt-BR" baseline="0" dirty="0" err="1"/>
+              <a:t>jquery</a:t>
+            </a:r>
+            <a:r>
+              <a:rPr lang="pt-BR" baseline="0" dirty="0"/>
+              <a:t>-ui- auto complete</a:t>
+            </a:r>
+          </a:p>
+          <a:p>
+            <a:r>
+              <a:rPr lang="pt-BR" baseline="0" dirty="0"/>
+              <a:t>---</a:t>
+            </a:r>
+            <a:r>
+              <a:rPr lang="pt-BR" baseline="0" dirty="0" err="1"/>
+              <a:t>jquery</a:t>
+            </a:r>
+            <a:r>
+              <a:rPr lang="pt-BR" baseline="0" dirty="0"/>
+              <a:t> </a:t>
+            </a:r>
+            <a:r>
+              <a:rPr lang="pt-BR" baseline="0" dirty="0" err="1"/>
+              <a:t>maskedinput</a:t>
+            </a:r>
+            <a:r>
+              <a:rPr lang="pt-BR" baseline="0" dirty="0"/>
+              <a:t> – mascaras para inputs</a:t>
+            </a:r>
+          </a:p>
+          <a:p>
+            <a:r>
+              <a:rPr lang="pt-BR" baseline="0" dirty="0"/>
+              <a:t>---</a:t>
+            </a:r>
+            <a:r>
+              <a:rPr lang="pt-BR" baseline="0" dirty="0" err="1"/>
+              <a:t>bootstrap-datepicker</a:t>
+            </a:r>
+            <a:r>
+              <a:rPr lang="pt-BR" baseline="0" dirty="0"/>
+              <a:t> – calendário para selecionar data</a:t>
+            </a:r>
+          </a:p>
+          <a:p>
+            <a:endParaRPr lang="pt-BR" dirty="0"/>
+          </a:p>
+        </p:txBody>
+      </p:sp>
+      <p:sp>
+        <p:nvSpPr>
+          <p:cNvPr id="4" name="Espaço Reservado para Número de Slide 3"/>
+          <p:cNvSpPr>
+            <a:spLocks noGrp="1"/>
+          </p:cNvSpPr>
+          <p:nvPr>
+            <p:ph type="sldNum" sz="quarter" idx="10"/>
+          </p:nvPr>
+        </p:nvSpPr>
+        <p:spPr/>
+        <p:txBody>
+          <a:bodyPr/>
+          <a:lstStyle/>
+          <a:p>
+            <a:fld id="{1703331F-5A7E-400F-916E-7C99988A06E6}" type="slidenum">
+              <a:rPr lang="pt-BR" smtClean="0"/>
+              <a:pPr/>
+              <a:t>27</a:t>
+            </a:fld>
+            <a:endParaRPr lang="pt-BR"/>
+          </a:p>
+        </p:txBody>
+      </p:sp>
+    </p:spTree>
+    <p:extLst>
+      <p:ext uri="{BB962C8B-B14F-4D97-AF65-F5344CB8AC3E}">
+        <p14:creationId xmlns:p14="http://schemas.microsoft.com/office/powerpoint/2010/main" val="3486380440"/>
+      </p:ext>
+    </p:extLst>
+  </p:cSld>
+  <p:clrMapOvr>
+    <a:masterClrMapping/>
+  </p:clrMapOvr>
+</p:notes>
+</file>
+
+<file path=ppt/notesSlides/notesSlide5.xml><?xml version="1.0" encoding="utf-8"?>
+<p:notes xmlns:a="http://schemas.openxmlformats.org/drawingml/2006/main" xmlns:r="http://schemas.openxmlformats.org/officeDocument/2006/relationships" xmlns:p="http://schemas.openxmlformats.org/presentationml/2006/main">
+  <p:cSld>
+    <p:spTree>
+      <p:nvGrpSpPr>
+        <p:cNvPr id="1" name=""/>
+        <p:cNvGrpSpPr/>
+        <p:nvPr/>
+      </p:nvGrpSpPr>
+      <p:grpSpPr>
+        <a:xfrm>
+          <a:off x="0" y="0"/>
+          <a:ext cx="0" cy="0"/>
+          <a:chOff x="0" y="0"/>
+          <a:chExt cx="0" cy="0"/>
+        </a:xfrm>
+      </p:grpSpPr>
+      <p:sp>
+        <p:nvSpPr>
+          <p:cNvPr id="2" name="Espaço Reservado para Imagem de Slide 1"/>
+          <p:cNvSpPr>
+            <a:spLocks noGrp="1" noRot="1" noChangeAspect="1"/>
+          </p:cNvSpPr>
+          <p:nvPr>
+            <p:ph type="sldImg"/>
+          </p:nvPr>
+        </p:nvSpPr>
+        <p:spPr/>
+      </p:sp>
+      <p:sp>
+        <p:nvSpPr>
+          <p:cNvPr id="3" name="Espaço Reservado para Anotações 2"/>
+          <p:cNvSpPr>
+            <a:spLocks noGrp="1"/>
+          </p:cNvSpPr>
+          <p:nvPr>
+            <p:ph type="body" idx="1"/>
+          </p:nvPr>
+        </p:nvSpPr>
+        <p:spPr/>
+        <p:txBody>
+          <a:bodyPr/>
+          <a:lstStyle/>
+          <a:p>
+            <a:r>
+              <a:rPr lang="pt-BR" dirty="0"/>
+              <a:t>--- </a:t>
+            </a:r>
+            <a:r>
+              <a:rPr lang="pt-BR" dirty="0" err="1"/>
+              <a:t>php</a:t>
+            </a:r>
+            <a:r>
+              <a:rPr lang="pt-BR" dirty="0"/>
+              <a:t>-útil – bibliotecas utilitárias ( facilitar uso de </a:t>
+            </a:r>
+            <a:r>
+              <a:rPr lang="pt-BR" dirty="0" err="1"/>
+              <a:t>json</a:t>
+            </a:r>
+            <a:r>
+              <a:rPr lang="pt-BR" dirty="0"/>
+              <a:t> e </a:t>
+            </a:r>
+            <a:r>
+              <a:rPr lang="pt-BR" dirty="0" err="1"/>
+              <a:t>paramutil</a:t>
+            </a:r>
+            <a:r>
+              <a:rPr lang="pt-BR" dirty="0"/>
+              <a:t> que</a:t>
+            </a:r>
+            <a:r>
+              <a:rPr lang="pt-BR" baseline="0" dirty="0"/>
+              <a:t> facilita captação de parâmetros de </a:t>
+            </a:r>
+            <a:r>
+              <a:rPr lang="pt-BR" baseline="0" dirty="0" err="1"/>
+              <a:t>req</a:t>
+            </a:r>
+            <a:r>
+              <a:rPr lang="pt-BR" baseline="0" dirty="0"/>
+              <a:t>. HTTP </a:t>
+            </a:r>
+            <a:r>
+              <a:rPr lang="pt-BR" dirty="0"/>
+              <a:t>)</a:t>
+            </a:r>
+          </a:p>
+          <a:p>
+            <a:r>
+              <a:rPr lang="pt-BR" dirty="0"/>
+              <a:t>---</a:t>
+            </a:r>
+            <a:r>
+              <a:rPr lang="pt-BR" dirty="0" err="1"/>
+              <a:t>Slim</a:t>
+            </a:r>
+            <a:r>
+              <a:rPr lang="pt-BR" dirty="0"/>
+              <a:t>-</a:t>
+            </a:r>
+            <a:r>
+              <a:rPr lang="pt-BR" baseline="0" dirty="0"/>
+              <a:t> mapear rotas</a:t>
+            </a:r>
+            <a:endParaRPr lang="pt-BR" dirty="0"/>
+          </a:p>
+          <a:p>
+            <a:r>
+              <a:rPr lang="pt-BR" dirty="0"/>
+              <a:t>--- </a:t>
+            </a:r>
+            <a:r>
+              <a:rPr lang="pt-BR" dirty="0" err="1"/>
+              <a:t>Session</a:t>
+            </a:r>
+            <a:r>
+              <a:rPr lang="pt-BR" baseline="0" dirty="0"/>
+              <a:t> – facilita utilização de sessões</a:t>
+            </a:r>
+          </a:p>
+          <a:p>
+            <a:r>
+              <a:rPr lang="pt-BR" dirty="0"/>
+              <a:t>----</a:t>
+            </a:r>
+            <a:r>
+              <a:rPr lang="pt-BR" dirty="0" err="1"/>
+              <a:t>Dice</a:t>
+            </a:r>
+            <a:r>
+              <a:rPr lang="pt-BR" dirty="0"/>
+              <a:t> – agilizar e facilitar uso de injeção</a:t>
+            </a:r>
+            <a:r>
+              <a:rPr lang="pt-BR" baseline="0" dirty="0"/>
+              <a:t> de dependências</a:t>
+            </a:r>
+            <a:endParaRPr lang="pt-BR" dirty="0"/>
+          </a:p>
+        </p:txBody>
+      </p:sp>
+      <p:sp>
+        <p:nvSpPr>
+          <p:cNvPr id="4" name="Espaço Reservado para Número de Slide 3"/>
+          <p:cNvSpPr>
+            <a:spLocks noGrp="1"/>
+          </p:cNvSpPr>
+          <p:nvPr>
+            <p:ph type="sldNum" sz="quarter" idx="10"/>
+          </p:nvPr>
+        </p:nvSpPr>
+        <p:spPr/>
+        <p:txBody>
+          <a:bodyPr/>
+          <a:lstStyle/>
+          <a:p>
+            <a:fld id="{1703331F-5A7E-400F-916E-7C99988A06E6}" type="slidenum">
+              <a:rPr lang="pt-BR" smtClean="0"/>
+              <a:pPr/>
+              <a:t>28</a:t>
+            </a:fld>
+            <a:endParaRPr lang="pt-BR"/>
+          </a:p>
+        </p:txBody>
+      </p:sp>
+    </p:spTree>
+    <p:extLst>
+      <p:ext uri="{BB962C8B-B14F-4D97-AF65-F5344CB8AC3E}">
+        <p14:creationId xmlns:p14="http://schemas.microsoft.com/office/powerpoint/2010/main" val="2156603939"/>
+      </p:ext>
+    </p:extLst>
+  </p:cSld>
+  <p:clrMapOvr>
+    <a:masterClrMapping/>
+  </p:clrMapOvr>
+</p:notes>
+</file>
+
+<file path=ppt/notesSlides/notesSlide6.xml><?xml version="1.0" encoding="utf-8"?>
+<p:notes xmlns:a="http://schemas.openxmlformats.org/drawingml/2006/main" xmlns:r="http://schemas.openxmlformats.org/officeDocument/2006/relationships" xmlns:p="http://schemas.openxmlformats.org/presentationml/2006/main">
+  <p:cSld>
+    <p:spTree>
+      <p:nvGrpSpPr>
+        <p:cNvPr id="1" name=""/>
+        <p:cNvGrpSpPr/>
+        <p:nvPr/>
+      </p:nvGrpSpPr>
+      <p:grpSpPr>
+        <a:xfrm>
+          <a:off x="0" y="0"/>
+          <a:ext cx="0" cy="0"/>
+          <a:chOff x="0" y="0"/>
+          <a:chExt cx="0" cy="0"/>
+        </a:xfrm>
+      </p:grpSpPr>
+      <p:sp>
+        <p:nvSpPr>
+          <p:cNvPr id="2" name="Espaço Reservado para Imagem de Slide 1"/>
+          <p:cNvSpPr>
+            <a:spLocks noGrp="1" noRot="1" noChangeAspect="1"/>
+          </p:cNvSpPr>
+          <p:nvPr>
+            <p:ph type="sldImg"/>
+          </p:nvPr>
+        </p:nvSpPr>
+        <p:spPr/>
+      </p:sp>
+      <p:sp>
+        <p:nvSpPr>
+          <p:cNvPr id="3" name="Espaço Reservado para Anotações 2"/>
+          <p:cNvSpPr>
+            <a:spLocks noGrp="1"/>
+          </p:cNvSpPr>
+          <p:nvPr>
+            <p:ph type="body" idx="1"/>
+          </p:nvPr>
+        </p:nvSpPr>
+        <p:spPr/>
+        <p:txBody>
+          <a:bodyPr/>
+          <a:lstStyle/>
+          <a:p>
+            <a:r>
+              <a:rPr lang="pt-BR" dirty="0"/>
+              <a:t>---</a:t>
+            </a:r>
+            <a:r>
+              <a:rPr lang="pt-BR" dirty="0" err="1"/>
+              <a:t>composer</a:t>
+            </a:r>
+            <a:r>
+              <a:rPr lang="pt-BR" dirty="0"/>
+              <a:t> – gerenciar dependências</a:t>
+            </a:r>
+            <a:r>
+              <a:rPr lang="pt-BR" baseline="0" dirty="0"/>
+              <a:t> do </a:t>
+            </a:r>
+            <a:r>
+              <a:rPr lang="pt-BR" baseline="0" dirty="0" err="1"/>
+              <a:t>php</a:t>
+            </a:r>
+            <a:endParaRPr lang="pt-BR" baseline="0" dirty="0"/>
+          </a:p>
+          <a:p>
+            <a:r>
+              <a:rPr lang="pt-BR" baseline="0" dirty="0"/>
+              <a:t>---</a:t>
+            </a:r>
+            <a:r>
+              <a:rPr lang="pt-BR" baseline="0" dirty="0" err="1"/>
+              <a:t>bower</a:t>
+            </a:r>
+            <a:r>
+              <a:rPr lang="pt-BR" baseline="0" dirty="0"/>
+              <a:t> – gerenciar dependências do lado cliente</a:t>
+            </a:r>
+          </a:p>
+          <a:p>
+            <a:r>
+              <a:rPr lang="pt-BR" baseline="0" dirty="0"/>
+              <a:t>---</a:t>
+            </a:r>
+            <a:r>
+              <a:rPr lang="pt-BR" baseline="0" dirty="0" err="1"/>
+              <a:t>git</a:t>
+            </a:r>
+            <a:r>
+              <a:rPr lang="pt-BR" baseline="0" dirty="0"/>
+              <a:t> – controle de versão</a:t>
+            </a:r>
+            <a:endParaRPr lang="pt-BR" dirty="0"/>
+          </a:p>
+        </p:txBody>
+      </p:sp>
+      <p:sp>
+        <p:nvSpPr>
+          <p:cNvPr id="4" name="Espaço Reservado para Número de Slide 3"/>
+          <p:cNvSpPr>
+            <a:spLocks noGrp="1"/>
+          </p:cNvSpPr>
+          <p:nvPr>
+            <p:ph type="sldNum" sz="quarter" idx="10"/>
+          </p:nvPr>
+        </p:nvSpPr>
+        <p:spPr/>
+        <p:txBody>
+          <a:bodyPr/>
+          <a:lstStyle/>
+          <a:p>
+            <a:fld id="{1703331F-5A7E-400F-916E-7C99988A06E6}" type="slidenum">
+              <a:rPr lang="pt-BR" smtClean="0"/>
+              <a:pPr/>
+              <a:t>29</a:t>
+            </a:fld>
+            <a:endParaRPr lang="pt-BR"/>
+          </a:p>
+        </p:txBody>
+      </p:sp>
+    </p:spTree>
+    <p:extLst>
+      <p:ext uri="{BB962C8B-B14F-4D97-AF65-F5344CB8AC3E}">
+        <p14:creationId xmlns:p14="http://schemas.microsoft.com/office/powerpoint/2010/main" val="271156466"/>
+      </p:ext>
+    </p:extLst>
+  </p:cSld>
+  <p:clrMapOvr>
+    <a:masterClrMapping/>
+  </p:clrMapOvr>
+</p:notes>
+</file>
+
+<file path=ppt/notesSlides/notesSlide7.xml><?xml version="1.0" encoding="utf-8"?>
+<p:notes xmlns:a="http://schemas.openxmlformats.org/drawingml/2006/main" xmlns:r="http://schemas.openxmlformats.org/officeDocument/2006/relationships" xmlns:p="http://schemas.openxmlformats.org/presentationml/2006/main">
+  <p:cSld>
+    <p:spTree>
+      <p:nvGrpSpPr>
+        <p:cNvPr id="1" name=""/>
+        <p:cNvGrpSpPr/>
+        <p:nvPr/>
+      </p:nvGrpSpPr>
+      <p:grpSpPr>
+        <a:xfrm>
+          <a:off x="0" y="0"/>
+          <a:ext cx="0" cy="0"/>
+          <a:chOff x="0" y="0"/>
+          <a:chExt cx="0" cy="0"/>
+        </a:xfrm>
+      </p:grpSpPr>
+      <p:sp>
+        <p:nvSpPr>
+          <p:cNvPr id="2" name="Espaço Reservado para Imagem de Slide 1"/>
+          <p:cNvSpPr>
+            <a:spLocks noGrp="1" noRot="1" noChangeAspect="1"/>
+          </p:cNvSpPr>
+          <p:nvPr>
+            <p:ph type="sldImg"/>
+          </p:nvPr>
+        </p:nvSpPr>
+        <p:spPr/>
+      </p:sp>
+      <p:sp>
+        <p:nvSpPr>
+          <p:cNvPr id="3" name="Espaço Reservado para Anotações 2"/>
+          <p:cNvSpPr>
+            <a:spLocks noGrp="1"/>
+          </p:cNvSpPr>
+          <p:nvPr>
+            <p:ph type="body" idx="1"/>
+          </p:nvPr>
+        </p:nvSpPr>
+        <p:spPr/>
+        <p:txBody>
+          <a:bodyPr/>
+          <a:lstStyle/>
+          <a:p>
             <a:endParaRPr lang="pt-BR"/>
           </a:p>
         </p:txBody>
@@ -692,7 +1440,7 @@
             <a:fld id="{1703331F-5A7E-400F-916E-7C99988A06E6}" type="slidenum">
               <a:rPr lang="pt-BR"/>
               <a:pPr/>
-              <a:t>35</a:t>
+              <a:t>36</a:t>
             </a:fld>
             <a:endParaRPr lang="pt-BR"/>
           </a:p>
@@ -5525,6 +6273,84 @@
           <a:bodyPr/>
           <a:lstStyle/>
           <a:p>
+            <a:endParaRPr lang="pt-BR"/>
+          </a:p>
+        </p:txBody>
+      </p:sp>
+      <p:pic>
+        <p:nvPicPr>
+          <p:cNvPr id="4" name="Espaço Reservado para Conteúdo 3"/>
+          <p:cNvPicPr>
+            <a:picLocks noGrp="1" noChangeAspect="1"/>
+          </p:cNvPicPr>
+          <p:nvPr>
+            <p:ph idx="1"/>
+          </p:nvPr>
+        </p:nvPicPr>
+        <p:blipFill>
+          <a:blip r:embed="rId3">
+            <a:extLst>
+              <a:ext uri="{28A0092B-C50C-407E-A947-70E740481C1C}">
+                <a14:useLocalDpi xmlns:a14="http://schemas.microsoft.com/office/drawing/2010/main" val="0"/>
+              </a:ext>
+            </a:extLst>
+          </a:blip>
+          <a:stretch>
+            <a:fillRect/>
+          </a:stretch>
+        </p:blipFill>
+        <p:spPr>
+          <a:xfrm>
+            <a:off x="1221468" y="-4766"/>
+            <a:ext cx="7610702" cy="7034166"/>
+          </a:xfrm>
+        </p:spPr>
+      </p:pic>
+    </p:spTree>
+    <p:extLst>
+      <p:ext uri="{BB962C8B-B14F-4D97-AF65-F5344CB8AC3E}">
+        <p14:creationId xmlns:p14="http://schemas.microsoft.com/office/powerpoint/2010/main" val="736966676"/>
+      </p:ext>
+    </p:extLst>
+  </p:cSld>
+  <p:clrMapOvr>
+    <a:masterClrMapping/>
+  </p:clrMapOvr>
+</p:sld>
+</file>
+
+<file path=ppt/slides/slide16.xml><?xml version="1.0" encoding="utf-8"?>
+<p:sld xmlns:a="http://schemas.openxmlformats.org/drawingml/2006/main" xmlns:r="http://schemas.openxmlformats.org/officeDocument/2006/relationships" xmlns:p="http://schemas.openxmlformats.org/presentationml/2006/main">
+  <p:cSld>
+    <p:spTree>
+      <p:nvGrpSpPr>
+        <p:cNvPr id="1" name=""/>
+        <p:cNvGrpSpPr/>
+        <p:nvPr/>
+      </p:nvGrpSpPr>
+      <p:grpSpPr>
+        <a:xfrm>
+          <a:off x="0" y="0"/>
+          <a:ext cx="0" cy="0"/>
+          <a:chOff x="0" y="0"/>
+          <a:chExt cx="0" cy="0"/>
+        </a:xfrm>
+      </p:grpSpPr>
+      <p:sp>
+        <p:nvSpPr>
+          <p:cNvPr id="2" name="Título 1"/>
+          <p:cNvSpPr>
+            <a:spLocks noGrp="1"/>
+          </p:cNvSpPr>
+          <p:nvPr>
+            <p:ph type="title"/>
+          </p:nvPr>
+        </p:nvSpPr>
+        <p:spPr/>
+        <p:txBody>
+          <a:bodyPr/>
+          <a:lstStyle/>
+          <a:p>
             <a:pPr algn="ctr"/>
             <a:r>
               <a:rPr lang="pt-BR" dirty="0"/>
@@ -5995,7 +6821,7 @@
 </p:sld>
 </file>
 
-<file path=ppt/slides/slide16.xml><?xml version="1.0" encoding="utf-8"?>
+<file path=ppt/slides/slide17.xml><?xml version="1.0" encoding="utf-8"?>
 <p:sld xmlns:a="http://schemas.openxmlformats.org/drawingml/2006/main" xmlns:r="http://schemas.openxmlformats.org/officeDocument/2006/relationships" xmlns:p="http://schemas.openxmlformats.org/presentationml/2006/main">
   <p:cSld>
     <p:spTree>
@@ -6837,7 +7663,7 @@
 </p:sld>
 </file>
 
-<file path=ppt/slides/slide17.xml><?xml version="1.0" encoding="utf-8"?>
+<file path=ppt/slides/slide18.xml><?xml version="1.0" encoding="utf-8"?>
 <p:sld xmlns:a="http://schemas.openxmlformats.org/drawingml/2006/main" xmlns:r="http://schemas.openxmlformats.org/officeDocument/2006/relationships" xmlns:p="http://schemas.openxmlformats.org/presentationml/2006/main">
   <p:cSld>
     <p:spTree>
@@ -8128,85 +8954,6 @@
 </p:sld>
 </file>
 
-<file path=ppt/slides/slide18.xml><?xml version="1.0" encoding="utf-8"?>
-<p:sld xmlns:a="http://schemas.openxmlformats.org/drawingml/2006/main" xmlns:r="http://schemas.openxmlformats.org/officeDocument/2006/relationships" xmlns:p="http://schemas.openxmlformats.org/presentationml/2006/main">
-  <p:cSld>
-    <p:spTree>
-      <p:nvGrpSpPr>
-        <p:cNvPr id="1" name=""/>
-        <p:cNvGrpSpPr/>
-        <p:nvPr/>
-      </p:nvGrpSpPr>
-      <p:grpSpPr>
-        <a:xfrm>
-          <a:off x="0" y="0"/>
-          <a:ext cx="0" cy="0"/>
-          <a:chOff x="0" y="0"/>
-          <a:chExt cx="0" cy="0"/>
-        </a:xfrm>
-      </p:grpSpPr>
-      <p:sp>
-        <p:nvSpPr>
-          <p:cNvPr id="2" name="Título 1"/>
-          <p:cNvSpPr>
-            <a:spLocks noGrp="1"/>
-          </p:cNvSpPr>
-          <p:nvPr>
-            <p:ph type="title"/>
-          </p:nvPr>
-        </p:nvSpPr>
-        <p:spPr/>
-        <p:txBody>
-          <a:bodyPr/>
-          <a:lstStyle/>
-          <a:p>
-            <a:pPr algn="ctr"/>
-            <a:r>
-              <a:rPr lang="pt-BR" dirty="0"/>
-              <a:t>Estrutura</a:t>
-            </a:r>
-          </a:p>
-        </p:txBody>
-      </p:sp>
-      <p:sp>
-        <p:nvSpPr>
-          <p:cNvPr id="9" name="Espaço Reservado para Conteúdo 8"/>
-          <p:cNvSpPr>
-            <a:spLocks noGrp="1"/>
-          </p:cNvSpPr>
-          <p:nvPr>
-            <p:ph idx="1"/>
-          </p:nvPr>
-        </p:nvSpPr>
-        <p:spPr/>
-        <p:txBody>
-          <a:bodyPr/>
-          <a:lstStyle/>
-          <a:p>
-            <a:r>
-              <a:rPr lang="pt-BR" dirty="0"/>
-              <a:t>Diagrama de classes do negócio</a:t>
-            </a:r>
-          </a:p>
-          <a:p>
-            <a:endParaRPr lang="pt-BR" dirty="0"/>
-          </a:p>
-          <a:p>
-            <a:r>
-              <a:rPr lang="pt-BR" dirty="0"/>
-              <a:t>Modelo de Entidade Relacionamento do banco de dados</a:t>
-            </a:r>
-          </a:p>
-        </p:txBody>
-      </p:sp>
-    </p:spTree>
-  </p:cSld>
-  <p:clrMapOvr>
-    <a:masterClrMapping/>
-  </p:clrMapOvr>
-</p:sld>
-</file>
-
 <file path=ppt/slides/slide19.xml><?xml version="1.0" encoding="utf-8"?>
 <p:sld xmlns:a="http://schemas.openxmlformats.org/drawingml/2006/main" xmlns:r="http://schemas.openxmlformats.org/officeDocument/2006/relationships" xmlns:p="http://schemas.openxmlformats.org/presentationml/2006/main">
   <p:cSld>
@@ -8239,6 +8986,7 @@
           <a:bodyPr/>
           <a:lstStyle/>
           <a:p>
+            <a:pPr algn="ctr"/>
             <a:r>
               <a:rPr lang="pt-BR" dirty="0"/>
               <a:t>Estrutura</a:t>
@@ -8246,29 +8994,42 @@
           </a:p>
         </p:txBody>
       </p:sp>
-      <p:pic>
-        <p:nvPicPr>
-          <p:cNvPr id="8" name="Espaço Reservado para Conteúdo 7" descr="DiagramaClassePrincipal.png"/>
-          <p:cNvPicPr>
-            <a:picLocks noGrp="1" noChangeAspect="1"/>
-          </p:cNvPicPr>
+      <p:sp>
+        <p:nvSpPr>
+          <p:cNvPr id="9" name="Espaço Reservado para Conteúdo 8"/>
+          <p:cNvSpPr>
+            <a:spLocks noGrp="1"/>
+          </p:cNvSpPr>
           <p:nvPr>
             <p:ph idx="1"/>
           </p:nvPr>
-        </p:nvPicPr>
-        <p:blipFill>
-          <a:blip r:embed="rId2"/>
-          <a:stretch>
-            <a:fillRect/>
-          </a:stretch>
-        </p:blipFill>
-        <p:spPr>
-          <a:xfrm>
-            <a:off x="-157011" y="0"/>
-            <a:ext cx="9301011" cy="6969911"/>
-          </a:xfrm>
-        </p:spPr>
-      </p:pic>
+        </p:nvSpPr>
+        <p:spPr/>
+        <p:txBody>
+          <a:bodyPr/>
+          <a:lstStyle/>
+          <a:p>
+            <a:r>
+              <a:rPr lang="pt-BR" dirty="0"/>
+              <a:t>Diagrama de classe</a:t>
+            </a:r>
+          </a:p>
+          <a:p>
+            <a:endParaRPr lang="pt-BR" dirty="0"/>
+          </a:p>
+          <a:p>
+            <a:r>
+              <a:rPr lang="pt-BR" dirty="0"/>
+              <a:t>Diagrama do banco </a:t>
+            </a:r>
+            <a:r>
+              <a:rPr lang="pt-BR"/>
+              <a:t>de dados</a:t>
+            </a:r>
+            <a:endParaRPr lang="pt-BR" dirty="0"/>
+          </a:p>
+        </p:txBody>
+      </p:sp>
     </p:spTree>
   </p:cSld>
   <p:clrMapOvr>
@@ -8339,12 +9100,6 @@
           <a:p>
             <a:r>
               <a:rPr lang="pt-BR" sz="2300" dirty="0"/>
-              <a:t>Motivação</a:t>
-            </a:r>
-          </a:p>
-          <a:p>
-            <a:r>
-              <a:rPr lang="pt-BR" sz="2300" dirty="0"/>
               <a:t>Problema</a:t>
             </a:r>
           </a:p>
@@ -8438,7 +9193,7 @@
       </p:grpSpPr>
       <p:sp>
         <p:nvSpPr>
-          <p:cNvPr id="5" name="Título 4"/>
+          <p:cNvPr id="2" name="Título 1"/>
           <p:cNvSpPr>
             <a:spLocks noGrp="1"/>
           </p:cNvSpPr>
@@ -8451,13 +9206,16 @@
           <a:bodyPr/>
           <a:lstStyle/>
           <a:p>
-            <a:endParaRPr lang="pt-BR"/>
+            <a:r>
+              <a:rPr lang="pt-BR" dirty="0"/>
+              <a:t>Estrutura</a:t>
+            </a:r>
           </a:p>
         </p:txBody>
       </p:sp>
       <p:pic>
         <p:nvPicPr>
-          <p:cNvPr id="7" name="Espaço Reservado para Conteúdo 6" descr="BDpharmabook.png"/>
+          <p:cNvPr id="8" name="Espaço Reservado para Conteúdo 7" descr="DiagramaClassePrincipal.png"/>
           <p:cNvPicPr>
             <a:picLocks noGrp="1" noChangeAspect="1"/>
           </p:cNvPicPr>
@@ -8473,8 +9231,8 @@
         </p:blipFill>
         <p:spPr>
           <a:xfrm>
-            <a:off x="1000100" y="0"/>
-            <a:ext cx="7715304" cy="6851937"/>
+            <a:off x="-157011" y="0"/>
+            <a:ext cx="9301011" cy="6969911"/>
           </a:xfrm>
         </p:spPr>
       </p:pic>
@@ -8505,6 +9263,73 @@
       </p:grpSpPr>
       <p:sp>
         <p:nvSpPr>
+          <p:cNvPr id="5" name="Título 4"/>
+          <p:cNvSpPr>
+            <a:spLocks noGrp="1"/>
+          </p:cNvSpPr>
+          <p:nvPr>
+            <p:ph type="title"/>
+          </p:nvPr>
+        </p:nvSpPr>
+        <p:spPr/>
+        <p:txBody>
+          <a:bodyPr/>
+          <a:lstStyle/>
+          <a:p>
+            <a:endParaRPr lang="pt-BR"/>
+          </a:p>
+        </p:txBody>
+      </p:sp>
+      <p:pic>
+        <p:nvPicPr>
+          <p:cNvPr id="7" name="Espaço Reservado para Conteúdo 6" descr="BDpharmabook.png"/>
+          <p:cNvPicPr>
+            <a:picLocks noGrp="1" noChangeAspect="1"/>
+          </p:cNvPicPr>
+          <p:nvPr>
+            <p:ph idx="1"/>
+          </p:nvPr>
+        </p:nvPicPr>
+        <p:blipFill>
+          <a:blip r:embed="rId2"/>
+          <a:stretch>
+            <a:fillRect/>
+          </a:stretch>
+        </p:blipFill>
+        <p:spPr>
+          <a:xfrm>
+            <a:off x="1000100" y="0"/>
+            <a:ext cx="7715304" cy="6851937"/>
+          </a:xfrm>
+        </p:spPr>
+      </p:pic>
+    </p:spTree>
+  </p:cSld>
+  <p:clrMapOvr>
+    <a:masterClrMapping/>
+  </p:clrMapOvr>
+</p:sld>
+</file>
+
+<file path=ppt/slides/slide22.xml><?xml version="1.0" encoding="utf-8"?>
+<p:sld xmlns:a="http://schemas.openxmlformats.org/drawingml/2006/main" xmlns:r="http://schemas.openxmlformats.org/officeDocument/2006/relationships" xmlns:p="http://schemas.openxmlformats.org/presentationml/2006/main">
+  <p:cSld>
+    <p:spTree>
+      <p:nvGrpSpPr>
+        <p:cNvPr id="1" name=""/>
+        <p:cNvGrpSpPr/>
+        <p:nvPr/>
+      </p:nvGrpSpPr>
+      <p:grpSpPr>
+        <a:xfrm>
+          <a:off x="0" y="0"/>
+          <a:ext cx="0" cy="0"/>
+          <a:chOff x="0" y="0"/>
+          <a:chExt cx="0" cy="0"/>
+        </a:xfrm>
+      </p:grpSpPr>
+      <p:sp>
+        <p:nvSpPr>
           <p:cNvPr id="2" name="Título 1"/>
           <p:cNvSpPr>
             <a:spLocks noGrp="1"/>
@@ -8589,19 +9414,7 @@
             </a:r>
             <a:r>
               <a:rPr lang="pt-BR" sz="800" dirty="0"/>
-              <a:t> </a:t>
-            </a:r>
-            <a:r>
-              <a:rPr lang="pt-BR" sz="800" dirty="0"/>
-              <a:t>em: 08 de </a:t>
-            </a:r>
-            <a:r>
-              <a:rPr lang="pt-BR" sz="800" dirty="0" err="1"/>
-              <a:t>dezembroi</a:t>
-            </a:r>
-            <a:r>
-              <a:rPr lang="pt-BR" sz="800" dirty="0"/>
-              <a:t> de 2016</a:t>
+              <a:t> em: 08 de dezembro de 2016</a:t>
             </a:r>
           </a:p>
         </p:txBody>
@@ -8614,7 +9427,7 @@
 </p:sld>
 </file>
 
-<file path=ppt/slides/slide22.xml><?xml version="1.0" encoding="utf-8"?>
+<file path=ppt/slides/slide23.xml><?xml version="1.0" encoding="utf-8"?>
 <p:sld xmlns:a="http://schemas.openxmlformats.org/drawingml/2006/main" xmlns:r="http://schemas.openxmlformats.org/officeDocument/2006/relationships" xmlns:p="http://schemas.openxmlformats.org/presentationml/2006/main">
   <p:cSld>
     <p:spTree>
@@ -8768,7 +9581,7 @@
 </p:sld>
 </file>
 
-<file path=ppt/slides/slide23.xml><?xml version="1.0" encoding="utf-8"?>
+<file path=ppt/slides/slide24.xml><?xml version="1.0" encoding="utf-8"?>
 <p:sld xmlns:a="http://schemas.openxmlformats.org/drawingml/2006/main" xmlns:r="http://schemas.openxmlformats.org/officeDocument/2006/relationships" xmlns:p="http://schemas.openxmlformats.org/presentationml/2006/main">
   <p:cSld>
     <p:spTree>
@@ -8843,7 +9656,7 @@
 </p:sld>
 </file>
 
-<file path=ppt/slides/slide24.xml><?xml version="1.0" encoding="utf-8"?>
+<file path=ppt/slides/slide25.xml><?xml version="1.0" encoding="utf-8"?>
 <p:sld xmlns:a="http://schemas.openxmlformats.org/drawingml/2006/main" xmlns:r="http://schemas.openxmlformats.org/officeDocument/2006/relationships" xmlns:p="http://schemas.openxmlformats.org/presentationml/2006/main">
   <p:cSld>
     <p:spTree>
@@ -8976,214 +9789,6 @@
 </p:sld>
 </file>
 
-<file path=ppt/slides/slide25.xml><?xml version="1.0" encoding="utf-8"?>
-<p:sld xmlns:a="http://schemas.openxmlformats.org/drawingml/2006/main" xmlns:r="http://schemas.openxmlformats.org/officeDocument/2006/relationships" xmlns:p="http://schemas.openxmlformats.org/presentationml/2006/main">
-  <p:cSld>
-    <p:spTree>
-      <p:nvGrpSpPr>
-        <p:cNvPr id="1" name=""/>
-        <p:cNvGrpSpPr/>
-        <p:nvPr/>
-      </p:nvGrpSpPr>
-      <p:grpSpPr>
-        <a:xfrm>
-          <a:off x="0" y="0"/>
-          <a:ext cx="0" cy="0"/>
-          <a:chOff x="0" y="0"/>
-          <a:chExt cx="0" cy="0"/>
-        </a:xfrm>
-      </p:grpSpPr>
-      <p:sp>
-        <p:nvSpPr>
-          <p:cNvPr id="2" name="Título 1"/>
-          <p:cNvSpPr>
-            <a:spLocks noGrp="1"/>
-          </p:cNvSpPr>
-          <p:nvPr>
-            <p:ph type="title"/>
-          </p:nvPr>
-        </p:nvSpPr>
-        <p:spPr/>
-        <p:txBody>
-          <a:bodyPr/>
-          <a:lstStyle/>
-          <a:p>
-            <a:r>
-              <a:rPr lang="pt-BR" dirty="0"/>
-              <a:t>Tecnologias Utilizadas</a:t>
-            </a:r>
-          </a:p>
-        </p:txBody>
-      </p:sp>
-      <p:sp>
-        <p:nvSpPr>
-          <p:cNvPr id="3" name="Espaço Reservado para Conteúdo 2"/>
-          <p:cNvSpPr>
-            <a:spLocks noGrp="1"/>
-          </p:cNvSpPr>
-          <p:nvPr>
-            <p:ph idx="1"/>
-          </p:nvPr>
-        </p:nvSpPr>
-        <p:spPr/>
-        <p:txBody>
-          <a:bodyPr/>
-          <a:lstStyle/>
-          <a:p>
-            <a:pPr algn="ctr">
-              <a:buNone/>
-            </a:pPr>
-            <a:r>
-              <a:rPr lang="pt-BR" dirty="0"/>
-              <a:t>Cliente:</a:t>
-            </a:r>
-          </a:p>
-          <a:p>
-            <a:r>
-              <a:rPr lang="pt-BR" sz="1800" dirty="0"/>
-              <a:t>JQuery2.1.3	</a:t>
-            </a:r>
-          </a:p>
-          <a:p>
-            <a:pPr lvl="1"/>
-            <a:r>
-              <a:rPr lang="en-US" sz="1400" u="sng" dirty="0">
-                <a:hlinkClick r:id="rId2"/>
-              </a:rPr>
-              <a:t>https://jquery.com/</a:t>
-            </a:r>
-            <a:endParaRPr lang="pt-BR" sz="1400" dirty="0"/>
-          </a:p>
-          <a:p>
-            <a:r>
-              <a:rPr lang="pt-BR" sz="1800" dirty="0" err="1"/>
-              <a:t>JQuery</a:t>
-            </a:r>
-            <a:r>
-              <a:rPr lang="pt-BR" sz="1800" dirty="0"/>
-              <a:t> </a:t>
-            </a:r>
-            <a:r>
-              <a:rPr lang="pt-BR" sz="1800" dirty="0" err="1"/>
-              <a:t>Validation</a:t>
-            </a:r>
-            <a:r>
-              <a:rPr lang="pt-BR" sz="1800" dirty="0"/>
-              <a:t> </a:t>
-            </a:r>
-          </a:p>
-          <a:p>
-            <a:pPr lvl="1"/>
-            <a:r>
-              <a:rPr lang="pt-BR" sz="1400" u="sng" dirty="0">
-                <a:hlinkClick r:id="rId3"/>
-              </a:rPr>
-              <a:t>https://github.com/jzaefferer/jquery-validation</a:t>
-            </a:r>
-            <a:endParaRPr lang="pt-BR" sz="1400" dirty="0"/>
-          </a:p>
-          <a:p>
-            <a:r>
-              <a:rPr lang="pt-BR" sz="1800" dirty="0" err="1"/>
-              <a:t>Bootstrap</a:t>
-            </a:r>
-            <a:r>
-              <a:rPr lang="pt-BR" sz="1800" dirty="0"/>
-              <a:t> 3.3.5</a:t>
-            </a:r>
-          </a:p>
-          <a:p>
-            <a:pPr lvl="1"/>
-            <a:r>
-              <a:rPr lang="pt-BR" sz="1400" u="sng" dirty="0">
-                <a:hlinkClick r:id="rId4"/>
-              </a:rPr>
-              <a:t>http://blog.getbootstrap.com/2015/06/15/bootstrap-3-3-5-released/</a:t>
-            </a:r>
-            <a:endParaRPr lang="pt-BR" sz="1300" dirty="0"/>
-          </a:p>
-          <a:p>
-            <a:r>
-              <a:rPr lang="pt-BR" sz="1800" dirty="0" err="1"/>
-              <a:t>js-signals</a:t>
-            </a:r>
-            <a:r>
-              <a:rPr lang="pt-BR" sz="1800" dirty="0"/>
-              <a:t> 1.0.0</a:t>
-            </a:r>
-          </a:p>
-          <a:p>
-            <a:pPr lvl="1"/>
-            <a:r>
-              <a:rPr lang="pt-BR" sz="1400" u="sng" dirty="0">
-                <a:hlinkClick r:id="rId5"/>
-              </a:rPr>
-              <a:t>https://millermedeiros.github.io/js-signals/</a:t>
-            </a:r>
-            <a:endParaRPr lang="pt-BR" sz="1300" dirty="0"/>
-          </a:p>
-          <a:p>
-            <a:r>
-              <a:rPr lang="pt-BR" sz="1800" dirty="0" err="1"/>
-              <a:t>crossroads</a:t>
-            </a:r>
-            <a:r>
-              <a:rPr lang="pt-BR" sz="1800" dirty="0"/>
-              <a:t> 0.12.2</a:t>
-            </a:r>
-          </a:p>
-          <a:p>
-            <a:pPr lvl="1"/>
-            <a:r>
-              <a:rPr lang="pt-BR" sz="1400" u="sng" dirty="0">
-                <a:hlinkClick r:id="rId6"/>
-              </a:rPr>
-              <a:t>http://millermedeiros.github.io/crossroads.</a:t>
-            </a:r>
-            <a:r>
-              <a:rPr lang="pt-BR" sz="1400" u="sng" dirty="0" err="1">
-                <a:hlinkClick r:id="rId6"/>
-              </a:rPr>
-              <a:t>js</a:t>
-            </a:r>
-            <a:r>
-              <a:rPr lang="pt-BR" sz="1400" u="sng" dirty="0">
-                <a:hlinkClick r:id="rId6"/>
-              </a:rPr>
-              <a:t>/</a:t>
-            </a:r>
-            <a:endParaRPr lang="pt-BR" sz="1300" dirty="0"/>
-          </a:p>
-          <a:p>
-            <a:r>
-              <a:rPr lang="pt-BR" sz="1800" dirty="0" err="1"/>
-              <a:t>toastr</a:t>
-            </a:r>
-            <a:r>
-              <a:rPr lang="pt-BR" sz="1800" dirty="0"/>
-              <a:t> 2.1.2 </a:t>
-            </a:r>
-          </a:p>
-          <a:p>
-            <a:pPr lvl="1"/>
-            <a:r>
-              <a:rPr lang="pt-BR" sz="1400" u="sng" dirty="0">
-                <a:hlinkClick r:id="rId7"/>
-              </a:rPr>
-              <a:t>https://github.com/CodeSeven/toastr</a:t>
-            </a:r>
-            <a:endParaRPr lang="pt-BR" sz="1300" dirty="0"/>
-          </a:p>
-        </p:txBody>
-      </p:sp>
-    </p:spTree>
-  </p:cSld>
-  <p:clrMapOvr>
-    <a:masterClrMapping/>
-  </p:clrMapOvr>
-</p:sld>
-</file>
-
 <file path=ppt/slides/slide26.xml><?xml version="1.0" encoding="utf-8"?>
 <p:sld xmlns:a="http://schemas.openxmlformats.org/drawingml/2006/main" xmlns:r="http://schemas.openxmlformats.org/officeDocument/2006/relationships" xmlns:p="http://schemas.openxmlformats.org/presentationml/2006/main">
   <p:cSld>
@@ -9249,27 +9854,7 @@
           <a:p>
             <a:r>
               <a:rPr lang="pt-BR" sz="1800" dirty="0"/>
-              <a:t>bootstrap3-dialog1.34.6 	</a:t>
-            </a:r>
-          </a:p>
-          <a:p>
-            <a:pPr lvl="1"/>
-            <a:r>
-              <a:rPr lang="pt-BR" sz="1400" u="sng" dirty="0">
-                <a:hlinkClick r:id="rId2"/>
-              </a:rPr>
-              <a:t>https://github.com/nakupanda/bootstrap3-dialog</a:t>
-            </a:r>
-            <a:endParaRPr lang="pt-BR" sz="1400" dirty="0"/>
-          </a:p>
-          <a:p>
-            <a:r>
-              <a:rPr lang="pt-BR" sz="1800" dirty="0" err="1"/>
-              <a:t>jquery-ui</a:t>
-            </a:r>
-            <a:r>
-              <a:rPr lang="pt-BR" sz="1800" dirty="0"/>
-              <a:t> 1.12.1 </a:t>
+              <a:t>JQuery2.1.3	</a:t>
             </a:r>
           </a:p>
           <a:p>
@@ -9278,46 +9863,46 @@
               <a:rPr lang="en-US" sz="1400" u="sng" dirty="0">
                 <a:hlinkClick r:id="rId3"/>
               </a:rPr>
-              <a:t>https://jqueryui.com/</a:t>
+              <a:t>https://jquery.com/</a:t>
             </a:r>
             <a:endParaRPr lang="pt-BR" sz="1400" dirty="0"/>
           </a:p>
           <a:p>
             <a:r>
               <a:rPr lang="pt-BR" sz="1800" dirty="0" err="1"/>
-              <a:t>jquery</a:t>
+              <a:t>JQuery</a:t>
             </a:r>
             <a:r>
               <a:rPr lang="pt-BR" sz="1800" dirty="0"/>
-              <a:t>.</a:t>
+              <a:t> </a:t>
             </a:r>
             <a:r>
               <a:rPr lang="pt-BR" sz="1800" dirty="0" err="1"/>
-              <a:t>maskedinput</a:t>
+              <a:t>Validation</a:t>
             </a:r>
             <a:r>
               <a:rPr lang="pt-BR" sz="1800" dirty="0"/>
-              <a:t> 1.4.1</a:t>
+              <a:t> </a:t>
             </a:r>
           </a:p>
           <a:p>
             <a:pPr lvl="1"/>
             <a:r>
-              <a:rPr lang="en-US" sz="1400" u="sng" dirty="0">
+              <a:rPr lang="pt-BR" sz="1400" u="sng" dirty="0">
                 <a:hlinkClick r:id="rId4"/>
               </a:rPr>
-              <a:t>http://digitalbush.com/projects/masked-input-plugin/</a:t>
-            </a:r>
-            <a:endParaRPr lang="pt-BR" sz="1300" dirty="0"/>
+              <a:t>https://github.com/jzaefferer/jquery-validation</a:t>
+            </a:r>
+            <a:endParaRPr lang="pt-BR" sz="1400" dirty="0"/>
           </a:p>
           <a:p>
             <a:r>
               <a:rPr lang="pt-BR" sz="1800" dirty="0" err="1"/>
-              <a:t>datatables</a:t>
+              <a:t>Bootstrap</a:t>
             </a:r>
             <a:r>
               <a:rPr lang="pt-BR" sz="1800" dirty="0"/>
-              <a:t>.net 1.10.12</a:t>
+              <a:t> 3.3.5</a:t>
             </a:r>
           </a:p>
           <a:p>
@@ -9326,18 +9911,18 @@
               <a:rPr lang="pt-BR" sz="1400" u="sng" dirty="0">
                 <a:hlinkClick r:id="rId5"/>
               </a:rPr>
-              <a:t>https://datatables.net/</a:t>
+              <a:t>http://blog.getbootstrap.com/2015/06/15/bootstrap-3-3-5-released/</a:t>
             </a:r>
             <a:endParaRPr lang="pt-BR" sz="1300" dirty="0"/>
           </a:p>
           <a:p>
             <a:r>
               <a:rPr lang="pt-BR" sz="1800" dirty="0" err="1"/>
-              <a:t>bootstrap-datepicker</a:t>
+              <a:t>js-signals</a:t>
             </a:r>
             <a:r>
               <a:rPr lang="pt-BR" sz="1800" dirty="0"/>
-              <a:t> 1.6.4</a:t>
+              <a:t> 1.0.0</a:t>
             </a:r>
           </a:p>
           <a:p>
@@ -9346,7 +9931,59 @@
               <a:rPr lang="pt-BR" sz="1400" u="sng" dirty="0">
                 <a:hlinkClick r:id="rId6"/>
               </a:rPr>
-              <a:t>https://github.com/uxsolutions/bootstrap-datepicker/releases</a:t>
+              <a:t>https://millermedeiros.github.io/js-signals/</a:t>
+            </a:r>
+            <a:endParaRPr lang="pt-BR" sz="1300" dirty="0"/>
+          </a:p>
+          <a:p>
+            <a:r>
+              <a:rPr lang="pt-BR" sz="1800" dirty="0" err="1"/>
+              <a:t>crossroads</a:t>
+            </a:r>
+            <a:r>
+              <a:rPr lang="pt-BR" sz="1800" dirty="0"/>
+              <a:t> 0.12.2</a:t>
+            </a:r>
+          </a:p>
+          <a:p>
+            <a:pPr lvl="1"/>
+            <a:r>
+              <a:rPr lang="pt-BR" sz="1400" u="sng" dirty="0">
+                <a:hlinkClick r:id="rId7"/>
+              </a:rPr>
+              <a:t>http://millermedeiros.github.io/crossroads.</a:t>
+            </a:r>
+            <a:r>
+              <a:rPr lang="pt-BR" sz="1400" u="sng" dirty="0" err="1">
+                <a:hlinkClick r:id="rId7"/>
+              </a:rPr>
+              <a:t>js</a:t>
+            </a:r>
+            <a:r>
+              <a:rPr lang="pt-BR" sz="1400" u="sng" dirty="0">
+                <a:hlinkClick r:id="rId7"/>
+              </a:rPr>
+              <a:t>/</a:t>
+            </a:r>
+            <a:endParaRPr lang="pt-BR" sz="1300" dirty="0"/>
+          </a:p>
+          <a:p>
+            <a:r>
+              <a:rPr lang="pt-BR" sz="1800" dirty="0" err="1"/>
+              <a:t>toastr</a:t>
+            </a:r>
+            <a:r>
+              <a:rPr lang="pt-BR" sz="1800" dirty="0"/>
+              <a:t> 2.1.2 </a:t>
+            </a:r>
+          </a:p>
+          <a:p>
+            <a:pPr lvl="1"/>
+            <a:r>
+              <a:rPr lang="pt-BR" sz="1400" u="sng" dirty="0">
+                <a:hlinkClick r:id="rId8"/>
+              </a:rPr>
+              <a:t>https://github.com/CodeSeven/toastr</a:t>
             </a:r>
             <a:endParaRPr lang="pt-BR" sz="1300" dirty="0"/>
           </a:p>
@@ -9419,33 +10056,13 @@
             </a:pPr>
             <a:r>
               <a:rPr lang="pt-BR" dirty="0"/>
-              <a:t>Servidor:</a:t>
-            </a:r>
-          </a:p>
-          <a:p>
-            <a:r>
-              <a:rPr lang="pt-BR" sz="1800" dirty="0" err="1"/>
-              <a:t>PHP-Util</a:t>
-            </a:r>
+              <a:t>Cliente:</a:t>
+            </a:r>
+          </a:p>
+          <a:p>
             <a:r>
               <a:rPr lang="pt-BR" sz="1800" dirty="0"/>
-              <a:t> 	</a:t>
-            </a:r>
-          </a:p>
-          <a:p>
-            <a:pPr lvl="1"/>
-            <a:r>
-              <a:rPr lang="pt-BR" sz="1400" u="sng" dirty="0">
-                <a:hlinkClick r:id="rId2"/>
-              </a:rPr>
-              <a:t>https://github.com/thiagodp/php-util</a:t>
-            </a:r>
-            <a:endParaRPr lang="pt-BR" sz="1400" dirty="0"/>
-          </a:p>
-          <a:p>
-            <a:r>
-              <a:rPr lang="pt-BR" sz="1800" dirty="0"/>
-              <a:t>Slim 2.6 </a:t>
+              <a:t>bootstrap3-dialog1.34.6 	</a:t>
             </a:r>
           </a:p>
           <a:p>
@@ -9454,47 +10071,95 @@
               <a:rPr lang="pt-BR" sz="1400" u="sng" dirty="0">
                 <a:hlinkClick r:id="rId3"/>
               </a:rPr>
-              <a:t>https://www.slimframework.com/</a:t>
+              <a:t>https://github.com/nakupanda/bootstrap3-dialog</a:t>
             </a:r>
             <a:endParaRPr lang="pt-BR" sz="1400" dirty="0"/>
           </a:p>
           <a:p>
             <a:r>
               <a:rPr lang="pt-BR" sz="1800" dirty="0" err="1"/>
-              <a:t>Session</a:t>
+              <a:t>jquery-ui</a:t>
             </a:r>
             <a:r>
               <a:rPr lang="pt-BR" sz="1800" dirty="0"/>
-              <a:t> 1.0</a:t>
+              <a:t> 1.12.1 </a:t>
             </a:r>
           </a:p>
           <a:p>
             <a:pPr lvl="1"/>
             <a:r>
-              <a:rPr lang="pt-BR" sz="1400" u="sng" dirty="0">
+              <a:rPr lang="en-US" sz="1400" u="sng" dirty="0">
                 <a:hlinkClick r:id="rId4"/>
               </a:rPr>
-              <a:t>https://github.com/thiagodp/session</a:t>
-            </a:r>
-            <a:endParaRPr lang="pt-BR" sz="1300" dirty="0"/>
+              <a:t>https://jqueryui.com/</a:t>
+            </a:r>
+            <a:endParaRPr lang="pt-BR" sz="1400" dirty="0"/>
           </a:p>
           <a:p>
             <a:r>
               <a:rPr lang="pt-BR" sz="1800" dirty="0" err="1"/>
-              <a:t>Dice</a:t>
+              <a:t>jquery</a:t>
             </a:r>
             <a:r>
               <a:rPr lang="pt-BR" sz="1800" dirty="0"/>
-              <a:t> 2.0</a:t>
+              <a:t>.</a:t>
+            </a:r>
+            <a:r>
+              <a:rPr lang="pt-BR" sz="1800" dirty="0" err="1"/>
+              <a:t>maskedinput</a:t>
+            </a:r>
+            <a:r>
+              <a:rPr lang="pt-BR" sz="1800" dirty="0"/>
+              <a:t> 1.4.1</a:t>
             </a:r>
           </a:p>
           <a:p>
             <a:pPr lvl="1"/>
             <a:r>
-              <a:rPr lang="pt-BR" sz="1400" u="sng" dirty="0">
+              <a:rPr lang="en-US" sz="1400" u="sng" dirty="0">
                 <a:hlinkClick r:id="rId5"/>
               </a:rPr>
-              <a:t>https://r.je/dice.html</a:t>
+              <a:t>http://digitalbush.com/projects/masked-input-plugin/</a:t>
+            </a:r>
+            <a:endParaRPr lang="pt-BR" sz="1300" dirty="0"/>
+          </a:p>
+          <a:p>
+            <a:r>
+              <a:rPr lang="pt-BR" sz="1800" dirty="0" err="1"/>
+              <a:t>datatables</a:t>
+            </a:r>
+            <a:r>
+              <a:rPr lang="pt-BR" sz="1800" dirty="0"/>
+              <a:t>.net 1.10.12</a:t>
+            </a:r>
+          </a:p>
+          <a:p>
+            <a:pPr lvl="1"/>
+            <a:r>
+              <a:rPr lang="pt-BR" sz="1400" u="sng" dirty="0">
+                <a:hlinkClick r:id="rId6"/>
+              </a:rPr>
+              <a:t>https://datatables.net/</a:t>
+            </a:r>
+            <a:endParaRPr lang="pt-BR" sz="1300" dirty="0"/>
+          </a:p>
+          <a:p>
+            <a:r>
+              <a:rPr lang="pt-BR" sz="1800" dirty="0" err="1"/>
+              <a:t>bootstrap-datepicker</a:t>
+            </a:r>
+            <a:r>
+              <a:rPr lang="pt-BR" sz="1800" dirty="0"/>
+              <a:t> 1.6.4</a:t>
+            </a:r>
+          </a:p>
+          <a:p>
+            <a:pPr lvl="1"/>
+            <a:r>
+              <a:rPr lang="pt-BR" sz="1400" u="sng" dirty="0">
+                <a:hlinkClick r:id="rId7"/>
+              </a:rPr>
+              <a:t>https://github.com/uxsolutions/bootstrap-datepicker/releases</a:t>
             </a:r>
             <a:endParaRPr lang="pt-BR" sz="1300" dirty="0"/>
           </a:p>
@@ -9567,37 +10232,17 @@
             </a:pPr>
             <a:r>
               <a:rPr lang="pt-BR" dirty="0"/>
-              <a:t>Desenvolvimento:</a:t>
+              <a:t>Servidor:</a:t>
             </a:r>
           </a:p>
           <a:p>
             <a:r>
               <a:rPr lang="pt-BR" sz="1800" dirty="0" err="1"/>
-              <a:t>Composer</a:t>
+              <a:t>PHP-Util</a:t>
             </a:r>
             <a:r>
               <a:rPr lang="pt-BR" sz="1800" dirty="0"/>
-              <a:t> 1.2 	</a:t>
-            </a:r>
-          </a:p>
-          <a:p>
-            <a:pPr lvl="1"/>
-            <a:r>
-              <a:rPr lang="pt-BR" sz="1400" u="sng" dirty="0">
-                <a:hlinkClick r:id="rId2"/>
-              </a:rPr>
-              <a:t>https://getcomposer.org/</a:t>
-            </a:r>
-            <a:endParaRPr lang="pt-BR" sz="1400" dirty="0"/>
-          </a:p>
-          <a:p>
-            <a:r>
-              <a:rPr lang="pt-BR" sz="1800" dirty="0" err="1"/>
-              <a:t>Bower</a:t>
-            </a:r>
-            <a:r>
-              <a:rPr lang="pt-BR" sz="1800" dirty="0"/>
-              <a:t> 1.7.9 </a:t>
+              <a:t> 	</a:t>
             </a:r>
           </a:p>
           <a:p>
@@ -9606,18 +10251,14 @@
               <a:rPr lang="pt-BR" sz="1400" u="sng" dirty="0">
                 <a:hlinkClick r:id="rId3"/>
               </a:rPr>
-              <a:t>https://bower.io/</a:t>
+              <a:t>https://github.com/thiagodp/php-util</a:t>
             </a:r>
             <a:endParaRPr lang="pt-BR" sz="1400" dirty="0"/>
           </a:p>
           <a:p>
             <a:r>
-              <a:rPr lang="pt-BR" sz="1800" dirty="0" err="1"/>
-              <a:t>Git</a:t>
-            </a:r>
-            <a:r>
               <a:rPr lang="pt-BR" sz="1800" dirty="0"/>
-              <a:t> 2.9.2</a:t>
+              <a:t>Slim 2.6 </a:t>
             </a:r>
           </a:p>
           <a:p>
@@ -9626,7 +10267,47 @@
               <a:rPr lang="pt-BR" sz="1400" u="sng" dirty="0">
                 <a:hlinkClick r:id="rId4"/>
               </a:rPr>
-              <a:t>https://git-scm.com/</a:t>
+              <a:t>https://www.slimframework.com/</a:t>
+            </a:r>
+            <a:endParaRPr lang="pt-BR" sz="1400" dirty="0"/>
+          </a:p>
+          <a:p>
+            <a:r>
+              <a:rPr lang="pt-BR" sz="1800" dirty="0" err="1"/>
+              <a:t>Session</a:t>
+            </a:r>
+            <a:r>
+              <a:rPr lang="pt-BR" sz="1800" dirty="0"/>
+              <a:t> 1.0</a:t>
+            </a:r>
+          </a:p>
+          <a:p>
+            <a:pPr lvl="1"/>
+            <a:r>
+              <a:rPr lang="pt-BR" sz="1400" u="sng" dirty="0">
+                <a:hlinkClick r:id="rId5"/>
+              </a:rPr>
+              <a:t>https://github.com/thiagodp/session</a:t>
+            </a:r>
+            <a:endParaRPr lang="pt-BR" sz="1300" dirty="0"/>
+          </a:p>
+          <a:p>
+            <a:r>
+              <a:rPr lang="pt-BR" sz="1800" dirty="0" err="1"/>
+              <a:t>Dice</a:t>
+            </a:r>
+            <a:r>
+              <a:rPr lang="pt-BR" sz="1800" dirty="0"/>
+              <a:t> 2.0</a:t>
+            </a:r>
+          </a:p>
+          <a:p>
+            <a:pPr lvl="1"/>
+            <a:r>
+              <a:rPr lang="pt-BR" sz="1400" u="sng" dirty="0">
+                <a:hlinkClick r:id="rId6"/>
+              </a:rPr>
+              <a:t>https://r.je/dice.html</a:t>
             </a:r>
             <a:endParaRPr lang="pt-BR" sz="1300" dirty="0"/>
           </a:p>
@@ -9674,7 +10355,7 @@
           <a:p>
             <a:r>
               <a:rPr lang="pt-BR" dirty="0"/>
-              <a:t>Planos Futuros</a:t>
+              <a:t>Tecnologias Utilizadas</a:t>
             </a:r>
           </a:p>
         </p:txBody>
@@ -9694,29 +10375,73 @@
           <a:bodyPr/>
           <a:lstStyle/>
           <a:p>
-            <a:pPr lvl="0"/>
+            <a:pPr algn="ctr">
+              <a:buNone/>
+            </a:pPr>
             <a:r>
               <a:rPr lang="pt-BR" dirty="0"/>
-              <a:t>Desenvolver um aplicativo para dispositivos móveis;</a:t>
-            </a:r>
-          </a:p>
-          <a:p>
-            <a:pPr lvl="0"/>
-            <a:r>
-              <a:rPr lang="pt-BR" dirty="0"/>
-              <a:t>Aplicar a metodologia do </a:t>
-            </a:r>
-            <a:r>
-              <a:rPr lang="pt-BR" dirty="0" err="1"/>
-              <a:t>Lean</a:t>
-            </a:r>
-            <a:r>
-              <a:rPr lang="pt-BR" dirty="0"/>
-              <a:t> Startup, com o intuito de avaliar se a aplicação é bem aceita pelos usuários;</a:t>
-            </a:r>
-          </a:p>
-          <a:p>
-            <a:endParaRPr lang="pt-BR" dirty="0"/>
+              <a:t>Desenvolvimento:</a:t>
+            </a:r>
+          </a:p>
+          <a:p>
+            <a:r>
+              <a:rPr lang="pt-BR" sz="1800" dirty="0" err="1"/>
+              <a:t>Composer</a:t>
+            </a:r>
+            <a:r>
+              <a:rPr lang="pt-BR" sz="1800" dirty="0"/>
+              <a:t> 1.2 	</a:t>
+            </a:r>
+          </a:p>
+          <a:p>
+            <a:pPr lvl="1"/>
+            <a:r>
+              <a:rPr lang="pt-BR" sz="1400" u="sng" dirty="0">
+                <a:hlinkClick r:id="rId3"/>
+              </a:rPr>
+              <a:t>https://getcomposer.org/</a:t>
+            </a:r>
+            <a:endParaRPr lang="pt-BR" sz="1400" dirty="0"/>
+          </a:p>
+          <a:p>
+            <a:r>
+              <a:rPr lang="pt-BR" sz="1800" dirty="0" err="1"/>
+              <a:t>Bower</a:t>
+            </a:r>
+            <a:r>
+              <a:rPr lang="pt-BR" sz="1800" dirty="0"/>
+              <a:t> 1.7.9 </a:t>
+            </a:r>
+          </a:p>
+          <a:p>
+            <a:pPr lvl="1"/>
+            <a:r>
+              <a:rPr lang="pt-BR" sz="1400" u="sng" dirty="0">
+                <a:hlinkClick r:id="rId4"/>
+              </a:rPr>
+              <a:t>https://bower.io/</a:t>
+            </a:r>
+            <a:endParaRPr lang="pt-BR" sz="1400" dirty="0"/>
+          </a:p>
+          <a:p>
+            <a:r>
+              <a:rPr lang="pt-BR" sz="1800" dirty="0" err="1"/>
+              <a:t>Git</a:t>
+            </a:r>
+            <a:r>
+              <a:rPr lang="pt-BR" sz="1800" dirty="0"/>
+              <a:t> 2.9.2</a:t>
+            </a:r>
+          </a:p>
+          <a:p>
+            <a:pPr lvl="1"/>
+            <a:r>
+              <a:rPr lang="pt-BR" sz="1400" u="sng" dirty="0">
+                <a:hlinkClick r:id="rId5"/>
+              </a:rPr>
+              <a:t>https://git-scm.com/</a:t>
+            </a:r>
+            <a:endParaRPr lang="pt-BR" sz="1300" dirty="0"/>
           </a:p>
         </p:txBody>
       </p:sp>
@@ -9875,21 +10600,22 @@
             <a:pPr lvl="0"/>
             <a:r>
               <a:rPr lang="pt-BR" dirty="0"/>
-              <a:t>Desenvolver uma aplicação off-line, com sincronização online;</a:t>
+              <a:t>Desenvolver um aplicativo para dispositivos móveis;</a:t>
             </a:r>
           </a:p>
           <a:p>
             <a:pPr lvl="0"/>
             <a:r>
               <a:rPr lang="pt-BR" dirty="0"/>
-              <a:t>Aprimorar o design da aplicação;</a:t>
-            </a:r>
-          </a:p>
-          <a:p>
-            <a:pPr lvl="0"/>
+              <a:t>Aplicar a metodologia do </a:t>
+            </a:r>
+            <a:r>
+              <a:rPr lang="pt-BR" dirty="0" err="1"/>
+              <a:t>Lean</a:t>
+            </a:r>
             <a:r>
               <a:rPr lang="pt-BR" dirty="0"/>
-              <a:t>Adicionar uma funcionalidade que permita a geração de relatórios de gastos;</a:t>
+              <a:t> Startup, com o intuito de avaliar se a aplicação é bem aceita pelos usuários;</a:t>
             </a:r>
           </a:p>
           <a:p>
@@ -9962,7 +10688,21 @@
             <a:pPr lvl="0"/>
             <a:r>
               <a:rPr lang="pt-BR" dirty="0"/>
-              <a:t>Aprimorar  a estrutura do estoque, de forma que o sistema possa calcular um tempo aproximado do fim do medicamento pessoal, e assim enviar uma notificação de nova compra para o usuário automaticamente;</a:t>
+              <a:t>Desenvolver uma aplicação off-line, com sincronização online;</a:t>
+            </a:r>
+          </a:p>
+          <a:p>
+            <a:pPr lvl="0"/>
+            <a:r>
+              <a:rPr lang="pt-BR" dirty="0"/>
+              <a:t>Aprimorar o design da aplicação;</a:t>
+            </a:r>
+          </a:p>
+          <a:p>
+            <a:pPr lvl="0"/>
+            <a:r>
+              <a:rPr lang="pt-BR" dirty="0"/>
+              <a:t>Adicionar uma funcionalidade que permita a geração de relatórios de gastos;</a:t>
             </a:r>
           </a:p>
           <a:p>
@@ -10012,7 +10752,7 @@
           <a:p>
             <a:r>
               <a:rPr lang="pt-BR" dirty="0"/>
-              <a:t>Referências Bibliográficas</a:t>
+              <a:t>Planos Futuros</a:t>
             </a:r>
           </a:p>
         </p:txBody>
@@ -10032,151 +10772,14 @@
           <a:bodyPr/>
           <a:lstStyle/>
           <a:p>
-            <a:r>
-              <a:rPr lang="pt-BR" sz="1400" dirty="0"/>
-              <a:t>CNDL e SPC (2016). </a:t>
-            </a:r>
-            <a:r>
-              <a:rPr lang="pt-BR" sz="1400" b="1" dirty="0"/>
-              <a:t>86% dos brasileiros ajustaram orçamento para enfrentar a crise, aponta pesquisa do SPC Brasil</a:t>
-            </a:r>
-            <a:r>
-              <a:rPr lang="pt-BR" sz="1400" dirty="0"/>
-              <a:t>. Disponível em:&lt; https://www.google.com.br/urlsa=t&amp;rct=j&amp;q=&amp;esrc=s&amp;source= </a:t>
-            </a:r>
-            <a:r>
-              <a:rPr lang="pt-BR" sz="1400" dirty="0" err="1"/>
-              <a:t>web&amp;cd</a:t>
-            </a:r>
-            <a:r>
-              <a:rPr lang="pt-BR" sz="1400" dirty="0"/>
-              <a:t>=1&amp;</a:t>
-            </a:r>
-            <a:r>
-              <a:rPr lang="pt-BR" sz="1400" dirty="0" err="1"/>
-              <a:t>ved</a:t>
-            </a:r>
-            <a:r>
-              <a:rPr lang="pt-BR" sz="1400" dirty="0"/>
-              <a:t>=0ahUKEwiSueKyyKDNAhWDHZAKHSv_A2sQFggeMAA&amp;url=</a:t>
-            </a:r>
-            <a:r>
-              <a:rPr lang="pt-BR" sz="1400" dirty="0" err="1"/>
-              <a:t>https</a:t>
-            </a:r>
-            <a:r>
-              <a:rPr lang="pt-BR" sz="1400" dirty="0"/>
-              <a:t>%3A%2F %2Fwww.spcbrasil.org.</a:t>
-            </a:r>
-            <a:r>
-              <a:rPr lang="pt-BR" sz="1400" dirty="0" err="1"/>
-              <a:t>br</a:t>
-            </a:r>
-            <a:r>
-              <a:rPr lang="pt-BR" sz="1400" dirty="0"/>
-              <a:t>%2Fwpimprensa%2Fwp-</a:t>
-            </a:r>
-            <a:r>
-              <a:rPr lang="pt-BR" sz="1400" dirty="0" err="1"/>
-              <a:t>content</a:t>
-            </a:r>
-            <a:r>
-              <a:rPr lang="pt-BR" sz="1400" dirty="0"/>
-              <a:t>%2Fuploads %2F2016%2F04%2Frelease_crise_economica_consumidores_v4-1.</a:t>
-            </a:r>
-            <a:r>
-              <a:rPr lang="pt-BR" sz="1400" dirty="0" err="1"/>
-              <a:t>pdf&amp;usg</a:t>
-            </a:r>
-            <a:r>
-              <a:rPr lang="pt-BR" sz="1400" dirty="0"/>
-              <a:t>=</a:t>
-            </a:r>
-            <a:r>
-              <a:rPr lang="pt-BR" sz="1400" dirty="0" err="1"/>
-              <a:t>AFQj</a:t>
-            </a:r>
-            <a:r>
-              <a:rPr lang="pt-BR" sz="1400" dirty="0"/>
-              <a:t>&gt;. Acesso em: 28 de maio, 2016.</a:t>
-            </a:r>
-          </a:p>
-          <a:p>
-            <a:r>
-              <a:rPr lang="pt-BR" sz="1400" dirty="0"/>
-              <a:t>G1(2015). </a:t>
-            </a:r>
-            <a:r>
-              <a:rPr lang="pt-BR" sz="1400" b="1" dirty="0"/>
-              <a:t>Preços de remédios variam quase 1000% em São Paulo, diz </a:t>
-            </a:r>
-            <a:r>
-              <a:rPr lang="pt-BR" sz="1400" b="1" dirty="0" err="1"/>
-              <a:t>Procon</a:t>
-            </a:r>
-            <a:r>
-              <a:rPr lang="pt-BR" sz="1400" b="1" dirty="0"/>
-              <a:t>.</a:t>
-            </a:r>
-            <a:r>
-              <a:rPr lang="pt-BR" sz="1400" dirty="0"/>
-              <a:t> Disponível em: . Acesso em: 28 de maio, 2016.</a:t>
-            </a:r>
-          </a:p>
-          <a:p>
-            <a:r>
-              <a:rPr lang="pt-BR" sz="1400" dirty="0"/>
-              <a:t>MARTINELLI, D. P. (2002). </a:t>
-            </a:r>
-            <a:r>
-              <a:rPr lang="pt-BR" sz="1400" b="1" dirty="0"/>
-              <a:t>Negociação empresarial. Editora </a:t>
-            </a:r>
-            <a:r>
-              <a:rPr lang="pt-BR" sz="1400" b="1" dirty="0" err="1"/>
-              <a:t>Manole</a:t>
-            </a:r>
-            <a:r>
-              <a:rPr lang="pt-BR" sz="1400" b="1" dirty="0"/>
-              <a:t> Ltda</a:t>
-            </a:r>
-            <a:r>
-              <a:rPr lang="pt-BR" sz="1400" dirty="0"/>
-              <a:t>.</a:t>
-            </a:r>
-          </a:p>
-          <a:p>
-            <a:r>
-              <a:rPr lang="pt-BR" sz="1400" dirty="0"/>
-              <a:t>MIZIARA, </a:t>
-            </a:r>
-            <a:r>
-              <a:rPr lang="pt-BR" sz="1400" dirty="0" err="1"/>
-              <a:t>Nathália</a:t>
-            </a:r>
-            <a:r>
-              <a:rPr lang="pt-BR" sz="1400" dirty="0"/>
-              <a:t> </a:t>
-            </a:r>
-            <a:r>
-              <a:rPr lang="pt-BR" sz="1400" dirty="0" err="1"/>
-              <a:t>Molleis</a:t>
-            </a:r>
-            <a:r>
-              <a:rPr lang="pt-BR" sz="1400" dirty="0"/>
-              <a:t>. </a:t>
-            </a:r>
-            <a:r>
-              <a:rPr lang="pt-BR" sz="1400" b="1" dirty="0"/>
-              <a:t>Regulação do mercado de medicamentos: a CMED e a política de controle de preços</a:t>
-            </a:r>
-            <a:r>
-              <a:rPr lang="pt-BR" sz="1400" dirty="0"/>
-              <a:t>. Dissertação Universidade de São Paulo, 2007.</a:t>
-            </a:r>
-          </a:p>
-          <a:p>
-            <a:endParaRPr lang="pt-BR" sz="1400" dirty="0"/>
+            <a:pPr lvl="0"/>
+            <a:r>
+              <a:rPr lang="pt-BR" dirty="0"/>
+              <a:t>Aprimorar  a estrutura do estoque, de forma que o sistema possa calcular um tempo aproximado do fim do medicamento pessoal, e assim enviar uma notificação de nova compra para o usuário automaticamente;</a:t>
+            </a:r>
+          </a:p>
+          <a:p>
+            <a:endParaRPr lang="pt-BR" dirty="0"/>
           </a:p>
         </p:txBody>
       </p:sp>
@@ -10244,150 +10847,149 @@
           <a:p>
             <a:r>
               <a:rPr lang="pt-BR" sz="1400" dirty="0"/>
-              <a:t>PANIZ, V. M. V; FASSA, A. G., FACCHINI, L. A; BERTOLDI, A. D; PICCINI, R. X; TOMASI, E; Rodrigues, M. A. (2008). </a:t>
+              <a:t>CNDL e SPC (2016). </a:t>
             </a:r>
             <a:r>
               <a:rPr lang="pt-BR" sz="1400" b="1" dirty="0"/>
-              <a:t>Acesso a medicamentos de uso contínuo em adultos e idosos nas regiões Sul e Nordeste do Brasil Access to </a:t>
+              <a:t>86% dos brasileiros ajustaram orçamento para enfrentar a crise, aponta pesquisa do SPC Brasil</a:t>
+            </a:r>
+            <a:r>
+              <a:rPr lang="pt-BR" sz="1400" dirty="0"/>
+              <a:t>. Disponível em:&lt; https://www.google.com.br/urlsa=t&amp;rct=j&amp;q=&amp;esrc=s&amp;source= </a:t>
+            </a:r>
+            <a:r>
+              <a:rPr lang="pt-BR" sz="1400" dirty="0" err="1"/>
+              <a:t>web&amp;cd</a:t>
+            </a:r>
+            <a:r>
+              <a:rPr lang="pt-BR" sz="1400" dirty="0"/>
+              <a:t>=1&amp;</a:t>
+            </a:r>
+            <a:r>
+              <a:rPr lang="pt-BR" sz="1400" dirty="0" err="1"/>
+              <a:t>ved</a:t>
+            </a:r>
+            <a:r>
+              <a:rPr lang="pt-BR" sz="1400" dirty="0"/>
+              <a:t>=0ahUKEwiSueKyyKDNAhWDHZAKHSv_A2sQFggeMAA&amp;url=</a:t>
+            </a:r>
+            <a:r>
+              <a:rPr lang="pt-BR" sz="1400" dirty="0" err="1"/>
+              <a:t>https</a:t>
+            </a:r>
+            <a:r>
+              <a:rPr lang="pt-BR" sz="1400" dirty="0"/>
+              <a:t>%3A%2F %2Fwww.spcbrasil.org.</a:t>
+            </a:r>
+            <a:r>
+              <a:rPr lang="pt-BR" sz="1400" dirty="0" err="1"/>
+              <a:t>br</a:t>
+            </a:r>
+            <a:r>
+              <a:rPr lang="pt-BR" sz="1400" dirty="0"/>
+              <a:t>%2Fwpimprensa%2Fwp-</a:t>
+            </a:r>
+            <a:r>
+              <a:rPr lang="pt-BR" sz="1400" dirty="0" err="1"/>
+              <a:t>content</a:t>
+            </a:r>
+            <a:r>
+              <a:rPr lang="pt-BR" sz="1400" dirty="0"/>
+              <a:t>%2Fuploads %2F2016%2F04%2Frelease_crise_economica_consumidores_v4-1.</a:t>
+            </a:r>
+            <a:r>
+              <a:rPr lang="pt-BR" sz="1400" dirty="0" err="1"/>
+              <a:t>pdf&amp;usg</a:t>
+            </a:r>
+            <a:r>
+              <a:rPr lang="pt-BR" sz="1400" dirty="0"/>
+              <a:t>=</a:t>
+            </a:r>
+            <a:r>
+              <a:rPr lang="pt-BR" sz="1400" dirty="0" err="1"/>
+              <a:t>AFQj</a:t>
+            </a:r>
+            <a:r>
+              <a:rPr lang="pt-BR" sz="1400" dirty="0"/>
+              <a:t>&gt;. Acesso em: 28 de maio, 2016.</a:t>
+            </a:r>
+          </a:p>
+          <a:p>
+            <a:r>
+              <a:rPr lang="pt-BR" sz="1400" dirty="0"/>
+              <a:t>G1(2015). </a:t>
+            </a:r>
+            <a:r>
+              <a:rPr lang="pt-BR" sz="1400" b="1" dirty="0"/>
+              <a:t>Preços de remédios variam quase 1000% em São Paulo, diz </a:t>
             </a:r>
             <a:r>
               <a:rPr lang="pt-BR" sz="1400" b="1" dirty="0" err="1"/>
-              <a:t>continuous-use</a:t>
+              <a:t>Procon</a:t>
             </a:r>
             <a:r>
               <a:rPr lang="pt-BR" sz="1400" b="1" dirty="0"/>
+              <a:t>.</a:t>
+            </a:r>
+            <a:r>
+              <a:rPr lang="pt-BR" sz="1400" dirty="0"/>
+              <a:t> Disponível em: . Acesso em: 28 de maio, 2016.</a:t>
+            </a:r>
+          </a:p>
+          <a:p>
+            <a:r>
+              <a:rPr lang="pt-BR" sz="1400" dirty="0"/>
+              <a:t>MARTINELLI, D. P. (2002). </a:t>
+            </a:r>
+            <a:r>
+              <a:rPr lang="pt-BR" sz="1400" b="1" dirty="0"/>
+              <a:t>Negociação empresarial. Editora </a:t>
+            </a:r>
+            <a:r>
+              <a:rPr lang="pt-BR" sz="1400" b="1" dirty="0" err="1"/>
+              <a:t>Manole</a:t>
+            </a:r>
+            <a:r>
+              <a:rPr lang="pt-BR" sz="1400" b="1" dirty="0"/>
+              <a:t> Ltda</a:t>
+            </a:r>
+            <a:r>
+              <a:rPr lang="pt-BR" sz="1400" dirty="0"/>
+              <a:t>.</a:t>
+            </a:r>
+          </a:p>
+          <a:p>
+            <a:r>
+              <a:rPr lang="pt-BR" sz="1400" dirty="0"/>
+              <a:t>MIZIARA, </a:t>
+            </a:r>
+            <a:r>
+              <a:rPr lang="pt-BR" sz="1400" dirty="0" err="1"/>
+              <a:t>Nathália</a:t>
+            </a:r>
+            <a:r>
+              <a:rPr lang="pt-BR" sz="1400" dirty="0"/>
               <a:t> </a:t>
             </a:r>
             <a:r>
-              <a:rPr lang="pt-BR" sz="1400" b="1" dirty="0" err="1"/>
-              <a:t>medication</a:t>
+              <a:rPr lang="pt-BR" sz="1400" dirty="0" err="1"/>
+              <a:t>Molleis</a:t>
+            </a:r>
+            <a:r>
+              <a:rPr lang="pt-BR" sz="1400" dirty="0"/>
+              <a:t>. </a:t>
             </a:r>
             <a:r>
               <a:rPr lang="pt-BR" sz="1400" b="1" dirty="0"/>
-              <a:t> </a:t>
-            </a:r>
-            <a:r>
-              <a:rPr lang="pt-BR" sz="1400" b="1" dirty="0" err="1"/>
-              <a:t>among</a:t>
-            </a:r>
-            <a:r>
-              <a:rPr lang="pt-BR" sz="1400" b="1" dirty="0"/>
-              <a:t> </a:t>
-            </a:r>
-            <a:r>
-              <a:rPr lang="pt-BR" sz="1400" b="1" dirty="0" err="1"/>
-              <a:t>adults</a:t>
-            </a:r>
-            <a:r>
-              <a:rPr lang="pt-BR" sz="1400" b="1" dirty="0"/>
-              <a:t> </a:t>
-            </a:r>
-            <a:r>
-              <a:rPr lang="pt-BR" sz="1400" b="1" dirty="0" err="1"/>
-              <a:t>and</a:t>
-            </a:r>
-            <a:r>
-              <a:rPr lang="pt-BR" sz="1400" b="1" dirty="0"/>
-              <a:t> </a:t>
-            </a:r>
-            <a:r>
-              <a:rPr lang="pt-BR" sz="1400" b="1" dirty="0" err="1"/>
-              <a:t>the</a:t>
-            </a:r>
-            <a:r>
-              <a:rPr lang="pt-BR" sz="1400" b="1" dirty="0"/>
-              <a:t> </a:t>
-            </a:r>
-            <a:r>
-              <a:rPr lang="pt-BR" sz="1400" b="1" dirty="0" err="1"/>
-              <a:t>elderly</a:t>
-            </a:r>
-            <a:r>
-              <a:rPr lang="pt-BR" sz="1400" b="1" dirty="0"/>
-              <a:t> in </a:t>
-            </a:r>
-            <a:r>
-              <a:rPr lang="pt-BR" sz="1400" b="1" dirty="0" err="1"/>
-              <a:t>South</a:t>
-            </a:r>
-            <a:r>
-              <a:rPr lang="pt-BR" sz="1400" b="1" dirty="0"/>
-              <a:t> </a:t>
-            </a:r>
-            <a:r>
-              <a:rPr lang="pt-BR" sz="1400" b="1" dirty="0" err="1"/>
-              <a:t>and</a:t>
-            </a:r>
-            <a:r>
-              <a:rPr lang="pt-BR" sz="1400" b="1" dirty="0"/>
-              <a:t> </a:t>
-            </a:r>
-            <a:r>
-              <a:rPr lang="pt-BR" sz="1400" b="1" dirty="0" err="1"/>
-              <a:t>Northeast</a:t>
-            </a:r>
-            <a:r>
-              <a:rPr lang="pt-BR" sz="1400" b="1" dirty="0"/>
-              <a:t> </a:t>
-            </a:r>
-            <a:r>
-              <a:rPr lang="pt-BR" sz="1400" b="1" dirty="0" err="1"/>
-              <a:t>Brazil</a:t>
+              <a:t>Regulação do mercado de medicamentos: a CMED e a política de controle de preços</a:t>
             </a:r>
             <a:r>
               <a:rPr lang="pt-BR" sz="1400" dirty="0"/>
-              <a:t>. Cad. Saúde Pública, 24(2), 267-280.</a:t>
-            </a:r>
-          </a:p>
-          <a:p>
-            <a:r>
-              <a:rPr lang="pt-BR" sz="1400" dirty="0"/>
-              <a:t>PÚBLIO, </a:t>
-            </a:r>
-            <a:r>
-              <a:rPr lang="pt-BR" sz="1400" dirty="0" err="1"/>
-              <a:t>Rilke</a:t>
-            </a:r>
-            <a:r>
-              <a:rPr lang="pt-BR" sz="1400" dirty="0"/>
-              <a:t> Novato (2015). </a:t>
-            </a:r>
-            <a:r>
-              <a:rPr lang="pt-BR" sz="1400" b="1" dirty="0"/>
-              <a:t>O Consumo de Medicamentos no Brasil - a tênue linha entre o remédio e o veneno</a:t>
-            </a:r>
-            <a:r>
-              <a:rPr lang="pt-BR" sz="1400" dirty="0"/>
-              <a:t>. Disponível em: . Acesso em: 28 de maio, 2016</a:t>
-            </a:r>
-          </a:p>
-          <a:p>
-            <a:r>
-              <a:rPr lang="pt-BR" sz="1400" dirty="0"/>
-              <a:t>RUAS, Danielle (2014). </a:t>
-            </a:r>
-            <a:r>
-              <a:rPr lang="pt-BR" sz="1400" b="1" dirty="0"/>
-              <a:t>Em ano de crise, o ideal é reduzir custos. </a:t>
-            </a:r>
-            <a:r>
-              <a:rPr lang="pt-BR" sz="1400" dirty="0"/>
-              <a:t>Disponível em: . Acesso em: 09 de junho, 2016</a:t>
-            </a:r>
-          </a:p>
-          <a:p>
-            <a:r>
-              <a:rPr lang="pt-BR" sz="1400" dirty="0"/>
-              <a:t>SILVA, Eduardo (2014). </a:t>
-            </a:r>
-            <a:r>
-              <a:rPr lang="pt-BR" sz="1400" b="1" dirty="0"/>
-              <a:t>Tempo, informação e poder: fórmula para o sucesso?</a:t>
-            </a:r>
-            <a:r>
-              <a:rPr lang="pt-BR" sz="1400" dirty="0"/>
-              <a:t>. Disponível em: . Acesso em: 28 de maio, 2016.</a:t>
-            </a:r>
+              <a:t>. Dissertação Universidade de São Paulo, 2007.</a:t>
+            </a:r>
+          </a:p>
+          <a:p>
+            <a:endParaRPr lang="pt-BR" sz="1400" dirty="0"/>
           </a:p>
         </p:txBody>
       </p:sp>
@@ -10400,6 +11002,217 @@
 </file>
 
 <file path=ppt/slides/slide34.xml><?xml version="1.0" encoding="utf-8"?>
+<p:sld xmlns:a="http://schemas.openxmlformats.org/drawingml/2006/main" xmlns:r="http://schemas.openxmlformats.org/officeDocument/2006/relationships" xmlns:p="http://schemas.openxmlformats.org/presentationml/2006/main">
+  <p:cSld>
+    <p:spTree>
+      <p:nvGrpSpPr>
+        <p:cNvPr id="1" name=""/>
+        <p:cNvGrpSpPr/>
+        <p:nvPr/>
+      </p:nvGrpSpPr>
+      <p:grpSpPr>
+        <a:xfrm>
+          <a:off x="0" y="0"/>
+          <a:ext cx="0" cy="0"/>
+          <a:chOff x="0" y="0"/>
+          <a:chExt cx="0" cy="0"/>
+        </a:xfrm>
+      </p:grpSpPr>
+      <p:sp>
+        <p:nvSpPr>
+          <p:cNvPr id="2" name="Título 1"/>
+          <p:cNvSpPr>
+            <a:spLocks noGrp="1"/>
+          </p:cNvSpPr>
+          <p:nvPr>
+            <p:ph type="title"/>
+          </p:nvPr>
+        </p:nvSpPr>
+        <p:spPr/>
+        <p:txBody>
+          <a:bodyPr/>
+          <a:lstStyle/>
+          <a:p>
+            <a:r>
+              <a:rPr lang="pt-BR" dirty="0"/>
+              <a:t>Referências Bibliográficas</a:t>
+            </a:r>
+          </a:p>
+        </p:txBody>
+      </p:sp>
+      <p:sp>
+        <p:nvSpPr>
+          <p:cNvPr id="3" name="Espaço Reservado para Conteúdo 2"/>
+          <p:cNvSpPr>
+            <a:spLocks noGrp="1"/>
+          </p:cNvSpPr>
+          <p:nvPr>
+            <p:ph idx="1"/>
+          </p:nvPr>
+        </p:nvSpPr>
+        <p:spPr/>
+        <p:txBody>
+          <a:bodyPr/>
+          <a:lstStyle/>
+          <a:p>
+            <a:r>
+              <a:rPr lang="pt-BR" sz="1400" dirty="0"/>
+              <a:t>PANIZ, V. M. V; FASSA, A. G., FACCHINI, L. A; BERTOLDI, A. D; PICCINI, R. X; TOMASI, E; Rodrigues, M. A. (2008). </a:t>
+            </a:r>
+            <a:r>
+              <a:rPr lang="pt-BR" sz="1400" b="1" dirty="0"/>
+              <a:t>Acesso a medicamentos de uso contínuo em adultos e idosos nas regiões Sul e Nordeste do Brasil Access to </a:t>
+            </a:r>
+            <a:r>
+              <a:rPr lang="pt-BR" sz="1400" b="1" dirty="0" err="1"/>
+              <a:t>continuous-use</a:t>
+            </a:r>
+            <a:r>
+              <a:rPr lang="pt-BR" sz="1400" b="1" dirty="0"/>
+              <a:t> </a:t>
+            </a:r>
+            <a:r>
+              <a:rPr lang="pt-BR" sz="1400" b="1" dirty="0" err="1"/>
+              <a:t>medication</a:t>
+            </a:r>
+            <a:r>
+              <a:rPr lang="pt-BR" sz="1400" b="1" dirty="0"/>
+              <a:t> </a:t>
+            </a:r>
+            <a:r>
+              <a:rPr lang="pt-BR" sz="1400" b="1" dirty="0" err="1"/>
+              <a:t>among</a:t>
+            </a:r>
+            <a:r>
+              <a:rPr lang="pt-BR" sz="1400" b="1" dirty="0"/>
+              <a:t> </a:t>
+            </a:r>
+            <a:r>
+              <a:rPr lang="pt-BR" sz="1400" b="1" dirty="0" err="1"/>
+              <a:t>adults</a:t>
+            </a:r>
+            <a:r>
+              <a:rPr lang="pt-BR" sz="1400" b="1" dirty="0"/>
+              <a:t> </a:t>
+            </a:r>
+            <a:r>
+              <a:rPr lang="pt-BR" sz="1400" b="1" dirty="0" err="1"/>
+              <a:t>and</a:t>
+            </a:r>
+            <a:r>
+              <a:rPr lang="pt-BR" sz="1400" b="1" dirty="0"/>
+              <a:t> </a:t>
+            </a:r>
+            <a:r>
+              <a:rPr lang="pt-BR" sz="1400" b="1" dirty="0" err="1"/>
+              <a:t>the</a:t>
+            </a:r>
+            <a:r>
+              <a:rPr lang="pt-BR" sz="1400" b="1" dirty="0"/>
+              <a:t> </a:t>
+            </a:r>
+            <a:r>
+              <a:rPr lang="pt-BR" sz="1400" b="1" dirty="0" err="1"/>
+              <a:t>elderly</a:t>
+            </a:r>
+            <a:r>
+              <a:rPr lang="pt-BR" sz="1400" b="1" dirty="0"/>
+              <a:t> in </a:t>
+            </a:r>
+            <a:r>
+              <a:rPr lang="pt-BR" sz="1400" b="1" dirty="0" err="1"/>
+              <a:t>South</a:t>
+            </a:r>
+            <a:r>
+              <a:rPr lang="pt-BR" sz="1400" b="1" dirty="0"/>
+              <a:t> </a:t>
+            </a:r>
+            <a:r>
+              <a:rPr lang="pt-BR" sz="1400" b="1" dirty="0" err="1"/>
+              <a:t>and</a:t>
+            </a:r>
+            <a:r>
+              <a:rPr lang="pt-BR" sz="1400" b="1" dirty="0"/>
+              <a:t> </a:t>
+            </a:r>
+            <a:r>
+              <a:rPr lang="pt-BR" sz="1400" b="1" dirty="0" err="1"/>
+              <a:t>Northeast</a:t>
+            </a:r>
+            <a:r>
+              <a:rPr lang="pt-BR" sz="1400" b="1" dirty="0"/>
+              <a:t> </a:t>
+            </a:r>
+            <a:r>
+              <a:rPr lang="pt-BR" sz="1400" b="1" dirty="0" err="1"/>
+              <a:t>Brazil</a:t>
+            </a:r>
+            <a:r>
+              <a:rPr lang="pt-BR" sz="1400" dirty="0"/>
+              <a:t>. Cad. Saúde Pública, 24(2), 267-280.</a:t>
+            </a:r>
+          </a:p>
+          <a:p>
+            <a:r>
+              <a:rPr lang="pt-BR" sz="1400" dirty="0"/>
+              <a:t>PÚBLIO, </a:t>
+            </a:r>
+            <a:r>
+              <a:rPr lang="pt-BR" sz="1400" dirty="0" err="1"/>
+              <a:t>Rilke</a:t>
+            </a:r>
+            <a:r>
+              <a:rPr lang="pt-BR" sz="1400" dirty="0"/>
+              <a:t> Novato (2015). </a:t>
+            </a:r>
+            <a:r>
+              <a:rPr lang="pt-BR" sz="1400" b="1" dirty="0"/>
+              <a:t>O Consumo de Medicamentos no Brasil - a tênue linha entre o remédio e o veneno</a:t>
+            </a:r>
+            <a:r>
+              <a:rPr lang="pt-BR" sz="1400" dirty="0"/>
+              <a:t>. Disponível em: . Acesso em: 28 de maio, 2016</a:t>
+            </a:r>
+          </a:p>
+          <a:p>
+            <a:r>
+              <a:rPr lang="pt-BR" sz="1400" dirty="0"/>
+              <a:t>RUAS, Danielle (2014). </a:t>
+            </a:r>
+            <a:r>
+              <a:rPr lang="pt-BR" sz="1400" b="1" dirty="0"/>
+              <a:t>Em ano de crise, o ideal é reduzir custos. </a:t>
+            </a:r>
+            <a:r>
+              <a:rPr lang="pt-BR" sz="1400" dirty="0"/>
+              <a:t>Disponível em: . Acesso em: 09 de junho, 2016</a:t>
+            </a:r>
+          </a:p>
+          <a:p>
+            <a:r>
+              <a:rPr lang="pt-BR" sz="1400" dirty="0"/>
+              <a:t>SILVA, Eduardo (2014). </a:t>
+            </a:r>
+            <a:r>
+              <a:rPr lang="pt-BR" sz="1400" b="1" dirty="0"/>
+              <a:t>Tempo, informação e poder: fórmula para o sucesso?</a:t>
+            </a:r>
+            <a:r>
+              <a:rPr lang="pt-BR" sz="1400" dirty="0"/>
+              <a:t>. Disponível em: . Acesso em: 28 de maio, 2016.</a:t>
+            </a:r>
+          </a:p>
+        </p:txBody>
+      </p:sp>
+    </p:spTree>
+  </p:cSld>
+  <p:clrMapOvr>
+    <a:masterClrMapping/>
+  </p:clrMapOvr>
+</p:sld>
+</file>
+
+<file path=ppt/slides/slide35.xml><?xml version="1.0" encoding="utf-8"?>
 <p:sld xmlns:a="http://schemas.openxmlformats.org/drawingml/2006/main" xmlns:r="http://schemas.openxmlformats.org/officeDocument/2006/relationships" xmlns:p="http://schemas.openxmlformats.org/presentationml/2006/main">
   <p:cSld>
     <p:spTree>
@@ -10471,7 +11284,7 @@
 </p:sld>
 </file>
 
-<file path=ppt/slides/slide35.xml><?xml version="1.0" encoding="utf-8"?>
+<file path=ppt/slides/slide36.xml><?xml version="1.0" encoding="utf-8"?>
 <p:sld xmlns:a="http://schemas.openxmlformats.org/drawingml/2006/main" xmlns:r="http://schemas.openxmlformats.org/officeDocument/2006/relationships" xmlns:p="http://schemas.openxmlformats.org/presentationml/2006/main">
   <p:cSld>
     <p:spTree>
@@ -10885,7 +11698,7 @@
           <a:p>
             <a:r>
               <a:rPr lang="pt-BR" dirty="0"/>
-              <a:t>Motivação</a:t>
+              <a:t>Contextualização</a:t>
             </a:r>
           </a:p>
         </p:txBody>

--- a/doc/p2/TCC-P2.pptx
+++ b/doc/p2/TCC-P2.pptx
@@ -5,7 +5,7 @@
     <p:sldMasterId id="2147483660" r:id="rId1"/>
   </p:sldMasterIdLst>
   <p:notesMasterIdLst>
-    <p:notesMasterId r:id="rId38"/>
+    <p:notesMasterId r:id="rId37"/>
   </p:notesMasterIdLst>
   <p:sldIdLst>
     <p:sldId id="286" r:id="rId2"/>
@@ -22,28 +22,27 @@
     <p:sldId id="378" r:id="rId13"/>
     <p:sldId id="379" r:id="rId14"/>
     <p:sldId id="380" r:id="rId15"/>
-    <p:sldId id="397" r:id="rId16"/>
-    <p:sldId id="381" r:id="rId17"/>
-    <p:sldId id="382" r:id="rId18"/>
-    <p:sldId id="383" r:id="rId19"/>
-    <p:sldId id="384" r:id="rId20"/>
-    <p:sldId id="385" r:id="rId21"/>
-    <p:sldId id="392" r:id="rId22"/>
-    <p:sldId id="371" r:id="rId23"/>
-    <p:sldId id="386" r:id="rId24"/>
-    <p:sldId id="387" r:id="rId25"/>
-    <p:sldId id="388" r:id="rId26"/>
-    <p:sldId id="352" r:id="rId27"/>
-    <p:sldId id="389" r:id="rId28"/>
-    <p:sldId id="390" r:id="rId29"/>
-    <p:sldId id="391" r:id="rId30"/>
-    <p:sldId id="393" r:id="rId31"/>
-    <p:sldId id="394" r:id="rId32"/>
-    <p:sldId id="395" r:id="rId33"/>
-    <p:sldId id="368" r:id="rId34"/>
-    <p:sldId id="369" r:id="rId35"/>
-    <p:sldId id="358" r:id="rId36"/>
-    <p:sldId id="372" r:id="rId37"/>
+    <p:sldId id="381" r:id="rId16"/>
+    <p:sldId id="382" r:id="rId17"/>
+    <p:sldId id="383" r:id="rId18"/>
+    <p:sldId id="384" r:id="rId19"/>
+    <p:sldId id="385" r:id="rId20"/>
+    <p:sldId id="392" r:id="rId21"/>
+    <p:sldId id="371" r:id="rId22"/>
+    <p:sldId id="386" r:id="rId23"/>
+    <p:sldId id="387" r:id="rId24"/>
+    <p:sldId id="388" r:id="rId25"/>
+    <p:sldId id="352" r:id="rId26"/>
+    <p:sldId id="389" r:id="rId27"/>
+    <p:sldId id="390" r:id="rId28"/>
+    <p:sldId id="391" r:id="rId29"/>
+    <p:sldId id="393" r:id="rId30"/>
+    <p:sldId id="394" r:id="rId31"/>
+    <p:sldId id="395" r:id="rId32"/>
+    <p:sldId id="368" r:id="rId33"/>
+    <p:sldId id="369" r:id="rId34"/>
+    <p:sldId id="358" r:id="rId35"/>
+    <p:sldId id="372" r:id="rId36"/>
   </p:sldIdLst>
   <p:sldSz cx="9144000" cy="6858000" type="screen4x3"/>
   <p:notesSz cx="6858000" cy="9144000"/>
@@ -174,7 +173,7 @@
   </p:defaultTextStyle>
   <p:extLst>
     <p:ext uri="{EFAFB233-063F-42B5-8137-9DF3F51BA10A}">
-      <p15:sldGuideLst xmlns:p15="http://schemas.microsoft.com/office/powerpoint/2012/main">
+      <p15:sldGuideLst xmlns:p15="http://schemas.microsoft.com/office/powerpoint/2012/main" xmlns="">
         <p15:guide id="1" orient="horz" pos="2160">
           <p15:clr>
             <a:srgbClr val="A4A3A4"/>
@@ -274,7 +273,7 @@
             <a:fld id="{661F2BC0-79EB-4C7B-ACF1-FC057EEA6454}" type="datetimeFigureOut">
               <a:rPr lang="pt-BR"/>
               <a:pPr/>
-              <a:t>08/12/2016</a:t>
+              <a:t>02/04/2017</a:t>
             </a:fld>
             <a:endParaRPr lang="pt-BR"/>
           </a:p>
@@ -442,7 +441,7 @@
     </p:spTree>
     <p:extLst>
       <p:ext uri="{BB962C8B-B14F-4D97-AF65-F5344CB8AC3E}">
-        <p14:creationId xmlns:p14="http://schemas.microsoft.com/office/powerpoint/2010/main" val="451544329"/>
+        <p14:creationId xmlns:p14="http://schemas.microsoft.com/office/powerpoint/2010/main" xmlns="" val="451544329"/>
       </p:ext>
     </p:extLst>
   </p:cSld>
@@ -617,7 +616,7 @@
     </p:spTree>
     <p:extLst>
       <p:ext uri="{BB962C8B-B14F-4D97-AF65-F5344CB8AC3E}">
-        <p14:creationId xmlns:p14="http://schemas.microsoft.com/office/powerpoint/2010/main" val="121678430"/>
+        <p14:creationId xmlns:p14="http://schemas.microsoft.com/office/powerpoint/2010/main" xmlns="" val="121678430"/>
       </p:ext>
     </p:extLst>
   </p:cSld>
@@ -671,6 +670,115 @@
           <a:bodyPr/>
           <a:lstStyle/>
           <a:p>
+            <a:r>
+              <a:rPr lang="pt-BR" dirty="0"/>
+              <a:t>---</a:t>
+            </a:r>
+            <a:r>
+              <a:rPr lang="pt-BR" dirty="0" err="1"/>
+              <a:t>Jquery</a:t>
+            </a:r>
+            <a:r>
+              <a:rPr lang="pt-BR" dirty="0"/>
+              <a:t> –facilitar a escrita do código</a:t>
+            </a:r>
+            <a:r>
+              <a:rPr lang="pt-BR" baseline="0" dirty="0"/>
+              <a:t> em </a:t>
+            </a:r>
+            <a:r>
+              <a:rPr lang="pt-BR" baseline="0" dirty="0" err="1"/>
+              <a:t>javascript</a:t>
+            </a:r>
+            <a:r>
+              <a:rPr lang="pt-BR" baseline="0" dirty="0"/>
+              <a:t> e fornecer uma manipulação simples de eventos</a:t>
+            </a:r>
+          </a:p>
+          <a:p>
+            <a:r>
+              <a:rPr lang="pt-BR" baseline="0" dirty="0"/>
+              <a:t>---</a:t>
+            </a:r>
+            <a:r>
+              <a:rPr lang="pt-BR" baseline="0" dirty="0" err="1"/>
+              <a:t>Jquery</a:t>
+            </a:r>
+            <a:r>
+              <a:rPr lang="pt-BR" baseline="0" dirty="0"/>
+              <a:t> </a:t>
+            </a:r>
+            <a:r>
+              <a:rPr lang="pt-BR" baseline="0" dirty="0" err="1"/>
+              <a:t>Validation</a:t>
+            </a:r>
+            <a:r>
+              <a:rPr lang="pt-BR" baseline="0" dirty="0"/>
+              <a:t> – validar dados do formulário</a:t>
+            </a:r>
+          </a:p>
+          <a:p>
+            <a:r>
+              <a:rPr lang="pt-BR" baseline="0" dirty="0"/>
+              <a:t>---</a:t>
+            </a:r>
+            <a:r>
+              <a:rPr lang="pt-BR" baseline="0" dirty="0" err="1"/>
+              <a:t>Bootstrap</a:t>
+            </a:r>
+            <a:r>
+              <a:rPr lang="pt-BR" baseline="0" dirty="0"/>
+              <a:t> – criação de layouts de CSS</a:t>
+            </a:r>
+          </a:p>
+          <a:p>
+            <a:r>
+              <a:rPr lang="pt-BR" baseline="0" dirty="0"/>
+              <a:t>---</a:t>
+            </a:r>
+            <a:r>
+              <a:rPr lang="pt-BR" baseline="0" dirty="0" err="1"/>
+              <a:t>Js-signals</a:t>
+            </a:r>
+            <a:r>
+              <a:rPr lang="pt-BR" baseline="0" dirty="0"/>
+              <a:t> – distribuir eventos</a:t>
+            </a:r>
+          </a:p>
+          <a:p>
+            <a:r>
+              <a:rPr lang="pt-BR" baseline="0" dirty="0"/>
+              <a:t>---</a:t>
+            </a:r>
+            <a:r>
+              <a:rPr lang="pt-BR" baseline="0" dirty="0" err="1"/>
+              <a:t>crossroads</a:t>
+            </a:r>
+            <a:r>
+              <a:rPr lang="pt-BR" baseline="0" dirty="0"/>
+              <a:t> – rotas das páginas no </a:t>
+            </a:r>
+            <a:r>
+              <a:rPr lang="pt-BR" baseline="0" dirty="0" err="1"/>
+              <a:t>javascript</a:t>
+            </a:r>
+            <a:endParaRPr lang="pt-BR" baseline="0" dirty="0"/>
+          </a:p>
+          <a:p>
+            <a:r>
+              <a:rPr lang="pt-BR" baseline="0" dirty="0"/>
+              <a:t>---</a:t>
+            </a:r>
+            <a:r>
+              <a:rPr lang="pt-BR" baseline="0" dirty="0" err="1"/>
+              <a:t>toastr</a:t>
+            </a:r>
+            <a:r>
+              <a:rPr lang="pt-BR" baseline="0" dirty="0"/>
+              <a:t> –notificações não bloqueadoras</a:t>
+            </a:r>
+          </a:p>
+          <a:p>
             <a:endParaRPr lang="pt-BR" dirty="0"/>
           </a:p>
         </p:txBody>
@@ -693,7 +801,7 @@
             <a:fld id="{1703331F-5A7E-400F-916E-7C99988A06E6}" type="slidenum">
               <a:rPr lang="pt-BR" smtClean="0"/>
               <a:pPr/>
-              <a:t>15</a:t>
+              <a:t>25</a:t>
             </a:fld>
             <a:endParaRPr lang="pt-BR"/>
           </a:p>
@@ -702,7 +810,7 @@
     </p:spTree>
     <p:extLst>
       <p:ext uri="{BB962C8B-B14F-4D97-AF65-F5344CB8AC3E}">
-        <p14:creationId xmlns:p14="http://schemas.microsoft.com/office/powerpoint/2010/main" val="1693925865"/>
+        <p14:creationId xmlns:p14="http://schemas.microsoft.com/office/powerpoint/2010/main" xmlns="" val="1121356052"/>
       </p:ext>
     </p:extLst>
   </p:cSld>
@@ -762,24 +870,17 @@
             </a:r>
             <a:r>
               <a:rPr lang="pt-BR" dirty="0" err="1"/>
-              <a:t>Jquery</a:t>
-            </a:r>
-            <a:r>
-              <a:rPr lang="pt-BR" dirty="0"/>
-              <a:t> –facilitar a escrita do código</a:t>
+              <a:t>boatstrap-dialog</a:t>
             </a:r>
             <a:r>
               <a:rPr lang="pt-BR" baseline="0" dirty="0"/>
-              <a:t> em </a:t>
+              <a:t> – </a:t>
             </a:r>
             <a:r>
               <a:rPr lang="pt-BR" baseline="0" dirty="0" err="1"/>
-              <a:t>javascript</a:t>
-            </a:r>
-            <a:r>
-              <a:rPr lang="pt-BR" baseline="0" dirty="0"/>
-              <a:t> e fornecer uma manipulação simples de eventos</a:t>
-            </a:r>
+              <a:t>modals</a:t>
+            </a:r>
+            <a:endParaRPr lang="pt-BR" baseline="0" dirty="0"/>
           </a:p>
           <a:p>
             <a:r>
@@ -788,7 +889,21 @@
             </a:r>
             <a:r>
               <a:rPr lang="pt-BR" baseline="0" dirty="0" err="1"/>
-              <a:t>Jquery</a:t>
+              <a:t>jquery</a:t>
+            </a:r>
+            <a:r>
+              <a:rPr lang="pt-BR" baseline="0" dirty="0"/>
+              <a:t>-ui- auto complete</a:t>
+            </a:r>
+          </a:p>
+          <a:p>
+            <a:r>
+              <a:rPr lang="pt-BR" baseline="0" dirty="0"/>
+              <a:t>---</a:t>
+            </a:r>
+            <a:r>
+              <a:rPr lang="pt-BR" baseline="0" dirty="0" err="1"/>
+              <a:t>jquery</a:t>
             </a:r>
             <a:r>
               <a:rPr lang="pt-BR" baseline="0" dirty="0"/>
@@ -796,11 +911,11 @@
             </a:r>
             <a:r>
               <a:rPr lang="pt-BR" baseline="0" dirty="0" err="1"/>
-              <a:t>Validation</a:t>
+              <a:t>maskedinput</a:t>
             </a:r>
             <a:r>
               <a:rPr lang="pt-BR" baseline="0" dirty="0"/>
-              <a:t> – validar dados do formulário</a:t>
+              <a:t> – mascaras para inputs</a:t>
             </a:r>
           </a:p>
           <a:p>
@@ -810,58 +925,11 @@
             </a:r>
             <a:r>
               <a:rPr lang="pt-BR" baseline="0" dirty="0" err="1"/>
-              <a:t>Bootstrap</a:t>
+              <a:t>bootstrap-datepicker</a:t>
             </a:r>
             <a:r>
               <a:rPr lang="pt-BR" baseline="0" dirty="0"/>
-              <a:t> – criação de layouts de CSS</a:t>
-            </a:r>
-          </a:p>
-          <a:p>
-            <a:r>
-              <a:rPr lang="pt-BR" baseline="0" dirty="0"/>
-              <a:t>---</a:t>
-            </a:r>
-            <a:r>
-              <a:rPr lang="pt-BR" baseline="0" dirty="0" err="1"/>
-              <a:t>Js-signals</a:t>
-            </a:r>
-            <a:r>
-              <a:rPr lang="pt-BR" baseline="0" dirty="0"/>
-              <a:t> – distribuir eventos</a:t>
-            </a:r>
-          </a:p>
-          <a:p>
-            <a:r>
-              <a:rPr lang="pt-BR" baseline="0" dirty="0"/>
-              <a:t>---</a:t>
-            </a:r>
-            <a:r>
-              <a:rPr lang="pt-BR" baseline="0" dirty="0" err="1"/>
-              <a:t>crossroads</a:t>
-            </a:r>
-            <a:r>
-              <a:rPr lang="pt-BR" baseline="0" dirty="0"/>
-              <a:t> – rotas das páginas no </a:t>
-            </a:r>
-            <a:r>
-              <a:rPr lang="pt-BR" baseline="0" dirty="0" err="1"/>
-              <a:t>javascript</a:t>
-            </a:r>
-            <a:endParaRPr lang="pt-BR" baseline="0" dirty="0"/>
-          </a:p>
-          <a:p>
-            <a:r>
-              <a:rPr lang="pt-BR" baseline="0" dirty="0"/>
-              <a:t>---</a:t>
-            </a:r>
-            <a:r>
-              <a:rPr lang="pt-BR" baseline="0" dirty="0" err="1"/>
-              <a:t>toastr</a:t>
-            </a:r>
-            <a:r>
-              <a:rPr lang="pt-BR" baseline="0" dirty="0"/>
-              <a:t> –notificações não bloqueadoras</a:t>
+              <a:t> – calendário para selecionar data</a:t>
             </a:r>
           </a:p>
           <a:p>
@@ -896,7 +964,7 @@
     </p:spTree>
     <p:extLst>
       <p:ext uri="{BB962C8B-B14F-4D97-AF65-F5344CB8AC3E}">
-        <p14:creationId xmlns:p14="http://schemas.microsoft.com/office/powerpoint/2010/main" val="1121356052"/>
+        <p14:creationId xmlns:p14="http://schemas.microsoft.com/office/powerpoint/2010/main" xmlns="" val="3486380440"/>
       </p:ext>
     </p:extLst>
   </p:cSld>
@@ -952,73 +1020,99 @@
           <a:p>
             <a:r>
               <a:rPr lang="pt-BR" dirty="0"/>
+              <a:t>--- </a:t>
+            </a:r>
+            <a:r>
+              <a:rPr lang="pt-BR" dirty="0" err="1"/>
+              <a:t>php</a:t>
+            </a:r>
+            <a:r>
+              <a:rPr lang="pt-BR" dirty="0"/>
+              <a:t>-útil – bibliotecas utilitárias ( facilitar uso de </a:t>
+            </a:r>
+            <a:r>
+              <a:rPr lang="pt-BR" dirty="0" err="1"/>
+              <a:t>json</a:t>
+            </a:r>
+            <a:r>
+              <a:rPr lang="pt-BR" dirty="0"/>
+              <a:t> e </a:t>
+            </a:r>
+            <a:r>
+              <a:rPr lang="pt-BR" dirty="0" err="1"/>
+              <a:t>paramutil</a:t>
+            </a:r>
+            <a:r>
+              <a:rPr lang="pt-BR" dirty="0"/>
+              <a:t> que</a:t>
+            </a:r>
+            <a:r>
+              <a:rPr lang="pt-BR" baseline="0" dirty="0"/>
+              <a:t> facilita captação de parâmetros de </a:t>
+            </a:r>
+            <a:r>
+              <a:rPr lang="pt-BR" baseline="0" dirty="0" err="1"/>
+              <a:t>req</a:t>
+            </a:r>
+            <a:r>
+              <a:rPr lang="pt-BR" baseline="0" dirty="0"/>
+              <a:t>. HTTP </a:t>
+            </a:r>
+            <a:r>
+              <a:rPr lang="pt-BR" dirty="0"/>
+              <a:t>)</a:t>
+            </a:r>
+          </a:p>
+          <a:p>
+            <a:r>
+              <a:rPr lang="pt-BR" dirty="0"/>
               <a:t>---</a:t>
             </a:r>
             <a:r>
               <a:rPr lang="pt-BR" dirty="0" err="1"/>
-              <a:t>boatstrap-dialog</a:t>
+              <a:t>Slim</a:t>
+            </a:r>
+            <a:r>
+              <a:rPr lang="pt-BR" dirty="0"/>
+              <a:t>-</a:t>
             </a:r>
             <a:r>
               <a:rPr lang="pt-BR" baseline="0" dirty="0"/>
-              <a:t> – </a:t>
-            </a:r>
-            <a:r>
-              <a:rPr lang="pt-BR" baseline="0" dirty="0" err="1"/>
-              <a:t>modals</a:t>
-            </a:r>
-            <a:endParaRPr lang="pt-BR" baseline="0" dirty="0"/>
-          </a:p>
-          <a:p>
+              <a:t> mapear rotas</a:t>
+            </a:r>
+            <a:endParaRPr lang="pt-BR" dirty="0"/>
+          </a:p>
+          <a:p>
+            <a:r>
+              <a:rPr lang="pt-BR" dirty="0"/>
+              <a:t>--- </a:t>
+            </a:r>
+            <a:r>
+              <a:rPr lang="pt-BR" dirty="0" err="1"/>
+              <a:t>Session</a:t>
+            </a:r>
             <a:r>
               <a:rPr lang="pt-BR" baseline="0" dirty="0"/>
-              <a:t>---</a:t>
-            </a:r>
-            <a:r>
-              <a:rPr lang="pt-BR" baseline="0" dirty="0" err="1"/>
-              <a:t>jquery</a:t>
+              <a:t> – facilita utilização de sessões</a:t>
+            </a:r>
+          </a:p>
+          <a:p>
+            <a:r>
+              <a:rPr lang="pt-BR" dirty="0"/>
+              <a:t>----</a:t>
+            </a:r>
+            <a:r>
+              <a:rPr lang="pt-BR" dirty="0" err="1"/>
+              <a:t>Dice</a:t>
+            </a:r>
+            <a:r>
+              <a:rPr lang="pt-BR" dirty="0"/>
+              <a:t> – agilizar e facilitar uso de injeção</a:t>
             </a:r>
             <a:r>
               <a:rPr lang="pt-BR" baseline="0" dirty="0"/>
-              <a:t>-ui- auto complete</a:t>
-            </a:r>
-          </a:p>
-          <a:p>
-            <a:r>
-              <a:rPr lang="pt-BR" baseline="0" dirty="0"/>
-              <a:t>---</a:t>
-            </a:r>
-            <a:r>
-              <a:rPr lang="pt-BR" baseline="0" dirty="0" err="1"/>
-              <a:t>jquery</a:t>
-            </a:r>
-            <a:r>
-              <a:rPr lang="pt-BR" baseline="0" dirty="0"/>
-              <a:t> </a:t>
-            </a:r>
-            <a:r>
-              <a:rPr lang="pt-BR" baseline="0" dirty="0" err="1"/>
-              <a:t>maskedinput</a:t>
-            </a:r>
-            <a:r>
-              <a:rPr lang="pt-BR" baseline="0" dirty="0"/>
-              <a:t> – mascaras para inputs</a:t>
-            </a:r>
-          </a:p>
-          <a:p>
-            <a:r>
-              <a:rPr lang="pt-BR" baseline="0" dirty="0"/>
-              <a:t>---</a:t>
-            </a:r>
-            <a:r>
-              <a:rPr lang="pt-BR" baseline="0" dirty="0" err="1"/>
-              <a:t>bootstrap-datepicker</a:t>
-            </a:r>
-            <a:r>
-              <a:rPr lang="pt-BR" baseline="0" dirty="0"/>
-              <a:t> – calendário para selecionar data</a:t>
-            </a:r>
-          </a:p>
-          <a:p>
+              <a:t> de dependências</a:t>
+            </a:r>
             <a:endParaRPr lang="pt-BR" dirty="0"/>
           </a:p>
         </p:txBody>
@@ -1050,7 +1144,7 @@
     </p:spTree>
     <p:extLst>
       <p:ext uri="{BB962C8B-B14F-4D97-AF65-F5344CB8AC3E}">
-        <p14:creationId xmlns:p14="http://schemas.microsoft.com/office/powerpoint/2010/main" val="3486380440"/>
+        <p14:creationId xmlns:p14="http://schemas.microsoft.com/office/powerpoint/2010/main" xmlns="" val="2156603939"/>
       </p:ext>
     </p:extLst>
   </p:cSld>
@@ -1106,98 +1200,52 @@
           <a:p>
             <a:r>
               <a:rPr lang="pt-BR" dirty="0"/>
-              <a:t>--- </a:t>
+              <a:t>---</a:t>
             </a:r>
             <a:r>
               <a:rPr lang="pt-BR" dirty="0" err="1"/>
+              <a:t>composer</a:t>
+            </a:r>
+            <a:r>
+              <a:rPr lang="pt-BR" dirty="0"/>
+              <a:t> – gerenciar dependências</a:t>
+            </a:r>
+            <a:r>
+              <a:rPr lang="pt-BR" baseline="0" dirty="0"/>
+              <a:t> do </a:t>
+            </a:r>
+            <a:r>
+              <a:rPr lang="pt-BR" baseline="0" dirty="0" err="1"/>
               <a:t>php</a:t>
             </a:r>
-            <a:r>
-              <a:rPr lang="pt-BR" dirty="0"/>
-              <a:t>-útil – bibliotecas utilitárias ( facilitar uso de </a:t>
-            </a:r>
-            <a:r>
-              <a:rPr lang="pt-BR" dirty="0" err="1"/>
-              <a:t>json</a:t>
-            </a:r>
-            <a:r>
-              <a:rPr lang="pt-BR" dirty="0"/>
-              <a:t> e </a:t>
-            </a:r>
-            <a:r>
-              <a:rPr lang="pt-BR" dirty="0" err="1"/>
-              <a:t>paramutil</a:t>
-            </a:r>
-            <a:r>
-              <a:rPr lang="pt-BR" dirty="0"/>
-              <a:t> que</a:t>
-            </a:r>
+            <a:endParaRPr lang="pt-BR" baseline="0" dirty="0"/>
+          </a:p>
+          <a:p>
             <a:r>
               <a:rPr lang="pt-BR" baseline="0" dirty="0"/>
-              <a:t> facilita captação de parâmetros de </a:t>
+              <a:t>---</a:t>
             </a:r>
             <a:r>
               <a:rPr lang="pt-BR" baseline="0" dirty="0" err="1"/>
-              <a:t>req</a:t>
+              <a:t>bower</a:t>
             </a:r>
             <a:r>
               <a:rPr lang="pt-BR" baseline="0" dirty="0"/>
-              <a:t>. HTTP </a:t>
-            </a:r>
-            <a:r>
-              <a:rPr lang="pt-BR" dirty="0"/>
-              <a:t>)</a:t>
-            </a:r>
-          </a:p>
-          <a:p>
-            <a:r>
-              <a:rPr lang="pt-BR" dirty="0"/>
+              <a:t> – gerenciar dependências do lado cliente</a:t>
+            </a:r>
+          </a:p>
+          <a:p>
+            <a:r>
+              <a:rPr lang="pt-BR" baseline="0" dirty="0"/>
               <a:t>---</a:t>
             </a:r>
             <a:r>
-              <a:rPr lang="pt-BR" dirty="0" err="1"/>
-              <a:t>Slim</a:t>
-            </a:r>
-            <a:r>
-              <a:rPr lang="pt-BR" dirty="0"/>
-              <a:t>-</a:t>
+              <a:rPr lang="pt-BR" baseline="0" dirty="0" err="1"/>
+              <a:t>git</a:t>
             </a:r>
             <a:r>
               <a:rPr lang="pt-BR" baseline="0" dirty="0"/>
-              <a:t> mapear rotas</a:t>
-            </a:r>
-            <a:endParaRPr lang="pt-BR" dirty="0"/>
-          </a:p>
-          <a:p>
-            <a:r>
-              <a:rPr lang="pt-BR" dirty="0"/>
-              <a:t>--- </a:t>
-            </a:r>
-            <a:r>
-              <a:rPr lang="pt-BR" dirty="0" err="1"/>
-              <a:t>Session</a:t>
-            </a:r>
-            <a:r>
-              <a:rPr lang="pt-BR" baseline="0" dirty="0"/>
-              <a:t> – facilita utilização de sessões</a:t>
-            </a:r>
-          </a:p>
-          <a:p>
-            <a:r>
-              <a:rPr lang="pt-BR" dirty="0"/>
-              <a:t>----</a:t>
-            </a:r>
-            <a:r>
-              <a:rPr lang="pt-BR" dirty="0" err="1"/>
-              <a:t>Dice</a:t>
-            </a:r>
-            <a:r>
-              <a:rPr lang="pt-BR" dirty="0"/>
-              <a:t> – agilizar e facilitar uso de injeção</a:t>
-            </a:r>
-            <a:r>
-              <a:rPr lang="pt-BR" baseline="0" dirty="0"/>
-              <a:t> de dependências</a:t>
+              <a:t> – controle de versão</a:t>
             </a:r>
             <a:endParaRPr lang="pt-BR" dirty="0"/>
           </a:p>
@@ -1230,7 +1278,7 @@
     </p:spTree>
     <p:extLst>
       <p:ext uri="{BB962C8B-B14F-4D97-AF65-F5344CB8AC3E}">
-        <p14:creationId xmlns:p14="http://schemas.microsoft.com/office/powerpoint/2010/main" val="2156603939"/>
+        <p14:creationId xmlns:p14="http://schemas.microsoft.com/office/powerpoint/2010/main" xmlns="" val="271156466"/>
       </p:ext>
     </p:extLst>
   </p:cSld>
@@ -1284,56 +1332,7 @@
           <a:bodyPr/>
           <a:lstStyle/>
           <a:p>
-            <a:r>
-              <a:rPr lang="pt-BR" dirty="0"/>
-              <a:t>---</a:t>
-            </a:r>
-            <a:r>
-              <a:rPr lang="pt-BR" dirty="0" err="1"/>
-              <a:t>composer</a:t>
-            </a:r>
-            <a:r>
-              <a:rPr lang="pt-BR" dirty="0"/>
-              <a:t> – gerenciar dependências</a:t>
-            </a:r>
-            <a:r>
-              <a:rPr lang="pt-BR" baseline="0" dirty="0"/>
-              <a:t> do </a:t>
-            </a:r>
-            <a:r>
-              <a:rPr lang="pt-BR" baseline="0" dirty="0" err="1"/>
-              <a:t>php</a:t>
-            </a:r>
-            <a:endParaRPr lang="pt-BR" baseline="0" dirty="0"/>
-          </a:p>
-          <a:p>
-            <a:r>
-              <a:rPr lang="pt-BR" baseline="0" dirty="0"/>
-              <a:t>---</a:t>
-            </a:r>
-            <a:r>
-              <a:rPr lang="pt-BR" baseline="0" dirty="0" err="1"/>
-              <a:t>bower</a:t>
-            </a:r>
-            <a:r>
-              <a:rPr lang="pt-BR" baseline="0" dirty="0"/>
-              <a:t> – gerenciar dependências do lado cliente</a:t>
-            </a:r>
-          </a:p>
-          <a:p>
-            <a:r>
-              <a:rPr lang="pt-BR" baseline="0" dirty="0"/>
-              <a:t>---</a:t>
-            </a:r>
-            <a:r>
-              <a:rPr lang="pt-BR" baseline="0" dirty="0" err="1"/>
-              <a:t>git</a:t>
-            </a:r>
-            <a:r>
-              <a:rPr lang="pt-BR" baseline="0" dirty="0"/>
-              <a:t> – controle de versão</a:t>
-            </a:r>
-            <a:endParaRPr lang="pt-BR" dirty="0"/>
+            <a:endParaRPr lang="pt-BR"/>
           </a:p>
         </p:txBody>
       </p:sp>
@@ -1353,9 +1352,9 @@
           <a:lstStyle/>
           <a:p>
             <a:fld id="{1703331F-5A7E-400F-916E-7C99988A06E6}" type="slidenum">
-              <a:rPr lang="pt-BR" smtClean="0"/>
+              <a:rPr lang="pt-BR"/>
               <a:pPr/>
-              <a:t>29</a:t>
+              <a:t>35</a:t>
             </a:fld>
             <a:endParaRPr lang="pt-BR"/>
           </a:p>
@@ -1364,92 +1363,7 @@
     </p:spTree>
     <p:extLst>
       <p:ext uri="{BB962C8B-B14F-4D97-AF65-F5344CB8AC3E}">
-        <p14:creationId xmlns:p14="http://schemas.microsoft.com/office/powerpoint/2010/main" val="271156466"/>
-      </p:ext>
-    </p:extLst>
-  </p:cSld>
-  <p:clrMapOvr>
-    <a:masterClrMapping/>
-  </p:clrMapOvr>
-</p:notes>
-</file>
-
-<file path=ppt/notesSlides/notesSlide7.xml><?xml version="1.0" encoding="utf-8"?>
-<p:notes xmlns:a="http://schemas.openxmlformats.org/drawingml/2006/main" xmlns:r="http://schemas.openxmlformats.org/officeDocument/2006/relationships" xmlns:p="http://schemas.openxmlformats.org/presentationml/2006/main">
-  <p:cSld>
-    <p:spTree>
-      <p:nvGrpSpPr>
-        <p:cNvPr id="1" name=""/>
-        <p:cNvGrpSpPr/>
-        <p:nvPr/>
-      </p:nvGrpSpPr>
-      <p:grpSpPr>
-        <a:xfrm>
-          <a:off x="0" y="0"/>
-          <a:ext cx="0" cy="0"/>
-          <a:chOff x="0" y="0"/>
-          <a:chExt cx="0" cy="0"/>
-        </a:xfrm>
-      </p:grpSpPr>
-      <p:sp>
-        <p:nvSpPr>
-          <p:cNvPr id="2" name="Espaço Reservado para Imagem de Slide 1"/>
-          <p:cNvSpPr>
-            <a:spLocks noGrp="1" noRot="1" noChangeAspect="1"/>
-          </p:cNvSpPr>
-          <p:nvPr>
-            <p:ph type="sldImg"/>
-          </p:nvPr>
-        </p:nvSpPr>
-        <p:spPr/>
-      </p:sp>
-      <p:sp>
-        <p:nvSpPr>
-          <p:cNvPr id="3" name="Espaço Reservado para Anotações 2"/>
-          <p:cNvSpPr>
-            <a:spLocks noGrp="1"/>
-          </p:cNvSpPr>
-          <p:nvPr>
-            <p:ph type="body" idx="1"/>
-          </p:nvPr>
-        </p:nvSpPr>
-        <p:spPr/>
-        <p:txBody>
-          <a:bodyPr/>
-          <a:lstStyle/>
-          <a:p>
-            <a:endParaRPr lang="pt-BR"/>
-          </a:p>
-        </p:txBody>
-      </p:sp>
-      <p:sp>
-        <p:nvSpPr>
-          <p:cNvPr id="4" name="Espaço Reservado para Número de Slide 3"/>
-          <p:cNvSpPr>
-            <a:spLocks noGrp="1"/>
-          </p:cNvSpPr>
-          <p:nvPr>
-            <p:ph type="sldNum" sz="quarter" idx="10"/>
-          </p:nvPr>
-        </p:nvSpPr>
-        <p:spPr/>
-        <p:txBody>
-          <a:bodyPr/>
-          <a:lstStyle/>
-          <a:p>
-            <a:fld id="{1703331F-5A7E-400F-916E-7C99988A06E6}" type="slidenum">
-              <a:rPr lang="pt-BR"/>
-              <a:pPr/>
-              <a:t>36</a:t>
-            </a:fld>
-            <a:endParaRPr lang="pt-BR"/>
-          </a:p>
-        </p:txBody>
-      </p:sp>
-    </p:spTree>
-    <p:extLst>
-      <p:ext uri="{BB962C8B-B14F-4D97-AF65-F5344CB8AC3E}">
-        <p14:creationId xmlns:p14="http://schemas.microsoft.com/office/powerpoint/2010/main" val="121678430"/>
+        <p14:creationId xmlns:p14="http://schemas.microsoft.com/office/powerpoint/2010/main" xmlns="" val="121678430"/>
       </p:ext>
     </p:extLst>
   </p:cSld>
@@ -1519,7 +1433,7 @@
             </a:ln>
             <a:extLst>
               <a:ext uri="{909E8E84-426E-40DD-AFC4-6F175D3DCCD1}">
-                <a14:hiddenFill xmlns:a14="http://schemas.microsoft.com/office/drawing/2010/main">
+                <a14:hiddenFill xmlns:a14="http://schemas.microsoft.com/office/drawing/2010/main" xmlns="">
                   <a:noFill/>
                 </a14:hiddenFill>
               </a:ext>
@@ -1658,7 +1572,7 @@
             </a:ln>
             <a:extLst>
               <a:ext uri="{91240B29-F687-4F45-9708-019B960494DF}">
-                <a14:hiddenLine xmlns:a14="http://schemas.microsoft.com/office/drawing/2010/main" w="9525">
+                <a14:hiddenLine xmlns:a14="http://schemas.microsoft.com/office/drawing/2010/main" xmlns="" w="9525">
                   <a:solidFill>
                     <a:srgbClr val="000000"/>
                   </a:solidFill>
@@ -1802,7 +1716,7 @@
             </a:ln>
             <a:extLst>
               <a:ext uri="{91240B29-F687-4F45-9708-019B960494DF}">
-                <a14:hiddenLine xmlns:a14="http://schemas.microsoft.com/office/drawing/2010/main" w="9525">
+                <a14:hiddenLine xmlns:a14="http://schemas.microsoft.com/office/drawing/2010/main" xmlns="" w="9525">
                   <a:solidFill>
                     <a:srgbClr val="000000"/>
                   </a:solidFill>
@@ -1913,7 +1827,7 @@
               <a:pPr>
                 <a:defRPr/>
               </a:pPr>
-              <a:t>08/12/2016</a:t>
+              <a:t>02/04/2017</a:t>
             </a:fld>
             <a:endParaRPr lang="pt-BR"/>
           </a:p>
@@ -1976,7 +1890,7 @@
     </p:spTree>
     <p:extLst>
       <p:ext uri="{BB962C8B-B14F-4D97-AF65-F5344CB8AC3E}">
-        <p14:creationId xmlns:p14="http://schemas.microsoft.com/office/powerpoint/2010/main" val="665045904"/>
+        <p14:creationId xmlns:p14="http://schemas.microsoft.com/office/powerpoint/2010/main" xmlns="" val="665045904"/>
       </p:ext>
     </p:extLst>
   </p:cSld>
@@ -2105,7 +2019,7 @@
               <a:pPr>
                 <a:defRPr/>
               </a:pPr>
-              <a:t>08/12/2016</a:t>
+              <a:t>02/04/2017</a:t>
             </a:fld>
             <a:endParaRPr lang="pt-BR"/>
           </a:p>
@@ -2172,7 +2086,7 @@
     </p:spTree>
     <p:extLst>
       <p:ext uri="{BB962C8B-B14F-4D97-AF65-F5344CB8AC3E}">
-        <p14:creationId xmlns:p14="http://schemas.microsoft.com/office/powerpoint/2010/main" val="4010977881"/>
+        <p14:creationId xmlns:p14="http://schemas.microsoft.com/office/powerpoint/2010/main" xmlns="" val="4010977881"/>
       </p:ext>
     </p:extLst>
   </p:cSld>
@@ -2311,7 +2225,7 @@
               <a:pPr>
                 <a:defRPr/>
               </a:pPr>
-              <a:t>08/12/2016</a:t>
+              <a:t>02/04/2017</a:t>
             </a:fld>
             <a:endParaRPr lang="pt-BR"/>
           </a:p>
@@ -2378,7 +2292,7 @@
     </p:spTree>
     <p:extLst>
       <p:ext uri="{BB962C8B-B14F-4D97-AF65-F5344CB8AC3E}">
-        <p14:creationId xmlns:p14="http://schemas.microsoft.com/office/powerpoint/2010/main" val="3489139107"/>
+        <p14:creationId xmlns:p14="http://schemas.microsoft.com/office/powerpoint/2010/main" xmlns="" val="3489139107"/>
       </p:ext>
     </p:extLst>
   </p:cSld>
@@ -2507,7 +2421,7 @@
               <a:pPr>
                 <a:defRPr/>
               </a:pPr>
-              <a:t>08/12/2016</a:t>
+              <a:t>02/04/2017</a:t>
             </a:fld>
             <a:endParaRPr lang="pt-BR"/>
           </a:p>
@@ -2574,7 +2488,7 @@
     </p:spTree>
     <p:extLst>
       <p:ext uri="{BB962C8B-B14F-4D97-AF65-F5344CB8AC3E}">
-        <p14:creationId xmlns:p14="http://schemas.microsoft.com/office/powerpoint/2010/main" val="1026380840"/>
+        <p14:creationId xmlns:p14="http://schemas.microsoft.com/office/powerpoint/2010/main" xmlns="" val="1026380840"/>
       </p:ext>
     </p:extLst>
   </p:cSld>
@@ -2726,7 +2640,7 @@
               <a:pPr>
                 <a:defRPr/>
               </a:pPr>
-              <a:t>08/12/2016</a:t>
+              <a:t>02/04/2017</a:t>
             </a:fld>
             <a:endParaRPr lang="pt-BR"/>
           </a:p>
@@ -2793,7 +2707,7 @@
     </p:spTree>
     <p:extLst>
       <p:ext uri="{BB962C8B-B14F-4D97-AF65-F5344CB8AC3E}">
-        <p14:creationId xmlns:p14="http://schemas.microsoft.com/office/powerpoint/2010/main" val="3991470348"/>
+        <p14:creationId xmlns:p14="http://schemas.microsoft.com/office/powerpoint/2010/main" xmlns="" val="3991470348"/>
       </p:ext>
     </p:extLst>
   </p:cSld>
@@ -3039,7 +2953,7 @@
               <a:pPr>
                 <a:defRPr/>
               </a:pPr>
-              <a:t>08/12/2016</a:t>
+              <a:t>02/04/2017</a:t>
             </a:fld>
             <a:endParaRPr lang="pt-BR"/>
           </a:p>
@@ -3106,7 +3020,7 @@
     </p:spTree>
     <p:extLst>
       <p:ext uri="{BB962C8B-B14F-4D97-AF65-F5344CB8AC3E}">
-        <p14:creationId xmlns:p14="http://schemas.microsoft.com/office/powerpoint/2010/main" val="2675800700"/>
+        <p14:creationId xmlns:p14="http://schemas.microsoft.com/office/powerpoint/2010/main" xmlns="" val="2675800700"/>
       </p:ext>
     </p:extLst>
   </p:cSld>
@@ -3491,7 +3405,7 @@
               <a:pPr>
                 <a:defRPr/>
               </a:pPr>
-              <a:t>08/12/2016</a:t>
+              <a:t>02/04/2017</a:t>
             </a:fld>
             <a:endParaRPr lang="pt-BR"/>
           </a:p>
@@ -3558,7 +3472,7 @@
     </p:spTree>
     <p:extLst>
       <p:ext uri="{BB962C8B-B14F-4D97-AF65-F5344CB8AC3E}">
-        <p14:creationId xmlns:p14="http://schemas.microsoft.com/office/powerpoint/2010/main" val="3947755425"/>
+        <p14:creationId xmlns:p14="http://schemas.microsoft.com/office/powerpoint/2010/main" xmlns="" val="3947755425"/>
       </p:ext>
     </p:extLst>
   </p:cSld>
@@ -3636,7 +3550,7 @@
               <a:pPr>
                 <a:defRPr/>
               </a:pPr>
-              <a:t>08/12/2016</a:t>
+              <a:t>02/04/2017</a:t>
             </a:fld>
             <a:endParaRPr lang="pt-BR"/>
           </a:p>
@@ -3703,7 +3617,7 @@
     </p:spTree>
     <p:extLst>
       <p:ext uri="{BB962C8B-B14F-4D97-AF65-F5344CB8AC3E}">
-        <p14:creationId xmlns:p14="http://schemas.microsoft.com/office/powerpoint/2010/main" val="2322469226"/>
+        <p14:creationId xmlns:p14="http://schemas.microsoft.com/office/powerpoint/2010/main" xmlns="" val="2322469226"/>
       </p:ext>
     </p:extLst>
   </p:cSld>
@@ -3759,7 +3673,7 @@
               <a:pPr>
                 <a:defRPr/>
               </a:pPr>
-              <a:t>08/12/2016</a:t>
+              <a:t>02/04/2017</a:t>
             </a:fld>
             <a:endParaRPr lang="pt-BR"/>
           </a:p>
@@ -3826,7 +3740,7 @@
     </p:spTree>
     <p:extLst>
       <p:ext uri="{BB962C8B-B14F-4D97-AF65-F5344CB8AC3E}">
-        <p14:creationId xmlns:p14="http://schemas.microsoft.com/office/powerpoint/2010/main" val="3913152537"/>
+        <p14:creationId xmlns:p14="http://schemas.microsoft.com/office/powerpoint/2010/main" xmlns="" val="3913152537"/>
       </p:ext>
     </p:extLst>
   </p:cSld>
@@ -4062,7 +3976,7 @@
               <a:pPr>
                 <a:defRPr/>
               </a:pPr>
-              <a:t>08/12/2016</a:t>
+              <a:t>02/04/2017</a:t>
             </a:fld>
             <a:endParaRPr lang="pt-BR"/>
           </a:p>
@@ -4129,7 +4043,7 @@
     </p:spTree>
     <p:extLst>
       <p:ext uri="{BB962C8B-B14F-4D97-AF65-F5344CB8AC3E}">
-        <p14:creationId xmlns:p14="http://schemas.microsoft.com/office/powerpoint/2010/main" val="1402727982"/>
+        <p14:creationId xmlns:p14="http://schemas.microsoft.com/office/powerpoint/2010/main" xmlns="" val="1402727982"/>
       </p:ext>
     </p:extLst>
   </p:cSld>
@@ -4343,7 +4257,7 @@
               <a:pPr>
                 <a:defRPr/>
               </a:pPr>
-              <a:t>08/12/2016</a:t>
+              <a:t>02/04/2017</a:t>
             </a:fld>
             <a:endParaRPr lang="pt-BR"/>
           </a:p>
@@ -4410,7 +4324,7 @@
     </p:spTree>
     <p:extLst>
       <p:ext uri="{BB962C8B-B14F-4D97-AF65-F5344CB8AC3E}">
-        <p14:creationId xmlns:p14="http://schemas.microsoft.com/office/powerpoint/2010/main" val="4253707003"/>
+        <p14:creationId xmlns:p14="http://schemas.microsoft.com/office/powerpoint/2010/main" xmlns="" val="4253707003"/>
       </p:ext>
     </p:extLst>
   </p:cSld>
@@ -4586,7 +4500,7 @@
             </a:ln>
             <a:extLst>
               <a:ext uri="{91240B29-F687-4F45-9708-019B960494DF}">
-                <a14:hiddenLine xmlns:a14="http://schemas.microsoft.com/office/drawing/2010/main" w="9525">
+                <a14:hiddenLine xmlns:a14="http://schemas.microsoft.com/office/drawing/2010/main" xmlns="" w="9525">
                   <a:solidFill>
                     <a:srgbClr val="000000"/>
                   </a:solidFill>
@@ -4730,7 +4644,7 @@
             </a:ln>
             <a:extLst>
               <a:ext uri="{91240B29-F687-4F45-9708-019B960494DF}">
-                <a14:hiddenLine xmlns:a14="http://schemas.microsoft.com/office/drawing/2010/main" w="9525">
+                <a14:hiddenLine xmlns:a14="http://schemas.microsoft.com/office/drawing/2010/main" xmlns="" w="9525">
                   <a:solidFill>
                     <a:srgbClr val="000000"/>
                   </a:solidFill>
@@ -4776,7 +4690,7 @@
             </a:ln>
             <a:extLst>
               <a:ext uri="{909E8E84-426E-40DD-AFC4-6F175D3DCCD1}">
-                <a14:hiddenFill xmlns:a14="http://schemas.microsoft.com/office/drawing/2010/main">
+                <a14:hiddenFill xmlns:a14="http://schemas.microsoft.com/office/drawing/2010/main" xmlns="">
                   <a:noFill/>
                 </a14:hiddenFill>
               </a:ext>
@@ -4815,14 +4729,14 @@
           </a:ln>
           <a:extLst>
             <a:ext uri="{909E8E84-426E-40DD-AFC4-6F175D3DCCD1}">
-              <a14:hiddenFill xmlns:a14="http://schemas.microsoft.com/office/drawing/2010/main">
+              <a14:hiddenFill xmlns:a14="http://schemas.microsoft.com/office/drawing/2010/main" xmlns="">
                 <a:solidFill>
                   <a:srgbClr val="FFFFFF"/>
                 </a:solidFill>
               </a14:hiddenFill>
             </a:ext>
             <a:ext uri="{91240B29-F687-4F45-9708-019B960494DF}">
-              <a14:hiddenLine xmlns:a14="http://schemas.microsoft.com/office/drawing/2010/main" w="9525">
+              <a14:hiddenLine xmlns:a14="http://schemas.microsoft.com/office/drawing/2010/main" xmlns="" w="9525">
                 <a:solidFill>
                   <a:srgbClr val="000000"/>
                 </a:solidFill>
@@ -4873,14 +4787,14 @@
           </a:ln>
           <a:extLst>
             <a:ext uri="{909E8E84-426E-40DD-AFC4-6F175D3DCCD1}">
-              <a14:hiddenFill xmlns:a14="http://schemas.microsoft.com/office/drawing/2010/main">
+              <a14:hiddenFill xmlns:a14="http://schemas.microsoft.com/office/drawing/2010/main" xmlns="">
                 <a:solidFill>
                   <a:srgbClr val="FFFFFF"/>
                 </a:solidFill>
               </a14:hiddenFill>
             </a:ext>
             <a:ext uri="{91240B29-F687-4F45-9708-019B960494DF}">
-              <a14:hiddenLine xmlns:a14="http://schemas.microsoft.com/office/drawing/2010/main" w="9525">
+              <a14:hiddenLine xmlns:a14="http://schemas.microsoft.com/office/drawing/2010/main" xmlns="" w="9525">
                 <a:solidFill>
                   <a:srgbClr val="000000"/>
                 </a:solidFill>
@@ -4991,7 +4905,7 @@
               <a:pPr>
                 <a:defRPr/>
               </a:pPr>
-              <a:t>08/12/2016</a:t>
+              <a:t>02/04/2017</a:t>
             </a:fld>
             <a:endParaRPr lang="pt-BR"/>
           </a:p>
@@ -5770,14 +5684,14 @@
           </a:ln>
           <a:extLst>
             <a:ext uri="{909E8E84-426E-40DD-AFC4-6F175D3DCCD1}">
-              <a14:hiddenFill xmlns:a14="http://schemas.microsoft.com/office/drawing/2010/main">
+              <a14:hiddenFill xmlns:a14="http://schemas.microsoft.com/office/drawing/2010/main" xmlns="">
                 <a:solidFill>
                   <a:srgbClr val="FFFFFF"/>
                 </a:solidFill>
               </a14:hiddenFill>
             </a:ext>
             <a:ext uri="{91240B29-F687-4F45-9708-019B960494DF}">
-              <a14:hiddenLine xmlns:a14="http://schemas.microsoft.com/office/drawing/2010/main" w="9525">
+              <a14:hiddenLine xmlns:a14="http://schemas.microsoft.com/office/drawing/2010/main" xmlns="" w="9525">
                 <a:solidFill>
                   <a:srgbClr val="000000"/>
                 </a:solidFill>
@@ -5957,13 +5871,17 @@
           <a:bodyPr/>
           <a:lstStyle/>
           <a:p>
-            <a:endParaRPr lang="pt-BR"/>
+            <a:r>
+              <a:rPr lang="pt-BR" dirty="0" smtClean="0"/>
+              <a:t>Farmácia</a:t>
+            </a:r>
+            <a:endParaRPr lang="pt-BR" dirty="0"/>
           </a:p>
         </p:txBody>
       </p:sp>
       <p:pic>
         <p:nvPicPr>
-          <p:cNvPr id="4" name="Espaço Reservado para Conteúdo 3" descr="MedicamentoPrecificado2.PNG"/>
+          <p:cNvPr id="6" name="Espaço Reservado para Conteúdo 5" descr="Farmácia.PNG"/>
           <p:cNvPicPr>
             <a:picLocks noGrp="1" noChangeAspect="1"/>
           </p:cNvPicPr>
@@ -5979,8 +5897,8 @@
         </p:blipFill>
         <p:spPr>
           <a:xfrm>
-            <a:off x="0" y="0"/>
-            <a:ext cx="9144000" cy="6858000"/>
+            <a:off x="3577668" y="357166"/>
+            <a:ext cx="5209174" cy="6072230"/>
           </a:xfrm>
         </p:spPr>
       </p:pic>
@@ -5989,6 +5907,13 @@
   <p:clrMapOvr>
     <a:masterClrMapping/>
   </p:clrMapOvr>
+  <p:timing>
+    <p:tnLst>
+      <p:par>
+        <p:cTn id="1" dur="indefinite" restart="never" nodeType="tmRoot"/>
+      </p:par>
+    </p:tnLst>
+  </p:timing>
 </p:sld>
 </file>
 
@@ -6024,13 +5949,17 @@
           <a:bodyPr/>
           <a:lstStyle/>
           <a:p>
-            <a:endParaRPr lang="pt-BR"/>
+            <a:r>
+              <a:rPr lang="pt-BR" dirty="0" smtClean="0"/>
+              <a:t>Favoritos</a:t>
+            </a:r>
+            <a:endParaRPr lang="pt-BR" dirty="0"/>
           </a:p>
         </p:txBody>
       </p:sp>
       <p:pic>
         <p:nvPicPr>
-          <p:cNvPr id="4" name="Espaço Reservado para Conteúdo 3" descr="Farmácia.png"/>
+          <p:cNvPr id="6" name="Espaço Reservado para Conteúdo 5" descr="Favoritos.PNG"/>
           <p:cNvPicPr>
             <a:picLocks noGrp="1" noChangeAspect="1"/>
           </p:cNvPicPr>
@@ -6046,8 +5975,8 @@
         </p:blipFill>
         <p:spPr>
           <a:xfrm>
-            <a:off x="785786" y="0"/>
-            <a:ext cx="8001024" cy="7140035"/>
+            <a:off x="4000496" y="142852"/>
+            <a:ext cx="4929222" cy="6580737"/>
           </a:xfrm>
         </p:spPr>
       </p:pic>
@@ -6091,13 +6020,24 @@
           <a:bodyPr/>
           <a:lstStyle/>
           <a:p>
-            <a:endParaRPr lang="pt-BR"/>
+            <a:r>
+              <a:rPr lang="pt-BR" sz="2700" dirty="0" smtClean="0"/>
+              <a:t>Medicamento</a:t>
+            </a:r>
+            <a:br>
+              <a:rPr lang="pt-BR" sz="2700" dirty="0" smtClean="0"/>
+            </a:br>
+            <a:r>
+              <a:rPr lang="pt-BR" sz="2700" dirty="0" smtClean="0"/>
+              <a:t>Precificado</a:t>
+            </a:r>
+            <a:endParaRPr lang="pt-BR" sz="2700" dirty="0"/>
           </a:p>
         </p:txBody>
       </p:sp>
       <p:pic>
         <p:nvPicPr>
-          <p:cNvPr id="4" name="Espaço Reservado para Conteúdo 3" descr="Favoritos.png"/>
+          <p:cNvPr id="6" name="Espaço Reservado para Conteúdo 5" descr="MedicamentoPrecificado.PNG"/>
           <p:cNvPicPr>
             <a:picLocks noGrp="1" noChangeAspect="1"/>
           </p:cNvPicPr>
@@ -6113,8 +6053,8 @@
         </p:blipFill>
         <p:spPr>
           <a:xfrm>
-            <a:off x="785786" y="-1"/>
-            <a:ext cx="8358214" cy="7178127"/>
+            <a:off x="3571868" y="357166"/>
+            <a:ext cx="5326992" cy="5929354"/>
           </a:xfrm>
         </p:spPr>
       </p:pic>
@@ -6158,13 +6098,17 @@
           <a:bodyPr/>
           <a:lstStyle/>
           <a:p>
-            <a:endParaRPr lang="pt-BR"/>
+            <a:r>
+              <a:rPr lang="pt-BR" dirty="0" smtClean="0"/>
+              <a:t>Notificação</a:t>
+            </a:r>
+            <a:endParaRPr lang="pt-BR" dirty="0"/>
           </a:p>
         </p:txBody>
       </p:sp>
       <p:pic>
         <p:nvPicPr>
-          <p:cNvPr id="4" name="Espaço Reservado para Conteúdo 3" descr="Estoque.png"/>
+          <p:cNvPr id="6" name="Espaço Reservado para Conteúdo 5" descr="Notificação.PNG"/>
           <p:cNvPicPr>
             <a:picLocks noGrp="1" noChangeAspect="1"/>
           </p:cNvPicPr>
@@ -6180,8 +6124,8 @@
         </p:blipFill>
         <p:spPr>
           <a:xfrm>
-            <a:off x="1" y="0"/>
-            <a:ext cx="9143999" cy="6858000"/>
+            <a:off x="3929058" y="285727"/>
+            <a:ext cx="4821779" cy="6385243"/>
           </a:xfrm>
         </p:spPr>
       </p:pic>
@@ -6210,9 +6154,37 @@
           <a:chExt cx="0" cy="0"/>
         </a:xfrm>
       </p:grpSpPr>
+      <p:sp>
+        <p:nvSpPr>
+          <p:cNvPr id="6" name="Título 1"/>
+          <p:cNvSpPr>
+            <a:spLocks noGrp="1"/>
+          </p:cNvSpPr>
+          <p:nvPr>
+            <p:ph type="title"/>
+          </p:nvPr>
+        </p:nvSpPr>
+        <p:spPr>
+          <a:xfrm>
+            <a:off x="1370013" y="301625"/>
+            <a:ext cx="7313612" cy="1143000"/>
+          </a:xfrm>
+        </p:spPr>
+        <p:txBody>
+          <a:bodyPr/>
+          <a:lstStyle/>
+          <a:p>
+            <a:r>
+              <a:rPr lang="pt-BR" dirty="0" smtClean="0"/>
+              <a:t>Usuário</a:t>
+            </a:r>
+            <a:endParaRPr lang="pt-BR" dirty="0"/>
+          </a:p>
+        </p:txBody>
+      </p:sp>
       <p:pic>
         <p:nvPicPr>
-          <p:cNvPr id="5" name="Espaço Reservado para Conteúdo 4" descr="Notificação.PNG"/>
+          <p:cNvPr id="8" name="Espaço Reservado para Conteúdo 7" descr="Usuário.PNG"/>
           <p:cNvPicPr>
             <a:picLocks noGrp="1" noChangeAspect="1"/>
           </p:cNvPicPr>
@@ -6228,8 +6200,8 @@
         </p:blipFill>
         <p:spPr>
           <a:xfrm>
-            <a:off x="1000100" y="0"/>
-            <a:ext cx="7715304" cy="6858000"/>
+            <a:off x="3150162" y="357166"/>
+            <a:ext cx="5632419" cy="6072230"/>
           </a:xfrm>
         </p:spPr>
       </p:pic>
@@ -6273,84 +6245,6 @@
           <a:bodyPr/>
           <a:lstStyle/>
           <a:p>
-            <a:endParaRPr lang="pt-BR"/>
-          </a:p>
-        </p:txBody>
-      </p:sp>
-      <p:pic>
-        <p:nvPicPr>
-          <p:cNvPr id="4" name="Espaço Reservado para Conteúdo 3"/>
-          <p:cNvPicPr>
-            <a:picLocks noGrp="1" noChangeAspect="1"/>
-          </p:cNvPicPr>
-          <p:nvPr>
-            <p:ph idx="1"/>
-          </p:nvPr>
-        </p:nvPicPr>
-        <p:blipFill>
-          <a:blip r:embed="rId3">
-            <a:extLst>
-              <a:ext uri="{28A0092B-C50C-407E-A947-70E740481C1C}">
-                <a14:useLocalDpi xmlns:a14="http://schemas.microsoft.com/office/drawing/2010/main" val="0"/>
-              </a:ext>
-            </a:extLst>
-          </a:blip>
-          <a:stretch>
-            <a:fillRect/>
-          </a:stretch>
-        </p:blipFill>
-        <p:spPr>
-          <a:xfrm>
-            <a:off x="1221468" y="-4766"/>
-            <a:ext cx="7610702" cy="7034166"/>
-          </a:xfrm>
-        </p:spPr>
-      </p:pic>
-    </p:spTree>
-    <p:extLst>
-      <p:ext uri="{BB962C8B-B14F-4D97-AF65-F5344CB8AC3E}">
-        <p14:creationId xmlns:p14="http://schemas.microsoft.com/office/powerpoint/2010/main" val="736966676"/>
-      </p:ext>
-    </p:extLst>
-  </p:cSld>
-  <p:clrMapOvr>
-    <a:masterClrMapping/>
-  </p:clrMapOvr>
-</p:sld>
-</file>
-
-<file path=ppt/slides/slide16.xml><?xml version="1.0" encoding="utf-8"?>
-<p:sld xmlns:a="http://schemas.openxmlformats.org/drawingml/2006/main" xmlns:r="http://schemas.openxmlformats.org/officeDocument/2006/relationships" xmlns:p="http://schemas.openxmlformats.org/presentationml/2006/main">
-  <p:cSld>
-    <p:spTree>
-      <p:nvGrpSpPr>
-        <p:cNvPr id="1" name=""/>
-        <p:cNvGrpSpPr/>
-        <p:nvPr/>
-      </p:nvGrpSpPr>
-      <p:grpSpPr>
-        <a:xfrm>
-          <a:off x="0" y="0"/>
-          <a:ext cx="0" cy="0"/>
-          <a:chOff x="0" y="0"/>
-          <a:chExt cx="0" cy="0"/>
-        </a:xfrm>
-      </p:grpSpPr>
-      <p:sp>
-        <p:nvSpPr>
-          <p:cNvPr id="2" name="Título 1"/>
-          <p:cNvSpPr>
-            <a:spLocks noGrp="1"/>
-          </p:cNvSpPr>
-          <p:nvPr>
-            <p:ph type="title"/>
-          </p:nvPr>
-        </p:nvSpPr>
-        <p:spPr/>
-        <p:txBody>
-          <a:bodyPr/>
-          <a:lstStyle/>
-          <a:p>
             <a:pPr algn="ctr"/>
             <a:r>
               <a:rPr lang="pt-BR" dirty="0"/>
@@ -6383,14 +6277,14 @@
                 <a:gridCol w="3656806">
                   <a:extLst>
                     <a:ext uri="{9D8B030D-6E8A-4147-A177-3AD203B41FA5}">
-                      <a16:colId xmlns:a16="http://schemas.microsoft.com/office/drawing/2014/main" val="20000"/>
+                      <a16:colId xmlns:a16="http://schemas.microsoft.com/office/drawing/2014/main" xmlns="" val="20000"/>
                     </a:ext>
                   </a:extLst>
                 </a:gridCol>
                 <a:gridCol w="3656806">
                   <a:extLst>
                     <a:ext uri="{9D8B030D-6E8A-4147-A177-3AD203B41FA5}">
-                      <a16:colId xmlns:a16="http://schemas.microsoft.com/office/drawing/2014/main" val="20001"/>
+                      <a16:colId xmlns:a16="http://schemas.microsoft.com/office/drawing/2014/main" xmlns="" val="20001"/>
                     </a:ext>
                   </a:extLst>
                 </a:gridCol>
@@ -6470,7 +6364,7 @@
                 </a:tc>
                 <a:extLst>
                   <a:ext uri="{0D108BD9-81ED-4DB2-BD59-A6C34878D82A}">
-                    <a16:rowId xmlns:a16="http://schemas.microsoft.com/office/drawing/2014/main" val="10000"/>
+                    <a16:rowId xmlns:a16="http://schemas.microsoft.com/office/drawing/2014/main" xmlns="" val="10000"/>
                   </a:ext>
                 </a:extLst>
               </a:tr>
@@ -6537,7 +6431,7 @@
                 </a:tc>
                 <a:extLst>
                   <a:ext uri="{0D108BD9-81ED-4DB2-BD59-A6C34878D82A}">
-                    <a16:rowId xmlns:a16="http://schemas.microsoft.com/office/drawing/2014/main" val="10001"/>
+                    <a16:rowId xmlns:a16="http://schemas.microsoft.com/office/drawing/2014/main" xmlns="" val="10001"/>
                   </a:ext>
                 </a:extLst>
               </a:tr>
@@ -6604,7 +6498,7 @@
                 </a:tc>
                 <a:extLst>
                   <a:ext uri="{0D108BD9-81ED-4DB2-BD59-A6C34878D82A}">
-                    <a16:rowId xmlns:a16="http://schemas.microsoft.com/office/drawing/2014/main" val="10002"/>
+                    <a16:rowId xmlns:a16="http://schemas.microsoft.com/office/drawing/2014/main" xmlns="" val="10002"/>
                   </a:ext>
                 </a:extLst>
               </a:tr>
@@ -6671,7 +6565,7 @@
                 </a:tc>
                 <a:extLst>
                   <a:ext uri="{0D108BD9-81ED-4DB2-BD59-A6C34878D82A}">
-                    <a16:rowId xmlns:a16="http://schemas.microsoft.com/office/drawing/2014/main" val="10003"/>
+                    <a16:rowId xmlns:a16="http://schemas.microsoft.com/office/drawing/2014/main" xmlns="" val="10003"/>
                   </a:ext>
                 </a:extLst>
               </a:tr>
@@ -6738,7 +6632,7 @@
                 </a:tc>
                 <a:extLst>
                   <a:ext uri="{0D108BD9-81ED-4DB2-BD59-A6C34878D82A}">
-                    <a16:rowId xmlns:a16="http://schemas.microsoft.com/office/drawing/2014/main" val="10004"/>
+                    <a16:rowId xmlns:a16="http://schemas.microsoft.com/office/drawing/2014/main" xmlns="" val="10004"/>
                   </a:ext>
                 </a:extLst>
               </a:tr>
@@ -6805,7 +6699,7 @@
                 </a:tc>
                 <a:extLst>
                   <a:ext uri="{0D108BD9-81ED-4DB2-BD59-A6C34878D82A}">
-                    <a16:rowId xmlns:a16="http://schemas.microsoft.com/office/drawing/2014/main" val="10005"/>
+                    <a16:rowId xmlns:a16="http://schemas.microsoft.com/office/drawing/2014/main" xmlns="" val="10005"/>
                   </a:ext>
                 </a:extLst>
               </a:tr>
@@ -6821,7 +6715,7 @@
 </p:sld>
 </file>
 
-<file path=ppt/slides/slide17.xml><?xml version="1.0" encoding="utf-8"?>
+<file path=ppt/slides/slide16.xml><?xml version="1.0" encoding="utf-8"?>
 <p:sld xmlns:a="http://schemas.openxmlformats.org/drawingml/2006/main" xmlns:r="http://schemas.openxmlformats.org/officeDocument/2006/relationships" xmlns:p="http://schemas.openxmlformats.org/presentationml/2006/main">
   <p:cSld>
     <p:spTree>
@@ -6862,28 +6756,28 @@
                 <a:gridCol w="2786082">
                   <a:extLst>
                     <a:ext uri="{9D8B030D-6E8A-4147-A177-3AD203B41FA5}">
-                      <a16:colId xmlns:a16="http://schemas.microsoft.com/office/drawing/2014/main" val="20000"/>
+                      <a16:colId xmlns:a16="http://schemas.microsoft.com/office/drawing/2014/main" xmlns="" val="20000"/>
                     </a:ext>
                   </a:extLst>
                 </a:gridCol>
                 <a:gridCol w="1393041">
                   <a:extLst>
                     <a:ext uri="{9D8B030D-6E8A-4147-A177-3AD203B41FA5}">
-                      <a16:colId xmlns:a16="http://schemas.microsoft.com/office/drawing/2014/main" val="20001"/>
+                      <a16:colId xmlns:a16="http://schemas.microsoft.com/office/drawing/2014/main" xmlns="" val="20001"/>
                     </a:ext>
                   </a:extLst>
                 </a:gridCol>
                 <a:gridCol w="2035983">
                   <a:extLst>
                     <a:ext uri="{9D8B030D-6E8A-4147-A177-3AD203B41FA5}">
-                      <a16:colId xmlns:a16="http://schemas.microsoft.com/office/drawing/2014/main" val="20002"/>
+                      <a16:colId xmlns:a16="http://schemas.microsoft.com/office/drawing/2014/main" xmlns="" val="20002"/>
                     </a:ext>
                   </a:extLst>
                 </a:gridCol>
                 <a:gridCol w="2143140">
                   <a:extLst>
                     <a:ext uri="{9D8B030D-6E8A-4147-A177-3AD203B41FA5}">
-                      <a16:colId xmlns:a16="http://schemas.microsoft.com/office/drawing/2014/main" val="20003"/>
+                      <a16:colId xmlns:a16="http://schemas.microsoft.com/office/drawing/2014/main" xmlns="" val="20003"/>
                     </a:ext>
                   </a:extLst>
                 </a:gridCol>
@@ -7009,7 +6903,7 @@
                 </a:tc>
                 <a:extLst>
                   <a:ext uri="{0D108BD9-81ED-4DB2-BD59-A6C34878D82A}">
-                    <a16:rowId xmlns:a16="http://schemas.microsoft.com/office/drawing/2014/main" val="10000"/>
+                    <a16:rowId xmlns:a16="http://schemas.microsoft.com/office/drawing/2014/main" xmlns="" val="10000"/>
                   </a:ext>
                 </a:extLst>
               </a:tr>
@@ -7108,7 +7002,7 @@
                 </a:tc>
                 <a:extLst>
                   <a:ext uri="{0D108BD9-81ED-4DB2-BD59-A6C34878D82A}">
-                    <a16:rowId xmlns:a16="http://schemas.microsoft.com/office/drawing/2014/main" val="10001"/>
+                    <a16:rowId xmlns:a16="http://schemas.microsoft.com/office/drawing/2014/main" xmlns="" val="10001"/>
                   </a:ext>
                 </a:extLst>
               </a:tr>
@@ -7251,7 +7145,7 @@
                 </a:tc>
                 <a:extLst>
                   <a:ext uri="{0D108BD9-81ED-4DB2-BD59-A6C34878D82A}">
-                    <a16:rowId xmlns:a16="http://schemas.microsoft.com/office/drawing/2014/main" val="10002"/>
+                    <a16:rowId xmlns:a16="http://schemas.microsoft.com/office/drawing/2014/main" xmlns="" val="10002"/>
                   </a:ext>
                 </a:extLst>
               </a:tr>
@@ -7350,7 +7244,7 @@
                 </a:tc>
                 <a:extLst>
                   <a:ext uri="{0D108BD9-81ED-4DB2-BD59-A6C34878D82A}">
-                    <a16:rowId xmlns:a16="http://schemas.microsoft.com/office/drawing/2014/main" val="10003"/>
+                    <a16:rowId xmlns:a16="http://schemas.microsoft.com/office/drawing/2014/main" xmlns="" val="10003"/>
                   </a:ext>
                 </a:extLst>
               </a:tr>
@@ -7449,7 +7343,7 @@
                 </a:tc>
                 <a:extLst>
                   <a:ext uri="{0D108BD9-81ED-4DB2-BD59-A6C34878D82A}">
-                    <a16:rowId xmlns:a16="http://schemas.microsoft.com/office/drawing/2014/main" val="10004"/>
+                    <a16:rowId xmlns:a16="http://schemas.microsoft.com/office/drawing/2014/main" xmlns="" val="10004"/>
                   </a:ext>
                 </a:extLst>
               </a:tr>
@@ -7548,7 +7442,7 @@
                 </a:tc>
                 <a:extLst>
                   <a:ext uri="{0D108BD9-81ED-4DB2-BD59-A6C34878D82A}">
-                    <a16:rowId xmlns:a16="http://schemas.microsoft.com/office/drawing/2014/main" val="10005"/>
+                    <a16:rowId xmlns:a16="http://schemas.microsoft.com/office/drawing/2014/main" xmlns="" val="10005"/>
                   </a:ext>
                 </a:extLst>
               </a:tr>
@@ -7647,7 +7541,7 @@
                 </a:tc>
                 <a:extLst>
                   <a:ext uri="{0D108BD9-81ED-4DB2-BD59-A6C34878D82A}">
-                    <a16:rowId xmlns:a16="http://schemas.microsoft.com/office/drawing/2014/main" val="10006"/>
+                    <a16:rowId xmlns:a16="http://schemas.microsoft.com/office/drawing/2014/main" xmlns="" val="10006"/>
                   </a:ext>
                 </a:extLst>
               </a:tr>
@@ -7663,7 +7557,7 @@
 </p:sld>
 </file>
 
-<file path=ppt/slides/slide18.xml><?xml version="1.0" encoding="utf-8"?>
+<file path=ppt/slides/slide17.xml><?xml version="1.0" encoding="utf-8"?>
 <p:sld xmlns:a="http://schemas.openxmlformats.org/drawingml/2006/main" xmlns:r="http://schemas.openxmlformats.org/officeDocument/2006/relationships" xmlns:p="http://schemas.openxmlformats.org/presentationml/2006/main">
   <p:cSld>
     <p:spTree>
@@ -7723,28 +7617,28 @@
                 <a:gridCol w="2652977">
                   <a:extLst>
                     <a:ext uri="{9D8B030D-6E8A-4147-A177-3AD203B41FA5}">
-                      <a16:colId xmlns:a16="http://schemas.microsoft.com/office/drawing/2014/main" val="20000"/>
+                      <a16:colId xmlns:a16="http://schemas.microsoft.com/office/drawing/2014/main" xmlns="" val="20000"/>
                     </a:ext>
                   </a:extLst>
                 </a:gridCol>
                 <a:gridCol w="1326489">
                   <a:extLst>
                     <a:ext uri="{9D8B030D-6E8A-4147-A177-3AD203B41FA5}">
-                      <a16:colId xmlns:a16="http://schemas.microsoft.com/office/drawing/2014/main" val="20001"/>
+                      <a16:colId xmlns:a16="http://schemas.microsoft.com/office/drawing/2014/main" xmlns="" val="20001"/>
                     </a:ext>
                   </a:extLst>
                 </a:gridCol>
                 <a:gridCol w="1326489">
                   <a:extLst>
                     <a:ext uri="{9D8B030D-6E8A-4147-A177-3AD203B41FA5}">
-                      <a16:colId xmlns:a16="http://schemas.microsoft.com/office/drawing/2014/main" val="20002"/>
+                      <a16:colId xmlns:a16="http://schemas.microsoft.com/office/drawing/2014/main" xmlns="" val="20002"/>
                     </a:ext>
                   </a:extLst>
                 </a:gridCol>
                 <a:gridCol w="2623663">
                   <a:extLst>
                     <a:ext uri="{9D8B030D-6E8A-4147-A177-3AD203B41FA5}">
-                      <a16:colId xmlns:a16="http://schemas.microsoft.com/office/drawing/2014/main" val="20003"/>
+                      <a16:colId xmlns:a16="http://schemas.microsoft.com/office/drawing/2014/main" xmlns="" val="20003"/>
                     </a:ext>
                   </a:extLst>
                 </a:gridCol>
@@ -7976,7 +7870,7 @@
                 </a:tc>
                 <a:extLst>
                   <a:ext uri="{0D108BD9-81ED-4DB2-BD59-A6C34878D82A}">
-                    <a16:rowId xmlns:a16="http://schemas.microsoft.com/office/drawing/2014/main" val="10000"/>
+                    <a16:rowId xmlns:a16="http://schemas.microsoft.com/office/drawing/2014/main" xmlns="" val="10000"/>
                   </a:ext>
                 </a:extLst>
               </a:tr>
@@ -8079,7 +7973,7 @@
                 </a:tc>
                 <a:extLst>
                   <a:ext uri="{0D108BD9-81ED-4DB2-BD59-A6C34878D82A}">
-                    <a16:rowId xmlns:a16="http://schemas.microsoft.com/office/drawing/2014/main" val="10001"/>
+                    <a16:rowId xmlns:a16="http://schemas.microsoft.com/office/drawing/2014/main" xmlns="" val="10001"/>
                   </a:ext>
                 </a:extLst>
               </a:tr>
@@ -8182,7 +8076,7 @@
                 </a:tc>
                 <a:extLst>
                   <a:ext uri="{0D108BD9-81ED-4DB2-BD59-A6C34878D82A}">
-                    <a16:rowId xmlns:a16="http://schemas.microsoft.com/office/drawing/2014/main" val="10002"/>
+                    <a16:rowId xmlns:a16="http://schemas.microsoft.com/office/drawing/2014/main" xmlns="" val="10002"/>
                   </a:ext>
                 </a:extLst>
               </a:tr>
@@ -8285,7 +8179,7 @@
                 </a:tc>
                 <a:extLst>
                   <a:ext uri="{0D108BD9-81ED-4DB2-BD59-A6C34878D82A}">
-                    <a16:rowId xmlns:a16="http://schemas.microsoft.com/office/drawing/2014/main" val="10003"/>
+                    <a16:rowId xmlns:a16="http://schemas.microsoft.com/office/drawing/2014/main" xmlns="" val="10003"/>
                   </a:ext>
                 </a:extLst>
               </a:tr>
@@ -8413,7 +8307,7 @@
                 </a:tc>
                 <a:extLst>
                   <a:ext uri="{0D108BD9-81ED-4DB2-BD59-A6C34878D82A}">
-                    <a16:rowId xmlns:a16="http://schemas.microsoft.com/office/drawing/2014/main" val="10004"/>
+                    <a16:rowId xmlns:a16="http://schemas.microsoft.com/office/drawing/2014/main" xmlns="" val="10004"/>
                   </a:ext>
                 </a:extLst>
               </a:tr>
@@ -8506,7 +8400,7 @@
                 </a:tc>
                 <a:extLst>
                   <a:ext uri="{0D108BD9-81ED-4DB2-BD59-A6C34878D82A}">
-                    <a16:rowId xmlns:a16="http://schemas.microsoft.com/office/drawing/2014/main" val="10005"/>
+                    <a16:rowId xmlns:a16="http://schemas.microsoft.com/office/drawing/2014/main" xmlns="" val="10005"/>
                   </a:ext>
                 </a:extLst>
               </a:tr>
@@ -8621,7 +8515,7 @@
                 </a:tc>
                 <a:extLst>
                   <a:ext uri="{0D108BD9-81ED-4DB2-BD59-A6C34878D82A}">
-                    <a16:rowId xmlns:a16="http://schemas.microsoft.com/office/drawing/2014/main" val="10006"/>
+                    <a16:rowId xmlns:a16="http://schemas.microsoft.com/office/drawing/2014/main" xmlns="" val="10006"/>
                   </a:ext>
                 </a:extLst>
               </a:tr>
@@ -8744,7 +8638,7 @@
                 </a:tc>
                 <a:extLst>
                   <a:ext uri="{0D108BD9-81ED-4DB2-BD59-A6C34878D82A}">
-                    <a16:rowId xmlns:a16="http://schemas.microsoft.com/office/drawing/2014/main" val="10007"/>
+                    <a16:rowId xmlns:a16="http://schemas.microsoft.com/office/drawing/2014/main" xmlns="" val="10007"/>
                   </a:ext>
                 </a:extLst>
               </a:tr>
@@ -8835,7 +8729,7 @@
                 </a:tc>
                 <a:extLst>
                   <a:ext uri="{0D108BD9-81ED-4DB2-BD59-A6C34878D82A}">
-                    <a16:rowId xmlns:a16="http://schemas.microsoft.com/office/drawing/2014/main" val="10008"/>
+                    <a16:rowId xmlns:a16="http://schemas.microsoft.com/office/drawing/2014/main" xmlns="" val="10008"/>
                   </a:ext>
                 </a:extLst>
               </a:tr>
@@ -8938,7 +8832,7 @@
                 </a:tc>
                 <a:extLst>
                   <a:ext uri="{0D108BD9-81ED-4DB2-BD59-A6C34878D82A}">
-                    <a16:rowId xmlns:a16="http://schemas.microsoft.com/office/drawing/2014/main" val="10009"/>
+                    <a16:rowId xmlns:a16="http://schemas.microsoft.com/office/drawing/2014/main" xmlns="" val="10009"/>
                   </a:ext>
                 </a:extLst>
               </a:tr>
@@ -8946,6 +8840,85 @@
           </a:graphicData>
         </a:graphic>
       </p:graphicFrame>
+    </p:spTree>
+  </p:cSld>
+  <p:clrMapOvr>
+    <a:masterClrMapping/>
+  </p:clrMapOvr>
+</p:sld>
+</file>
+
+<file path=ppt/slides/slide18.xml><?xml version="1.0" encoding="utf-8"?>
+<p:sld xmlns:a="http://schemas.openxmlformats.org/drawingml/2006/main" xmlns:r="http://schemas.openxmlformats.org/officeDocument/2006/relationships" xmlns:p="http://schemas.openxmlformats.org/presentationml/2006/main">
+  <p:cSld>
+    <p:spTree>
+      <p:nvGrpSpPr>
+        <p:cNvPr id="1" name=""/>
+        <p:cNvGrpSpPr/>
+        <p:nvPr/>
+      </p:nvGrpSpPr>
+      <p:grpSpPr>
+        <a:xfrm>
+          <a:off x="0" y="0"/>
+          <a:ext cx="0" cy="0"/>
+          <a:chOff x="0" y="0"/>
+          <a:chExt cx="0" cy="0"/>
+        </a:xfrm>
+      </p:grpSpPr>
+      <p:sp>
+        <p:nvSpPr>
+          <p:cNvPr id="2" name="Título 1"/>
+          <p:cNvSpPr>
+            <a:spLocks noGrp="1"/>
+          </p:cNvSpPr>
+          <p:nvPr>
+            <p:ph type="title"/>
+          </p:nvPr>
+        </p:nvSpPr>
+        <p:spPr/>
+        <p:txBody>
+          <a:bodyPr/>
+          <a:lstStyle/>
+          <a:p>
+            <a:pPr algn="ctr"/>
+            <a:r>
+              <a:rPr lang="pt-BR" dirty="0"/>
+              <a:t>Estrutura</a:t>
+            </a:r>
+          </a:p>
+        </p:txBody>
+      </p:sp>
+      <p:sp>
+        <p:nvSpPr>
+          <p:cNvPr id="9" name="Espaço Reservado para Conteúdo 8"/>
+          <p:cNvSpPr>
+            <a:spLocks noGrp="1"/>
+          </p:cNvSpPr>
+          <p:nvPr>
+            <p:ph idx="1"/>
+          </p:nvPr>
+        </p:nvSpPr>
+        <p:spPr/>
+        <p:txBody>
+          <a:bodyPr/>
+          <a:lstStyle/>
+          <a:p>
+            <a:r>
+              <a:rPr lang="pt-BR" dirty="0"/>
+              <a:t>Diagrama de classe</a:t>
+            </a:r>
+          </a:p>
+          <a:p>
+            <a:endParaRPr lang="pt-BR" dirty="0"/>
+          </a:p>
+          <a:p>
+            <a:r>
+              <a:rPr lang="pt-BR" dirty="0"/>
+              <a:t>Modelo de Entidade Relacionamento</a:t>
+            </a:r>
+          </a:p>
+        </p:txBody>
+      </p:sp>
     </p:spTree>
   </p:cSld>
   <p:clrMapOvr>
@@ -8986,7 +8959,6 @@
           <a:bodyPr/>
           <a:lstStyle/>
           <a:p>
-            <a:pPr algn="ctr"/>
             <a:r>
               <a:rPr lang="pt-BR" dirty="0"/>
               <a:t>Estrutura</a:t>
@@ -8994,42 +8966,29 @@
           </a:p>
         </p:txBody>
       </p:sp>
-      <p:sp>
-        <p:nvSpPr>
-          <p:cNvPr id="9" name="Espaço Reservado para Conteúdo 8"/>
-          <p:cNvSpPr>
-            <a:spLocks noGrp="1"/>
-          </p:cNvSpPr>
+      <p:pic>
+        <p:nvPicPr>
+          <p:cNvPr id="8" name="Espaço Reservado para Conteúdo 7" descr="DiagramaClassePrincipal.png"/>
+          <p:cNvPicPr>
+            <a:picLocks noGrp="1" noChangeAspect="1"/>
+          </p:cNvPicPr>
           <p:nvPr>
             <p:ph idx="1"/>
           </p:nvPr>
-        </p:nvSpPr>
-        <p:spPr/>
-        <p:txBody>
-          <a:bodyPr/>
-          <a:lstStyle/>
-          <a:p>
-            <a:r>
-              <a:rPr lang="pt-BR" dirty="0"/>
-              <a:t>Diagrama de classe</a:t>
-            </a:r>
-          </a:p>
-          <a:p>
-            <a:endParaRPr lang="pt-BR" dirty="0"/>
-          </a:p>
-          <a:p>
-            <a:r>
-              <a:rPr lang="pt-BR" dirty="0"/>
-              <a:t>Diagrama do banco </a:t>
-            </a:r>
-            <a:r>
-              <a:rPr lang="pt-BR"/>
-              <a:t>de dados</a:t>
-            </a:r>
-            <a:endParaRPr lang="pt-BR" dirty="0"/>
-          </a:p>
-        </p:txBody>
-      </p:sp>
+        </p:nvPicPr>
+        <p:blipFill>
+          <a:blip r:embed="rId2"/>
+          <a:stretch>
+            <a:fillRect/>
+          </a:stretch>
+        </p:blipFill>
+        <p:spPr>
+          <a:xfrm>
+            <a:off x="-157011" y="0"/>
+            <a:ext cx="9301011" cy="6969911"/>
+          </a:xfrm>
+        </p:spPr>
+      </p:pic>
     </p:spTree>
   </p:cSld>
   <p:clrMapOvr>
@@ -9193,7 +9152,7 @@
       </p:grpSpPr>
       <p:sp>
         <p:nvSpPr>
-          <p:cNvPr id="2" name="Título 1"/>
+          <p:cNvPr id="5" name="Título 4"/>
           <p:cNvSpPr>
             <a:spLocks noGrp="1"/>
           </p:cNvSpPr>
@@ -9206,16 +9165,13 @@
           <a:bodyPr/>
           <a:lstStyle/>
           <a:p>
-            <a:r>
-              <a:rPr lang="pt-BR" dirty="0"/>
-              <a:t>Estrutura</a:t>
-            </a:r>
+            <a:endParaRPr lang="pt-BR"/>
           </a:p>
         </p:txBody>
       </p:sp>
       <p:pic>
         <p:nvPicPr>
-          <p:cNvPr id="8" name="Espaço Reservado para Conteúdo 7" descr="DiagramaClassePrincipal.png"/>
+          <p:cNvPr id="7" name="Espaço Reservado para Conteúdo 6" descr="BDpharmabook.png"/>
           <p:cNvPicPr>
             <a:picLocks noGrp="1" noChangeAspect="1"/>
           </p:cNvPicPr>
@@ -9231,8 +9187,8 @@
         </p:blipFill>
         <p:spPr>
           <a:xfrm>
-            <a:off x="-157011" y="0"/>
-            <a:ext cx="9301011" cy="6969911"/>
+            <a:off x="1000100" y="0"/>
+            <a:ext cx="7715304" cy="6851937"/>
           </a:xfrm>
         </p:spPr>
       </p:pic>
@@ -9263,7 +9219,7 @@
       </p:grpSpPr>
       <p:sp>
         <p:nvSpPr>
-          <p:cNvPr id="5" name="Título 4"/>
+          <p:cNvPr id="2" name="Título 1"/>
           <p:cNvSpPr>
             <a:spLocks noGrp="1"/>
           </p:cNvSpPr>
@@ -9276,13 +9232,16 @@
           <a:bodyPr/>
           <a:lstStyle/>
           <a:p>
-            <a:endParaRPr lang="pt-BR"/>
+            <a:r>
+              <a:rPr lang="pt-BR" dirty="0"/>
+              <a:t>Metodologia de Implementação</a:t>
+            </a:r>
           </a:p>
         </p:txBody>
       </p:sp>
       <p:pic>
         <p:nvPicPr>
-          <p:cNvPr id="7" name="Espaço Reservado para Conteúdo 6" descr="BDpharmabook.png"/>
+          <p:cNvPr id="7" name="Espaço Reservado para Conteúdo 6"/>
           <p:cNvPicPr>
             <a:picLocks noGrp="1" noChangeAspect="1"/>
           </p:cNvPicPr>
@@ -9291,18 +9250,64 @@
           </p:nvPr>
         </p:nvPicPr>
         <p:blipFill>
-          <a:blip r:embed="rId2"/>
+          <a:blip r:embed="rId2">
+            <a:extLst>
+              <a:ext uri="{28A0092B-C50C-407E-A947-70E740481C1C}">
+                <a14:useLocalDpi xmlns:a14="http://schemas.microsoft.com/office/drawing/2010/main" xmlns="" val="0"/>
+              </a:ext>
+            </a:extLst>
+          </a:blip>
           <a:stretch>
             <a:fillRect/>
           </a:stretch>
         </p:blipFill>
         <p:spPr>
           <a:xfrm>
-            <a:off x="1000100" y="0"/>
-            <a:ext cx="7715304" cy="6851937"/>
+            <a:off x="1187624" y="1844824"/>
+            <a:ext cx="6912768" cy="3529203"/>
           </a:xfrm>
         </p:spPr>
       </p:pic>
+      <p:sp>
+        <p:nvSpPr>
+          <p:cNvPr id="11" name="CaixaDeTexto 10"/>
+          <p:cNvSpPr txBox="1"/>
+          <p:nvPr/>
+        </p:nvSpPr>
+        <p:spPr>
+          <a:xfrm>
+            <a:off x="513148" y="5666504"/>
+            <a:ext cx="8235315" cy="215444"/>
+          </a:xfrm>
+          <a:prstGeom prst="rect">
+            <a:avLst/>
+          </a:prstGeom>
+          <a:noFill/>
+        </p:spPr>
+        <p:txBody>
+          <a:bodyPr wrap="square" rtlCol="0">
+            <a:spAutoFit/>
+          </a:bodyPr>
+          <a:lstStyle/>
+          <a:p>
+            <a:pPr algn="ctr"/>
+            <a:r>
+              <a:rPr lang="pt-BR" sz="800" dirty="0"/>
+              <a:t>Fonte: </a:t>
+            </a:r>
+            <a:r>
+              <a:rPr lang="pt-BR" sz="800" dirty="0">
+                <a:hlinkClick r:id="rId3"/>
+              </a:rPr>
+              <a:t>http://1.bp.blogspot.com/-dED1FrmzLCQ/UMdKOOMm70I/AAAAAAAAAB8/h5cs6WGl7-s/s1600/incremental.png</a:t>
+            </a:r>
+            <a:r>
+              <a:rPr lang="pt-BR" sz="800" dirty="0"/>
+              <a:t> em: 08 de dezembro de 2016</a:t>
+            </a:r>
+          </a:p>
+        </p:txBody>
+      </p:sp>
     </p:spTree>
   </p:cSld>
   <p:clrMapOvr>
@@ -9350,45 +9355,79 @@
           </a:p>
         </p:txBody>
       </p:sp>
+      <p:sp>
+        <p:nvSpPr>
+          <p:cNvPr id="3" name="Espaço Reservado para Conteúdo 2"/>
+          <p:cNvSpPr>
+            <a:spLocks noGrp="1"/>
+          </p:cNvSpPr>
+          <p:nvPr>
+            <p:ph idx="1"/>
+          </p:nvPr>
+        </p:nvSpPr>
+        <p:spPr/>
+        <p:txBody>
+          <a:bodyPr/>
+          <a:lstStyle/>
+          <a:p>
+            <a:r>
+              <a:rPr lang="pt-BR" i="1" dirty="0" err="1"/>
+              <a:t>Model-View-Controller</a:t>
+            </a:r>
+            <a:r>
+              <a:rPr lang="pt-BR" i="1" dirty="0"/>
+              <a:t> </a:t>
+            </a:r>
+            <a:r>
+              <a:rPr lang="pt-BR" dirty="0"/>
+              <a:t>(MVC)</a:t>
+            </a:r>
+          </a:p>
+        </p:txBody>
+      </p:sp>
       <p:pic>
         <p:nvPicPr>
-          <p:cNvPr id="7" name="Espaço Reservado para Conteúdo 6"/>
-          <p:cNvPicPr>
-            <a:picLocks noGrp="1" noChangeAspect="1"/>
-          </p:cNvPicPr>
-          <p:nvPr>
-            <p:ph idx="1"/>
-          </p:nvPr>
+          <p:cNvPr id="4" name="Imagem 3" descr="http://tableless.com.br/wp-content/uploads/2015/02/laravel-introducao.jpg"/>
+          <p:cNvPicPr/>
+          <p:nvPr/>
         </p:nvPicPr>
         <p:blipFill>
           <a:blip r:embed="rId2">
             <a:extLst>
               <a:ext uri="{28A0092B-C50C-407E-A947-70E740481C1C}">
-                <a14:useLocalDpi xmlns:a14="http://schemas.microsoft.com/office/drawing/2010/main" val="0"/>
+                <a14:useLocalDpi xmlns:a14="http://schemas.microsoft.com/office/drawing/2010/main" xmlns="" val="0"/>
               </a:ext>
             </a:extLst>
           </a:blip>
+          <a:srcRect/>
           <a:stretch>
             <a:fillRect/>
           </a:stretch>
         </p:blipFill>
+        <p:spPr bwMode="auto">
+          <a:xfrm>
+            <a:off x="1285852" y="2571744"/>
+            <a:ext cx="6753232" cy="3819531"/>
+          </a:xfrm>
+          <a:prstGeom prst="rect">
+            <a:avLst/>
+          </a:prstGeom>
+          <a:noFill/>
+          <a:ln>
+            <a:noFill/>
+          </a:ln>
+        </p:spPr>
+      </p:pic>
+      <p:sp>
+        <p:nvSpPr>
+          <p:cNvPr id="5" name="CaixaDeTexto 4"/>
+          <p:cNvSpPr txBox="1"/>
+          <p:nvPr/>
+        </p:nvSpPr>
         <p:spPr>
           <a:xfrm>
-            <a:off x="1187624" y="1844824"/>
-            <a:ext cx="6912768" cy="3529203"/>
-          </a:xfrm>
-        </p:spPr>
-      </p:pic>
-      <p:sp>
-        <p:nvSpPr>
-          <p:cNvPr id="11" name="CaixaDeTexto 10"/>
-          <p:cNvSpPr txBox="1"/>
-          <p:nvPr/>
-        </p:nvSpPr>
-        <p:spPr>
-          <a:xfrm>
-            <a:off x="513148" y="5666504"/>
-            <a:ext cx="8235315" cy="215444"/>
+            <a:off x="2357422" y="6215082"/>
+            <a:ext cx="4685325" cy="400110"/>
           </a:xfrm>
           <a:prstGeom prst="rect">
             <a:avLst/>
@@ -9403,18 +9442,22 @@
           <a:p>
             <a:pPr algn="ctr"/>
             <a:r>
-              <a:rPr lang="pt-BR" sz="800" dirty="0"/>
+              <a:rPr lang="pt-BR" sz="1000" dirty="0"/>
               <a:t>Fonte: </a:t>
             </a:r>
             <a:r>
-              <a:rPr lang="pt-BR" sz="800" dirty="0">
+              <a:rPr lang="pt-BR" sz="1000" dirty="0">
                 <a:hlinkClick r:id="rId3"/>
               </a:rPr>
-              <a:t>http://1.bp.blogspot.com/-dED1FrmzLCQ/UMdKOOMm70I/AAAAAAAAAB8/h5cs6WGl7-s/s1600/incremental.png</a:t>
-            </a:r>
-            <a:r>
-              <a:rPr lang="pt-BR" sz="800" dirty="0"/>
-              <a:t> em: 08 de dezembro de 2016</a:t>
+              <a:t>https://tableless.com.br/mvc-afinal-e-o-que/</a:t>
+            </a:r>
+            <a:endParaRPr lang="pt-BR" sz="1000" dirty="0"/>
+          </a:p>
+          <a:p>
+            <a:pPr algn="ctr"/>
+            <a:r>
+              <a:rPr lang="pt-BR" sz="1000" dirty="0"/>
+              <a:t>Acessado dia 07 de dezembro de 2016</a:t>
             </a:r>
           </a:p>
         </p:txBody>
@@ -9454,125 +9497,46 @@
             <p:ph type="title"/>
           </p:nvPr>
         </p:nvSpPr>
-        <p:spPr/>
+        <p:spPr>
+          <a:xfrm>
+            <a:off x="428596" y="214290"/>
+            <a:ext cx="7313612" cy="341293"/>
+          </a:xfrm>
+        </p:spPr>
         <p:txBody>
           <a:bodyPr/>
           <a:lstStyle/>
           <a:p>
             <a:r>
-              <a:rPr lang="pt-BR" dirty="0"/>
-              <a:t>Metodologia de Implementação</a:t>
-            </a:r>
-          </a:p>
-        </p:txBody>
-      </p:sp>
-      <p:sp>
-        <p:nvSpPr>
-          <p:cNvPr id="3" name="Espaço Reservado para Conteúdo 2"/>
-          <p:cNvSpPr>
-            <a:spLocks noGrp="1"/>
-          </p:cNvSpPr>
-          <p:nvPr>
-            <p:ph idx="1"/>
-          </p:nvPr>
-        </p:nvSpPr>
-        <p:spPr/>
-        <p:txBody>
-          <a:bodyPr/>
-          <a:lstStyle/>
-          <a:p>
-            <a:r>
-              <a:rPr lang="pt-BR" i="1" dirty="0" err="1"/>
-              <a:t>Model-View-Controller</a:t>
-            </a:r>
-            <a:r>
-              <a:rPr lang="pt-BR" i="1" dirty="0"/>
-              <a:t> </a:t>
-            </a:r>
-            <a:r>
-              <a:rPr lang="pt-BR" dirty="0"/>
-              <a:t>(MVC)</a:t>
+              <a:rPr lang="pt-BR" sz="2000" dirty="0"/>
+              <a:t>Adicionar Medicamento ao Estoque</a:t>
             </a:r>
           </a:p>
         </p:txBody>
       </p:sp>
       <p:pic>
         <p:nvPicPr>
-          <p:cNvPr id="4" name="Imagem 3" descr="http://tableless.com.br/wp-content/uploads/2015/02/laravel-introducao.jpg"/>
-          <p:cNvPicPr/>
-          <p:nvPr/>
+          <p:cNvPr id="4" name="Espaço Reservado para Conteúdo 3" descr="DiagramaDeClasseAdicionarMedicamentoAoEstoque.png"/>
+          <p:cNvPicPr>
+            <a:picLocks noGrp="1" noChangeAspect="1"/>
+          </p:cNvPicPr>
+          <p:nvPr>
+            <p:ph idx="1"/>
+          </p:nvPr>
         </p:nvPicPr>
         <p:blipFill>
-          <a:blip r:embed="rId2">
-            <a:extLst>
-              <a:ext uri="{28A0092B-C50C-407E-A947-70E740481C1C}">
-                <a14:useLocalDpi xmlns:a14="http://schemas.microsoft.com/office/drawing/2010/main" val="0"/>
-              </a:ext>
-            </a:extLst>
-          </a:blip>
-          <a:srcRect/>
+          <a:blip r:embed="rId2"/>
           <a:stretch>
             <a:fillRect/>
           </a:stretch>
         </p:blipFill>
-        <p:spPr bwMode="auto">
+        <p:spPr>
           <a:xfrm>
-            <a:off x="1285852" y="2571744"/>
-            <a:ext cx="6753232" cy="3819531"/>
+            <a:off x="0" y="500043"/>
+            <a:ext cx="9144000" cy="6097309"/>
           </a:xfrm>
-          <a:prstGeom prst="rect">
-            <a:avLst/>
-          </a:prstGeom>
-          <a:noFill/>
-          <a:ln>
-            <a:noFill/>
-          </a:ln>
         </p:spPr>
       </p:pic>
-      <p:sp>
-        <p:nvSpPr>
-          <p:cNvPr id="5" name="CaixaDeTexto 4"/>
-          <p:cNvSpPr txBox="1"/>
-          <p:nvPr/>
-        </p:nvSpPr>
-        <p:spPr>
-          <a:xfrm>
-            <a:off x="2357422" y="6215082"/>
-            <a:ext cx="4685325" cy="400110"/>
-          </a:xfrm>
-          <a:prstGeom prst="rect">
-            <a:avLst/>
-          </a:prstGeom>
-          <a:noFill/>
-        </p:spPr>
-        <p:txBody>
-          <a:bodyPr wrap="square" rtlCol="0">
-            <a:spAutoFit/>
-          </a:bodyPr>
-          <a:lstStyle/>
-          <a:p>
-            <a:pPr algn="ctr"/>
-            <a:r>
-              <a:rPr lang="pt-BR" sz="1000" dirty="0"/>
-              <a:t>Fonte: </a:t>
-            </a:r>
-            <a:r>
-              <a:rPr lang="pt-BR" sz="1000" dirty="0">
-                <a:hlinkClick r:id="rId3"/>
-              </a:rPr>
-              <a:t>https://tableless.com.br/mvc-afinal-e-o-que/</a:t>
-            </a:r>
-            <a:endParaRPr lang="pt-BR" sz="1000" dirty="0"/>
-          </a:p>
-          <a:p>
-            <a:pPr algn="ctr"/>
-            <a:r>
-              <a:rPr lang="pt-BR" sz="1000" dirty="0"/>
-              <a:t>Acessado dia 07 de dezembro de 2016</a:t>
-            </a:r>
-          </a:p>
-        </p:txBody>
-      </p:sp>
     </p:spTree>
   </p:cSld>
   <p:clrMapOvr>
@@ -9598,36 +9562,9 @@
           <a:chExt cx="0" cy="0"/>
         </a:xfrm>
       </p:grpSpPr>
-      <p:sp>
-        <p:nvSpPr>
-          <p:cNvPr id="2" name="Título 1"/>
-          <p:cNvSpPr>
-            <a:spLocks noGrp="1"/>
-          </p:cNvSpPr>
-          <p:nvPr>
-            <p:ph type="title"/>
-          </p:nvPr>
-        </p:nvSpPr>
-        <p:spPr>
-          <a:xfrm>
-            <a:off x="428596" y="214290"/>
-            <a:ext cx="7313612" cy="341293"/>
-          </a:xfrm>
-        </p:spPr>
-        <p:txBody>
-          <a:bodyPr/>
-          <a:lstStyle/>
-          <a:p>
-            <a:r>
-              <a:rPr lang="pt-BR" sz="2000" dirty="0"/>
-              <a:t>Adicionar Medicamento ao Estoque</a:t>
-            </a:r>
-          </a:p>
-        </p:txBody>
-      </p:sp>
       <p:pic>
         <p:nvPicPr>
-          <p:cNvPr id="4" name="Espaço Reservado para Conteúdo 3" descr="DiagramaDeClasseAdicionarMedicamentoAoEstoque.png"/>
+          <p:cNvPr id="6" name="Espaço Reservado para Conteúdo 5" descr="SequenciaAdicionarMedicamentoEstoque.png"/>
           <p:cNvPicPr>
             <a:picLocks noGrp="1" noChangeAspect="1"/>
           </p:cNvPicPr>
@@ -9643,11 +9580,96 @@
         </p:blipFill>
         <p:spPr>
           <a:xfrm>
-            <a:off x="0" y="500043"/>
-            <a:ext cx="9144000" cy="6097309"/>
+            <a:off x="0" y="1357298"/>
+            <a:ext cx="9026853" cy="4643446"/>
           </a:xfrm>
         </p:spPr>
       </p:pic>
+      <p:sp>
+        <p:nvSpPr>
+          <p:cNvPr id="7" name="Título 1"/>
+          <p:cNvSpPr txBox="1">
+            <a:spLocks/>
+          </p:cNvSpPr>
+          <p:nvPr/>
+        </p:nvSpPr>
+        <p:spPr bwMode="auto">
+          <a:xfrm>
+            <a:off x="428596" y="214290"/>
+            <a:ext cx="7313612" cy="341293"/>
+          </a:xfrm>
+          <a:prstGeom prst="rect">
+            <a:avLst/>
+          </a:prstGeom>
+          <a:noFill/>
+          <a:ln>
+            <a:noFill/>
+          </a:ln>
+          <a:extLst>
+            <a:ext uri="{909E8E84-426E-40DD-AFC4-6F175D3DCCD1}">
+              <a14:hiddenFill xmlns:a14="http://schemas.microsoft.com/office/drawing/2010/main" xmlns="">
+                <a:solidFill>
+                  <a:srgbClr val="FFFFFF"/>
+                </a:solidFill>
+              </a14:hiddenFill>
+            </a:ext>
+            <a:ext uri="{91240B29-F687-4F45-9708-019B960494DF}">
+              <a14:hiddenLine xmlns:a14="http://schemas.microsoft.com/office/drawing/2010/main" xmlns="" w="9525">
+                <a:solidFill>
+                  <a:srgbClr val="000000"/>
+                </a:solidFill>
+                <a:miter lim="800000"/>
+                <a:headEnd/>
+                <a:tailEnd/>
+              </a14:hiddenLine>
+            </a:ext>
+          </a:extLst>
+        </p:spPr>
+        <p:txBody>
+          <a:bodyPr vert="horz" wrap="square" lIns="91440" tIns="45720" rIns="91440" bIns="45720" numCol="1" anchor="b" anchorCtr="0" compatLnSpc="1">
+            <a:prstTxWarp prst="textNoShape">
+              <a:avLst/>
+            </a:prstTxWarp>
+          </a:bodyPr>
+          <a:lstStyle/>
+          <a:p>
+            <a:pPr marL="0" marR="0" lvl="0" indent="0" algn="l" defTabSz="914400" rtl="0" eaLnBrk="0" fontAlgn="base" latinLnBrk="0" hangingPunct="0">
+              <a:lnSpc>
+                <a:spcPct val="100000"/>
+              </a:lnSpc>
+              <a:spcBef>
+                <a:spcPct val="0"/>
+              </a:spcBef>
+              <a:spcAft>
+                <a:spcPct val="0"/>
+              </a:spcAft>
+              <a:buClrTx/>
+              <a:buSzTx/>
+              <a:buFontTx/>
+              <a:buNone/>
+              <a:tabLst/>
+              <a:defRPr/>
+            </a:pPr>
+            <a:r>
+              <a:rPr kumimoji="0" lang="pt-BR" sz="2000" b="0" i="0" u="none" strike="noStrike" kern="0" cap="none" spc="0" normalizeH="0" baseline="0" noProof="0" dirty="0">
+                <a:ln>
+                  <a:noFill/>
+                </a:ln>
+                <a:solidFill>
+                  <a:schemeClr val="tx2"/>
+                </a:solidFill>
+                <a:effectLst/>
+                <a:uLnTx/>
+                <a:uFillTx/>
+                <a:latin typeface="+mj-lt"/>
+                <a:ea typeface="+mj-ea"/>
+                <a:cs typeface="+mj-cs"/>
+              </a:rPr>
+              <a:t>Adicionar Medicamento ao Estoque</a:t>
+            </a:r>
+          </a:p>
+        </p:txBody>
+      </p:sp>
     </p:spTree>
   </p:cSld>
   <p:clrMapOvr>
@@ -9673,111 +9695,186 @@
           <a:chExt cx="0" cy="0"/>
         </a:xfrm>
       </p:grpSpPr>
-      <p:pic>
-        <p:nvPicPr>
-          <p:cNvPr id="6" name="Espaço Reservado para Conteúdo 5" descr="SequenciaAdicionarMedicamentoEstoque.png"/>
-          <p:cNvPicPr>
-            <a:picLocks noGrp="1" noChangeAspect="1"/>
-          </p:cNvPicPr>
+      <p:sp>
+        <p:nvSpPr>
+          <p:cNvPr id="2" name="Título 1"/>
+          <p:cNvSpPr>
+            <a:spLocks noGrp="1"/>
+          </p:cNvSpPr>
+          <p:nvPr>
+            <p:ph type="title"/>
+          </p:nvPr>
+        </p:nvSpPr>
+        <p:spPr/>
+        <p:txBody>
+          <a:bodyPr/>
+          <a:lstStyle/>
+          <a:p>
+            <a:r>
+              <a:rPr lang="pt-BR" dirty="0"/>
+              <a:t>Tecnologias Utilizadas</a:t>
+            </a:r>
+          </a:p>
+        </p:txBody>
+      </p:sp>
+      <p:sp>
+        <p:nvSpPr>
+          <p:cNvPr id="3" name="Espaço Reservado para Conteúdo 2"/>
+          <p:cNvSpPr>
+            <a:spLocks noGrp="1"/>
+          </p:cNvSpPr>
           <p:nvPr>
             <p:ph idx="1"/>
           </p:nvPr>
-        </p:nvPicPr>
-        <p:blipFill>
-          <a:blip r:embed="rId2"/>
-          <a:stretch>
-            <a:fillRect/>
-          </a:stretch>
-        </p:blipFill>
-        <p:spPr>
-          <a:xfrm>
-            <a:off x="0" y="1357298"/>
-            <a:ext cx="9026853" cy="4643446"/>
-          </a:xfrm>
-        </p:spPr>
-      </p:pic>
-      <p:sp>
-        <p:nvSpPr>
-          <p:cNvPr id="7" name="Título 1"/>
-          <p:cNvSpPr txBox="1">
-            <a:spLocks/>
-          </p:cNvSpPr>
-          <p:nvPr/>
-        </p:nvSpPr>
-        <p:spPr bwMode="auto">
-          <a:xfrm>
-            <a:off x="428596" y="214290"/>
-            <a:ext cx="7313612" cy="341293"/>
-          </a:xfrm>
-          <a:prstGeom prst="rect">
-            <a:avLst/>
-          </a:prstGeom>
-          <a:noFill/>
-          <a:ln>
-            <a:noFill/>
-          </a:ln>
-          <a:extLst>
-            <a:ext uri="{909E8E84-426E-40DD-AFC4-6F175D3DCCD1}">
-              <a14:hiddenFill xmlns:a14="http://schemas.microsoft.com/office/drawing/2010/main">
-                <a:solidFill>
-                  <a:srgbClr val="FFFFFF"/>
-                </a:solidFill>
-              </a14:hiddenFill>
-            </a:ext>
-            <a:ext uri="{91240B29-F687-4F45-9708-019B960494DF}">
-              <a14:hiddenLine xmlns:a14="http://schemas.microsoft.com/office/drawing/2010/main" w="9525">
-                <a:solidFill>
-                  <a:srgbClr val="000000"/>
-                </a:solidFill>
-                <a:miter lim="800000"/>
-                <a:headEnd/>
-                <a:tailEnd/>
-              </a14:hiddenLine>
-            </a:ext>
-          </a:extLst>
-        </p:spPr>
-        <p:txBody>
-          <a:bodyPr vert="horz" wrap="square" lIns="91440" tIns="45720" rIns="91440" bIns="45720" numCol="1" anchor="b" anchorCtr="0" compatLnSpc="1">
-            <a:prstTxWarp prst="textNoShape">
-              <a:avLst/>
-            </a:prstTxWarp>
-          </a:bodyPr>
+        </p:nvSpPr>
+        <p:spPr/>
+        <p:txBody>
+          <a:bodyPr/>
           <a:lstStyle/>
           <a:p>
-            <a:pPr marL="0" marR="0" lvl="0" indent="0" algn="l" defTabSz="914400" rtl="0" eaLnBrk="0" fontAlgn="base" latinLnBrk="0" hangingPunct="0">
-              <a:lnSpc>
-                <a:spcPct val="100000"/>
-              </a:lnSpc>
-              <a:spcBef>
-                <a:spcPct val="0"/>
-              </a:spcBef>
-              <a:spcAft>
-                <a:spcPct val="0"/>
-              </a:spcAft>
-              <a:buClrTx/>
-              <a:buSzTx/>
-              <a:buFontTx/>
+            <a:pPr algn="ctr">
               <a:buNone/>
-              <a:tabLst/>
-              <a:defRPr/>
             </a:pPr>
             <a:r>
-              <a:rPr kumimoji="0" lang="pt-BR" sz="2000" b="0" i="0" u="none" strike="noStrike" kern="0" cap="none" spc="0" normalizeH="0" baseline="0" noProof="0" dirty="0">
-                <a:ln>
-                  <a:noFill/>
-                </a:ln>
-                <a:solidFill>
-                  <a:schemeClr val="tx2"/>
-                </a:solidFill>
-                <a:effectLst/>
-                <a:uLnTx/>
-                <a:uFillTx/>
-                <a:latin typeface="+mj-lt"/>
-                <a:ea typeface="+mj-ea"/>
-                <a:cs typeface="+mj-cs"/>
+              <a:rPr lang="pt-BR" dirty="0"/>
+              <a:t>Cliente:</a:t>
+            </a:r>
+          </a:p>
+          <a:p>
+            <a:r>
+              <a:rPr lang="pt-BR" sz="1800" dirty="0"/>
+              <a:t>JQuery2.1.3	</a:t>
+            </a:r>
+          </a:p>
+          <a:p>
+            <a:pPr lvl="1"/>
+            <a:r>
+              <a:rPr lang="en-US" sz="1400" u="sng" dirty="0">
+                <a:hlinkClick r:id="rId3"/>
               </a:rPr>
-              <a:t>Adicionar Medicamento ao Estoque</a:t>
-            </a:r>
+              <a:t>https://jquery.com/</a:t>
+            </a:r>
+            <a:endParaRPr lang="pt-BR" sz="1400" dirty="0"/>
+          </a:p>
+          <a:p>
+            <a:r>
+              <a:rPr lang="pt-BR" sz="1800" dirty="0" err="1"/>
+              <a:t>JQuery</a:t>
+            </a:r>
+            <a:r>
+              <a:rPr lang="pt-BR" sz="1800" dirty="0"/>
+              <a:t> </a:t>
+            </a:r>
+            <a:r>
+              <a:rPr lang="pt-BR" sz="1800" dirty="0" err="1"/>
+              <a:t>Validation</a:t>
+            </a:r>
+            <a:r>
+              <a:rPr lang="pt-BR" sz="1800" dirty="0"/>
+              <a:t> </a:t>
+            </a:r>
+          </a:p>
+          <a:p>
+            <a:pPr lvl="1"/>
+            <a:r>
+              <a:rPr lang="pt-BR" sz="1400" u="sng" dirty="0">
+                <a:hlinkClick r:id="rId4"/>
+              </a:rPr>
+              <a:t>https://github.com/jzaefferer/jquery-validation</a:t>
+            </a:r>
+            <a:endParaRPr lang="pt-BR" sz="1400" dirty="0"/>
+          </a:p>
+          <a:p>
+            <a:r>
+              <a:rPr lang="pt-BR" sz="1800" dirty="0" err="1"/>
+              <a:t>Bootstrap</a:t>
+            </a:r>
+            <a:r>
+              <a:rPr lang="pt-BR" sz="1800" dirty="0"/>
+              <a:t> 3.3.5</a:t>
+            </a:r>
+          </a:p>
+          <a:p>
+            <a:pPr lvl="1"/>
+            <a:r>
+              <a:rPr lang="pt-BR" sz="1400" u="sng" dirty="0">
+                <a:hlinkClick r:id="rId5"/>
+              </a:rPr>
+              <a:t>http://blog.getbootstrap.com/2015/06/15/bootstrap-3-3-5-released/</a:t>
+            </a:r>
+            <a:endParaRPr lang="pt-BR" sz="1300" dirty="0"/>
+          </a:p>
+          <a:p>
+            <a:r>
+              <a:rPr lang="pt-BR" sz="1800" dirty="0" err="1"/>
+              <a:t>js-signals</a:t>
+            </a:r>
+            <a:r>
+              <a:rPr lang="pt-BR" sz="1800" dirty="0"/>
+              <a:t> 1.0.0</a:t>
+            </a:r>
+          </a:p>
+          <a:p>
+            <a:pPr lvl="1"/>
+            <a:r>
+              <a:rPr lang="pt-BR" sz="1400" u="sng" dirty="0">
+                <a:hlinkClick r:id="rId6"/>
+              </a:rPr>
+              <a:t>https://millermedeiros.github.io/js-signals/</a:t>
+            </a:r>
+            <a:endParaRPr lang="pt-BR" sz="1300" dirty="0"/>
+          </a:p>
+          <a:p>
+            <a:r>
+              <a:rPr lang="pt-BR" sz="1800" dirty="0" err="1"/>
+              <a:t>crossroads</a:t>
+            </a:r>
+            <a:r>
+              <a:rPr lang="pt-BR" sz="1800" dirty="0"/>
+              <a:t> 0.12.2</a:t>
+            </a:r>
+          </a:p>
+          <a:p>
+            <a:pPr lvl="1"/>
+            <a:r>
+              <a:rPr lang="pt-BR" sz="1400" u="sng" dirty="0">
+                <a:hlinkClick r:id="rId7"/>
+              </a:rPr>
+              <a:t>http://millermedeiros.github.io/crossroads.</a:t>
+            </a:r>
+            <a:r>
+              <a:rPr lang="pt-BR" sz="1400" u="sng" dirty="0" err="1">
+                <a:hlinkClick r:id="rId7"/>
+              </a:rPr>
+              <a:t>js</a:t>
+            </a:r>
+            <a:r>
+              <a:rPr lang="pt-BR" sz="1400" u="sng" dirty="0">
+                <a:hlinkClick r:id="rId7"/>
+              </a:rPr>
+              <a:t>/</a:t>
+            </a:r>
+            <a:endParaRPr lang="pt-BR" sz="1300" dirty="0"/>
+          </a:p>
+          <a:p>
+            <a:r>
+              <a:rPr lang="pt-BR" sz="1800" dirty="0" err="1"/>
+              <a:t>toastr</a:t>
+            </a:r>
+            <a:r>
+              <a:rPr lang="pt-BR" sz="1800" dirty="0"/>
+              <a:t> 2.1.2 </a:t>
+            </a:r>
+          </a:p>
+          <a:p>
+            <a:pPr lvl="1"/>
+            <a:r>
+              <a:rPr lang="pt-BR" sz="1400" u="sng" dirty="0">
+                <a:hlinkClick r:id="rId8"/>
+              </a:rPr>
+              <a:t>https://github.com/CodeSeven/toastr</a:t>
+            </a:r>
+            <a:endParaRPr lang="pt-BR" sz="1300" dirty="0"/>
           </a:p>
         </p:txBody>
       </p:sp>
@@ -9854,75 +9951,75 @@
           <a:p>
             <a:r>
               <a:rPr lang="pt-BR" sz="1800" dirty="0"/>
-              <a:t>JQuery2.1.3	</a:t>
+              <a:t>bootstrap3-dialog1.34.6 	</a:t>
             </a:r>
           </a:p>
           <a:p>
             <a:pPr lvl="1"/>
             <a:r>
-              <a:rPr lang="en-US" sz="1400" u="sng" dirty="0">
+              <a:rPr lang="pt-BR" sz="1400" u="sng" dirty="0">
                 <a:hlinkClick r:id="rId3"/>
               </a:rPr>
-              <a:t>https://jquery.com/</a:t>
+              <a:t>https://github.com/nakupanda/bootstrap3-dialog</a:t>
             </a:r>
             <a:endParaRPr lang="pt-BR" sz="1400" dirty="0"/>
           </a:p>
           <a:p>
             <a:r>
               <a:rPr lang="pt-BR" sz="1800" dirty="0" err="1"/>
-              <a:t>JQuery</a:t>
+              <a:t>jquery-ui</a:t>
             </a:r>
             <a:r>
               <a:rPr lang="pt-BR" sz="1800" dirty="0"/>
-              <a:t> </a:t>
-            </a:r>
-            <a:r>
-              <a:rPr lang="pt-BR" sz="1800" dirty="0" err="1"/>
-              <a:t>Validation</a:t>
-            </a:r>
-            <a:r>
-              <a:rPr lang="pt-BR" sz="1800" dirty="0"/>
-              <a:t> </a:t>
+              <a:t> 1.12.1 </a:t>
             </a:r>
           </a:p>
           <a:p>
             <a:pPr lvl="1"/>
             <a:r>
-              <a:rPr lang="pt-BR" sz="1400" u="sng" dirty="0">
+              <a:rPr lang="en-US" sz="1400" u="sng" dirty="0">
                 <a:hlinkClick r:id="rId4"/>
               </a:rPr>
-              <a:t>https://github.com/jzaefferer/jquery-validation</a:t>
+              <a:t>https://jqueryui.com/</a:t>
             </a:r>
             <a:endParaRPr lang="pt-BR" sz="1400" dirty="0"/>
           </a:p>
           <a:p>
             <a:r>
               <a:rPr lang="pt-BR" sz="1800" dirty="0" err="1"/>
-              <a:t>Bootstrap</a:t>
+              <a:t>jquery</a:t>
             </a:r>
             <a:r>
               <a:rPr lang="pt-BR" sz="1800" dirty="0"/>
-              <a:t> 3.3.5</a:t>
+              <a:t>.</a:t>
+            </a:r>
+            <a:r>
+              <a:rPr lang="pt-BR" sz="1800" dirty="0" err="1"/>
+              <a:t>maskedinput</a:t>
+            </a:r>
+            <a:r>
+              <a:rPr lang="pt-BR" sz="1800" dirty="0"/>
+              <a:t> 1.4.1</a:t>
             </a:r>
           </a:p>
           <a:p>
             <a:pPr lvl="1"/>
             <a:r>
-              <a:rPr lang="pt-BR" sz="1400" u="sng" dirty="0">
+              <a:rPr lang="en-US" sz="1400" u="sng" dirty="0">
                 <a:hlinkClick r:id="rId5"/>
               </a:rPr>
-              <a:t>http://blog.getbootstrap.com/2015/06/15/bootstrap-3-3-5-released/</a:t>
+              <a:t>http://digitalbush.com/projects/masked-input-plugin/</a:t>
             </a:r>
             <a:endParaRPr lang="pt-BR" sz="1300" dirty="0"/>
           </a:p>
           <a:p>
             <a:r>
               <a:rPr lang="pt-BR" sz="1800" dirty="0" err="1"/>
-              <a:t>js-signals</a:t>
+              <a:t>datatables</a:t>
             </a:r>
             <a:r>
               <a:rPr lang="pt-BR" sz="1800" dirty="0"/>
-              <a:t> 1.0.0</a:t>
+              <a:t>.net 1.10.12</a:t>
             </a:r>
           </a:p>
           <a:p>
@@ -9931,18 +10028,18 @@
               <a:rPr lang="pt-BR" sz="1400" u="sng" dirty="0">
                 <a:hlinkClick r:id="rId6"/>
               </a:rPr>
-              <a:t>https://millermedeiros.github.io/js-signals/</a:t>
+              <a:t>https://datatables.net/</a:t>
             </a:r>
             <a:endParaRPr lang="pt-BR" sz="1300" dirty="0"/>
           </a:p>
           <a:p>
             <a:r>
               <a:rPr lang="pt-BR" sz="1800" dirty="0" err="1"/>
-              <a:t>crossroads</a:t>
+              <a:t>bootstrap-datepicker</a:t>
             </a:r>
             <a:r>
               <a:rPr lang="pt-BR" sz="1800" dirty="0"/>
-              <a:t> 0.12.2</a:t>
+              <a:t> 1.6.4</a:t>
             </a:r>
           </a:p>
           <a:p>
@@ -9951,39 +10048,7 @@
               <a:rPr lang="pt-BR" sz="1400" u="sng" dirty="0">
                 <a:hlinkClick r:id="rId7"/>
               </a:rPr>
-              <a:t>http://millermedeiros.github.io/crossroads.</a:t>
-            </a:r>
-            <a:r>
-              <a:rPr lang="pt-BR" sz="1400" u="sng" dirty="0" err="1">
-                <a:hlinkClick r:id="rId7"/>
-              </a:rPr>
-              <a:t>js</a:t>
-            </a:r>
-            <a:r>
-              <a:rPr lang="pt-BR" sz="1400" u="sng" dirty="0">
-                <a:hlinkClick r:id="rId7"/>
-              </a:rPr>
-              <a:t>/</a:t>
-            </a:r>
-            <a:endParaRPr lang="pt-BR" sz="1300" dirty="0"/>
-          </a:p>
-          <a:p>
-            <a:r>
-              <a:rPr lang="pt-BR" sz="1800" dirty="0" err="1"/>
-              <a:t>toastr</a:t>
-            </a:r>
-            <a:r>
-              <a:rPr lang="pt-BR" sz="1800" dirty="0"/>
-              <a:t> 2.1.2 </a:t>
-            </a:r>
-          </a:p>
-          <a:p>
-            <a:pPr lvl="1"/>
-            <a:r>
-              <a:rPr lang="pt-BR" sz="1400" u="sng" dirty="0">
-                <a:hlinkClick r:id="rId8"/>
-              </a:rPr>
-              <a:t>https://github.com/CodeSeven/toastr</a:t>
+              <a:t>https://github.com/uxsolutions/bootstrap-datepicker/releases</a:t>
             </a:r>
             <a:endParaRPr lang="pt-BR" sz="1300" dirty="0"/>
           </a:p>
@@ -10056,13 +10121,17 @@
             </a:pPr>
             <a:r>
               <a:rPr lang="pt-BR" dirty="0"/>
-              <a:t>Cliente:</a:t>
-            </a:r>
-          </a:p>
-          <a:p>
+              <a:t>Servidor:</a:t>
+            </a:r>
+          </a:p>
+          <a:p>
+            <a:r>
+              <a:rPr lang="pt-BR" sz="1800" dirty="0" err="1"/>
+              <a:t>PHP-Util</a:t>
+            </a:r>
             <a:r>
               <a:rPr lang="pt-BR" sz="1800" dirty="0"/>
-              <a:t>bootstrap3-dialog1.34.6 	</a:t>
+              <a:t> 	</a:t>
             </a:r>
           </a:p>
           <a:p>
@@ -10071,66 +10140,54 @@
               <a:rPr lang="pt-BR" sz="1400" u="sng" dirty="0">
                 <a:hlinkClick r:id="rId3"/>
               </a:rPr>
-              <a:t>https://github.com/nakupanda/bootstrap3-dialog</a:t>
+              <a:t>https://github.com/thiagodp/php-util</a:t>
             </a:r>
             <a:endParaRPr lang="pt-BR" sz="1400" dirty="0"/>
           </a:p>
           <a:p>
             <a:r>
-              <a:rPr lang="pt-BR" sz="1800" dirty="0" err="1"/>
-              <a:t>jquery-ui</a:t>
-            </a:r>
-            <a:r>
               <a:rPr lang="pt-BR" sz="1800" dirty="0"/>
-              <a:t> 1.12.1 </a:t>
+              <a:t>Slim 2.6 </a:t>
             </a:r>
           </a:p>
           <a:p>
             <a:pPr lvl="1"/>
             <a:r>
-              <a:rPr lang="en-US" sz="1400" u="sng" dirty="0">
+              <a:rPr lang="pt-BR" sz="1400" u="sng" dirty="0">
                 <a:hlinkClick r:id="rId4"/>
               </a:rPr>
-              <a:t>https://jqueryui.com/</a:t>
+              <a:t>https://www.slimframework.com/</a:t>
             </a:r>
             <a:endParaRPr lang="pt-BR" sz="1400" dirty="0"/>
           </a:p>
           <a:p>
             <a:r>
               <a:rPr lang="pt-BR" sz="1800" dirty="0" err="1"/>
-              <a:t>jquery</a:t>
+              <a:t>Session</a:t>
             </a:r>
             <a:r>
               <a:rPr lang="pt-BR" sz="1800" dirty="0"/>
-              <a:t>.</a:t>
-            </a:r>
-            <a:r>
-              <a:rPr lang="pt-BR" sz="1800" dirty="0" err="1"/>
-              <a:t>maskedinput</a:t>
-            </a:r>
-            <a:r>
-              <a:rPr lang="pt-BR" sz="1800" dirty="0"/>
-              <a:t> 1.4.1</a:t>
+              <a:t> 1.0</a:t>
             </a:r>
           </a:p>
           <a:p>
             <a:pPr lvl="1"/>
             <a:r>
-              <a:rPr lang="en-US" sz="1400" u="sng" dirty="0">
+              <a:rPr lang="pt-BR" sz="1400" u="sng" dirty="0">
                 <a:hlinkClick r:id="rId5"/>
               </a:rPr>
-              <a:t>http://digitalbush.com/projects/masked-input-plugin/</a:t>
+              <a:t>https://github.com/thiagodp/session</a:t>
             </a:r>
             <a:endParaRPr lang="pt-BR" sz="1300" dirty="0"/>
           </a:p>
           <a:p>
             <a:r>
               <a:rPr lang="pt-BR" sz="1800" dirty="0" err="1"/>
-              <a:t>datatables</a:t>
+              <a:t>Dice</a:t>
             </a:r>
             <a:r>
               <a:rPr lang="pt-BR" sz="1800" dirty="0"/>
-              <a:t>.net 1.10.12</a:t>
+              <a:t> 2.0</a:t>
             </a:r>
           </a:p>
           <a:p>
@@ -10139,27 +10196,7 @@
               <a:rPr lang="pt-BR" sz="1400" u="sng" dirty="0">
                 <a:hlinkClick r:id="rId6"/>
               </a:rPr>
-              <a:t>https://datatables.net/</a:t>
-            </a:r>
-            <a:endParaRPr lang="pt-BR" sz="1300" dirty="0"/>
-          </a:p>
-          <a:p>
-            <a:r>
-              <a:rPr lang="pt-BR" sz="1800" dirty="0" err="1"/>
-              <a:t>bootstrap-datepicker</a:t>
-            </a:r>
-            <a:r>
-              <a:rPr lang="pt-BR" sz="1800" dirty="0"/>
-              <a:t> 1.6.4</a:t>
-            </a:r>
-          </a:p>
-          <a:p>
-            <a:pPr lvl="1"/>
-            <a:r>
-              <a:rPr lang="pt-BR" sz="1400" u="sng" dirty="0">
-                <a:hlinkClick r:id="rId7"/>
-              </a:rPr>
-              <a:t>https://github.com/uxsolutions/bootstrap-datepicker/releases</a:t>
+              <a:t>https://r.je/dice.html</a:t>
             </a:r>
             <a:endParaRPr lang="pt-BR" sz="1300" dirty="0"/>
           </a:p>
@@ -10232,17 +10269,17 @@
             </a:pPr>
             <a:r>
               <a:rPr lang="pt-BR" dirty="0"/>
-              <a:t>Servidor:</a:t>
+              <a:t>Desenvolvimento:</a:t>
             </a:r>
           </a:p>
           <a:p>
             <a:r>
               <a:rPr lang="pt-BR" sz="1800" dirty="0" err="1"/>
-              <a:t>PHP-Util</a:t>
+              <a:t>Composer</a:t>
             </a:r>
             <a:r>
               <a:rPr lang="pt-BR" sz="1800" dirty="0"/>
-              <a:t> 	</a:t>
+              <a:t> 1.2 	</a:t>
             </a:r>
           </a:p>
           <a:p>
@@ -10251,14 +10288,18 @@
               <a:rPr lang="pt-BR" sz="1400" u="sng" dirty="0">
                 <a:hlinkClick r:id="rId3"/>
               </a:rPr>
-              <a:t>https://github.com/thiagodp/php-util</a:t>
+              <a:t>https://getcomposer.org/</a:t>
             </a:r>
             <a:endParaRPr lang="pt-BR" sz="1400" dirty="0"/>
           </a:p>
           <a:p>
             <a:r>
+              <a:rPr lang="pt-BR" sz="1800" dirty="0" err="1"/>
+              <a:t>Bower</a:t>
+            </a:r>
+            <a:r>
               <a:rPr lang="pt-BR" sz="1800" dirty="0"/>
-              <a:t>Slim 2.6 </a:t>
+              <a:t> 1.7.9 </a:t>
             </a:r>
           </a:p>
           <a:p>
@@ -10267,18 +10308,18 @@
               <a:rPr lang="pt-BR" sz="1400" u="sng" dirty="0">
                 <a:hlinkClick r:id="rId4"/>
               </a:rPr>
-              <a:t>https://www.slimframework.com/</a:t>
+              <a:t>https://bower.io/</a:t>
             </a:r>
             <a:endParaRPr lang="pt-BR" sz="1400" dirty="0"/>
           </a:p>
           <a:p>
             <a:r>
               <a:rPr lang="pt-BR" sz="1800" dirty="0" err="1"/>
-              <a:t>Session</a:t>
+              <a:t>Git</a:t>
             </a:r>
             <a:r>
               <a:rPr lang="pt-BR" sz="1800" dirty="0"/>
-              <a:t> 1.0</a:t>
+              <a:t> 2.9.2</a:t>
             </a:r>
           </a:p>
           <a:p>
@@ -10287,27 +10328,7 @@
               <a:rPr lang="pt-BR" sz="1400" u="sng" dirty="0">
                 <a:hlinkClick r:id="rId5"/>
               </a:rPr>
-              <a:t>https://github.com/thiagodp/session</a:t>
-            </a:r>
-            <a:endParaRPr lang="pt-BR" sz="1300" dirty="0"/>
-          </a:p>
-          <a:p>
-            <a:r>
-              <a:rPr lang="pt-BR" sz="1800" dirty="0" err="1"/>
-              <a:t>Dice</a:t>
-            </a:r>
-            <a:r>
-              <a:rPr lang="pt-BR" sz="1800" dirty="0"/>
-              <a:t> 2.0</a:t>
-            </a:r>
-          </a:p>
-          <a:p>
-            <a:pPr lvl="1"/>
-            <a:r>
-              <a:rPr lang="pt-BR" sz="1400" u="sng" dirty="0">
-                <a:hlinkClick r:id="rId6"/>
-              </a:rPr>
-              <a:t>https://r.je/dice.html</a:t>
+              <a:t>https://git-scm.com/</a:t>
             </a:r>
             <a:endParaRPr lang="pt-BR" sz="1300" dirty="0"/>
           </a:p>
@@ -10355,7 +10376,7 @@
           <a:p>
             <a:r>
               <a:rPr lang="pt-BR" dirty="0"/>
-              <a:t>Tecnologias Utilizadas</a:t>
+              <a:t>Planos Futuros</a:t>
             </a:r>
           </a:p>
         </p:txBody>
@@ -10375,73 +10396,29 @@
           <a:bodyPr/>
           <a:lstStyle/>
           <a:p>
-            <a:pPr algn="ctr">
-              <a:buNone/>
-            </a:pPr>
+            <a:pPr lvl="0"/>
             <a:r>
               <a:rPr lang="pt-BR" dirty="0"/>
-              <a:t>Desenvolvimento:</a:t>
-            </a:r>
-          </a:p>
-          <a:p>
-            <a:r>
-              <a:rPr lang="pt-BR" sz="1800" dirty="0" err="1"/>
-              <a:t>Composer</a:t>
-            </a:r>
-            <a:r>
-              <a:rPr lang="pt-BR" sz="1800" dirty="0"/>
-              <a:t> 1.2 	</a:t>
-            </a:r>
-          </a:p>
-          <a:p>
-            <a:pPr lvl="1"/>
-            <a:r>
-              <a:rPr lang="pt-BR" sz="1400" u="sng" dirty="0">
-                <a:hlinkClick r:id="rId3"/>
-              </a:rPr>
-              <a:t>https://getcomposer.org/</a:t>
-            </a:r>
-            <a:endParaRPr lang="pt-BR" sz="1400" dirty="0"/>
-          </a:p>
-          <a:p>
-            <a:r>
-              <a:rPr lang="pt-BR" sz="1800" dirty="0" err="1"/>
-              <a:t>Bower</a:t>
-            </a:r>
-            <a:r>
-              <a:rPr lang="pt-BR" sz="1800" dirty="0"/>
-              <a:t> 1.7.9 </a:t>
-            </a:r>
-          </a:p>
-          <a:p>
-            <a:pPr lvl="1"/>
-            <a:r>
-              <a:rPr lang="pt-BR" sz="1400" u="sng" dirty="0">
-                <a:hlinkClick r:id="rId4"/>
-              </a:rPr>
-              <a:t>https://bower.io/</a:t>
-            </a:r>
-            <a:endParaRPr lang="pt-BR" sz="1400" dirty="0"/>
-          </a:p>
-          <a:p>
-            <a:r>
-              <a:rPr lang="pt-BR" sz="1800" dirty="0" err="1"/>
-              <a:t>Git</a:t>
-            </a:r>
-            <a:r>
-              <a:rPr lang="pt-BR" sz="1800" dirty="0"/>
-              <a:t> 2.9.2</a:t>
-            </a:r>
-          </a:p>
-          <a:p>
-            <a:pPr lvl="1"/>
-            <a:r>
-              <a:rPr lang="pt-BR" sz="1400" u="sng" dirty="0">
-                <a:hlinkClick r:id="rId5"/>
-              </a:rPr>
-              <a:t>https://git-scm.com/</a:t>
-            </a:r>
-            <a:endParaRPr lang="pt-BR" sz="1300" dirty="0"/>
+              <a:t>Desenvolver um aplicativo para dispositivos móveis;</a:t>
+            </a:r>
+          </a:p>
+          <a:p>
+            <a:pPr lvl="0"/>
+            <a:r>
+              <a:rPr lang="pt-BR" dirty="0"/>
+              <a:t>Aplicar a metodologia do </a:t>
+            </a:r>
+            <a:r>
+              <a:rPr lang="pt-BR" dirty="0" err="1"/>
+              <a:t>Lean</a:t>
+            </a:r>
+            <a:r>
+              <a:rPr lang="pt-BR" dirty="0"/>
+              <a:t> Startup, com o intuito de avaliar se a aplicação é bem aceita pelos usuários;</a:t>
+            </a:r>
+          </a:p>
+          <a:p>
+            <a:endParaRPr lang="pt-BR" dirty="0"/>
           </a:p>
         </p:txBody>
       </p:sp>
@@ -10600,22 +10577,21 @@
             <a:pPr lvl="0"/>
             <a:r>
               <a:rPr lang="pt-BR" dirty="0"/>
-              <a:t>Desenvolver um aplicativo para dispositivos móveis;</a:t>
+              <a:t>Desenvolver uma aplicação off-line, com sincronização online;</a:t>
             </a:r>
           </a:p>
           <a:p>
             <a:pPr lvl="0"/>
             <a:r>
               <a:rPr lang="pt-BR" dirty="0"/>
-              <a:t>Aplicar a metodologia do </a:t>
-            </a:r>
-            <a:r>
-              <a:rPr lang="pt-BR" dirty="0" err="1"/>
-              <a:t>Lean</a:t>
-            </a:r>
+              <a:t>Aprimorar o design da aplicação;</a:t>
+            </a:r>
+          </a:p>
+          <a:p>
+            <a:pPr lvl="0"/>
             <a:r>
               <a:rPr lang="pt-BR" dirty="0"/>
-              <a:t> Startup, com o intuito de avaliar se a aplicação é bem aceita pelos usuários;</a:t>
+              <a:t>Adicionar uma funcionalidade que permita a geração de relatórios de gastos;</a:t>
             </a:r>
           </a:p>
           <a:p>
@@ -10688,21 +10664,7 @@
             <a:pPr lvl="0"/>
             <a:r>
               <a:rPr lang="pt-BR" dirty="0"/>
-              <a:t>Desenvolver uma aplicação off-line, com sincronização online;</a:t>
-            </a:r>
-          </a:p>
-          <a:p>
-            <a:pPr lvl="0"/>
-            <a:r>
-              <a:rPr lang="pt-BR" dirty="0"/>
-              <a:t>Aprimorar o design da aplicação;</a:t>
-            </a:r>
-          </a:p>
-          <a:p>
-            <a:pPr lvl="0"/>
-            <a:r>
-              <a:rPr lang="pt-BR" dirty="0"/>
-              <a:t>Adicionar uma funcionalidade que permita a geração de relatórios de gastos;</a:t>
+              <a:t>Aprimorar  a estrutura do estoque, de forma que o sistema possa calcular um tempo aproximado do fim do medicamento pessoal, e assim enviar uma notificação de nova compra para o usuário automaticamente;</a:t>
             </a:r>
           </a:p>
           <a:p>
@@ -10752,7 +10714,7 @@
           <a:p>
             <a:r>
               <a:rPr lang="pt-BR" dirty="0"/>
-              <a:t>Planos Futuros</a:t>
+              <a:t>Referências Bibliográficas</a:t>
             </a:r>
           </a:p>
         </p:txBody>
@@ -10772,14 +10734,151 @@
           <a:bodyPr/>
           <a:lstStyle/>
           <a:p>
-            <a:pPr lvl="0"/>
-            <a:r>
-              <a:rPr lang="pt-BR" dirty="0"/>
-              <a:t>Aprimorar  a estrutura do estoque, de forma que o sistema possa calcular um tempo aproximado do fim do medicamento pessoal, e assim enviar uma notificação de nova compra para o usuário automaticamente;</a:t>
-            </a:r>
-          </a:p>
-          <a:p>
-            <a:endParaRPr lang="pt-BR" dirty="0"/>
+            <a:r>
+              <a:rPr lang="pt-BR" sz="1400" dirty="0"/>
+              <a:t>CNDL e SPC (2016). </a:t>
+            </a:r>
+            <a:r>
+              <a:rPr lang="pt-BR" sz="1400" b="1" dirty="0"/>
+              <a:t>86% dos brasileiros ajustaram orçamento para enfrentar a crise, aponta pesquisa do SPC Brasil</a:t>
+            </a:r>
+            <a:r>
+              <a:rPr lang="pt-BR" sz="1400" dirty="0"/>
+              <a:t>. Disponível em:&lt; https://www.google.com.br/urlsa=t&amp;rct=j&amp;q=&amp;esrc=s&amp;source= </a:t>
+            </a:r>
+            <a:r>
+              <a:rPr lang="pt-BR" sz="1400" dirty="0" err="1"/>
+              <a:t>web&amp;cd</a:t>
+            </a:r>
+            <a:r>
+              <a:rPr lang="pt-BR" sz="1400" dirty="0"/>
+              <a:t>=1&amp;</a:t>
+            </a:r>
+            <a:r>
+              <a:rPr lang="pt-BR" sz="1400" dirty="0" err="1"/>
+              <a:t>ved</a:t>
+            </a:r>
+            <a:r>
+              <a:rPr lang="pt-BR" sz="1400" dirty="0"/>
+              <a:t>=0ahUKEwiSueKyyKDNAhWDHZAKHSv_A2sQFggeMAA&amp;url=</a:t>
+            </a:r>
+            <a:r>
+              <a:rPr lang="pt-BR" sz="1400" dirty="0" err="1"/>
+              <a:t>https</a:t>
+            </a:r>
+            <a:r>
+              <a:rPr lang="pt-BR" sz="1400" dirty="0"/>
+              <a:t>%3A%2F %2Fwww.spcbrasil.org.</a:t>
+            </a:r>
+            <a:r>
+              <a:rPr lang="pt-BR" sz="1400" dirty="0" err="1"/>
+              <a:t>br</a:t>
+            </a:r>
+            <a:r>
+              <a:rPr lang="pt-BR" sz="1400" dirty="0"/>
+              <a:t>%2Fwpimprensa%2Fwp-</a:t>
+            </a:r>
+            <a:r>
+              <a:rPr lang="pt-BR" sz="1400" dirty="0" err="1"/>
+              <a:t>content</a:t>
+            </a:r>
+            <a:r>
+              <a:rPr lang="pt-BR" sz="1400" dirty="0"/>
+              <a:t>%2Fuploads %2F2016%2F04%2Frelease_crise_economica_consumidores_v4-1.</a:t>
+            </a:r>
+            <a:r>
+              <a:rPr lang="pt-BR" sz="1400" dirty="0" err="1"/>
+              <a:t>pdf&amp;usg</a:t>
+            </a:r>
+            <a:r>
+              <a:rPr lang="pt-BR" sz="1400" dirty="0"/>
+              <a:t>=</a:t>
+            </a:r>
+            <a:r>
+              <a:rPr lang="pt-BR" sz="1400" dirty="0" err="1"/>
+              <a:t>AFQj</a:t>
+            </a:r>
+            <a:r>
+              <a:rPr lang="pt-BR" sz="1400" dirty="0"/>
+              <a:t>&gt;. Acesso em: 28 de maio, 2016.</a:t>
+            </a:r>
+          </a:p>
+          <a:p>
+            <a:r>
+              <a:rPr lang="pt-BR" sz="1400" dirty="0"/>
+              <a:t>G1(2015). </a:t>
+            </a:r>
+            <a:r>
+              <a:rPr lang="pt-BR" sz="1400" b="1" dirty="0"/>
+              <a:t>Preços de remédios variam quase 1000% em São Paulo, diz </a:t>
+            </a:r>
+            <a:r>
+              <a:rPr lang="pt-BR" sz="1400" b="1" dirty="0" err="1"/>
+              <a:t>Procon</a:t>
+            </a:r>
+            <a:r>
+              <a:rPr lang="pt-BR" sz="1400" b="1" dirty="0"/>
+              <a:t>.</a:t>
+            </a:r>
+            <a:r>
+              <a:rPr lang="pt-BR" sz="1400" dirty="0"/>
+              <a:t> Disponível em: . Acesso em: 28 de maio, 2016.</a:t>
+            </a:r>
+          </a:p>
+          <a:p>
+            <a:r>
+              <a:rPr lang="pt-BR" sz="1400" dirty="0"/>
+              <a:t>MARTINELLI, D. P. (2002). </a:t>
+            </a:r>
+            <a:r>
+              <a:rPr lang="pt-BR" sz="1400" b="1" dirty="0"/>
+              <a:t>Negociação empresarial. Editora </a:t>
+            </a:r>
+            <a:r>
+              <a:rPr lang="pt-BR" sz="1400" b="1" dirty="0" err="1"/>
+              <a:t>Manole</a:t>
+            </a:r>
+            <a:r>
+              <a:rPr lang="pt-BR" sz="1400" b="1" dirty="0"/>
+              <a:t> Ltda</a:t>
+            </a:r>
+            <a:r>
+              <a:rPr lang="pt-BR" sz="1400" dirty="0"/>
+              <a:t>.</a:t>
+            </a:r>
+          </a:p>
+          <a:p>
+            <a:r>
+              <a:rPr lang="pt-BR" sz="1400" dirty="0"/>
+              <a:t>MIZIARA, </a:t>
+            </a:r>
+            <a:r>
+              <a:rPr lang="pt-BR" sz="1400" dirty="0" err="1"/>
+              <a:t>Nathália</a:t>
+            </a:r>
+            <a:r>
+              <a:rPr lang="pt-BR" sz="1400" dirty="0"/>
+              <a:t> </a:t>
+            </a:r>
+            <a:r>
+              <a:rPr lang="pt-BR" sz="1400" dirty="0" err="1"/>
+              <a:t>Molleis</a:t>
+            </a:r>
+            <a:r>
+              <a:rPr lang="pt-BR" sz="1400" dirty="0"/>
+              <a:t>. </a:t>
+            </a:r>
+            <a:r>
+              <a:rPr lang="pt-BR" sz="1400" b="1" dirty="0"/>
+              <a:t>Regulação do mercado de medicamentos: a CMED e a política de controle de preços</a:t>
+            </a:r>
+            <a:r>
+              <a:rPr lang="pt-BR" sz="1400" dirty="0"/>
+              <a:t>. Dissertação Universidade de São Paulo, 2007.</a:t>
+            </a:r>
+          </a:p>
+          <a:p>
+            <a:endParaRPr lang="pt-BR" sz="1400" dirty="0"/>
           </a:p>
         </p:txBody>
       </p:sp>
@@ -10847,149 +10946,150 @@
           <a:p>
             <a:r>
               <a:rPr lang="pt-BR" sz="1400" dirty="0"/>
-              <a:t>CNDL e SPC (2016). </a:t>
+              <a:t>PANIZ, V. M. V; FASSA, A. G., FACCHINI, L. A; BERTOLDI, A. D; PICCINI, R. X; TOMASI, E; Rodrigues, M. A. (2008). </a:t>
             </a:r>
             <a:r>
               <a:rPr lang="pt-BR" sz="1400" b="1" dirty="0"/>
-              <a:t>86% dos brasileiros ajustaram orçamento para enfrentar a crise, aponta pesquisa do SPC Brasil</a:t>
+              <a:t>Acesso a medicamentos de uso contínuo em adultos e idosos nas regiões Sul e Nordeste do Brasil Access to </a:t>
+            </a:r>
+            <a:r>
+              <a:rPr lang="pt-BR" sz="1400" b="1" dirty="0" err="1"/>
+              <a:t>continuous-use</a:t>
+            </a:r>
+            <a:r>
+              <a:rPr lang="pt-BR" sz="1400" b="1" dirty="0"/>
+              <a:t> </a:t>
+            </a:r>
+            <a:r>
+              <a:rPr lang="pt-BR" sz="1400" b="1" dirty="0" err="1"/>
+              <a:t>medication</a:t>
+            </a:r>
+            <a:r>
+              <a:rPr lang="pt-BR" sz="1400" b="1" dirty="0"/>
+              <a:t> </a:t>
+            </a:r>
+            <a:r>
+              <a:rPr lang="pt-BR" sz="1400" b="1" dirty="0" err="1"/>
+              <a:t>among</a:t>
+            </a:r>
+            <a:r>
+              <a:rPr lang="pt-BR" sz="1400" b="1" dirty="0"/>
+              <a:t> </a:t>
+            </a:r>
+            <a:r>
+              <a:rPr lang="pt-BR" sz="1400" b="1" dirty="0" err="1"/>
+              <a:t>adults</a:t>
+            </a:r>
+            <a:r>
+              <a:rPr lang="pt-BR" sz="1400" b="1" dirty="0"/>
+              <a:t> </a:t>
+            </a:r>
+            <a:r>
+              <a:rPr lang="pt-BR" sz="1400" b="1" dirty="0" err="1"/>
+              <a:t>and</a:t>
+            </a:r>
+            <a:r>
+              <a:rPr lang="pt-BR" sz="1400" b="1" dirty="0"/>
+              <a:t> </a:t>
+            </a:r>
+            <a:r>
+              <a:rPr lang="pt-BR" sz="1400" b="1" dirty="0" err="1"/>
+              <a:t>the</a:t>
+            </a:r>
+            <a:r>
+              <a:rPr lang="pt-BR" sz="1400" b="1" dirty="0"/>
+              <a:t> </a:t>
+            </a:r>
+            <a:r>
+              <a:rPr lang="pt-BR" sz="1400" b="1" dirty="0" err="1"/>
+              <a:t>elderly</a:t>
+            </a:r>
+            <a:r>
+              <a:rPr lang="pt-BR" sz="1400" b="1" dirty="0"/>
+              <a:t> in </a:t>
+            </a:r>
+            <a:r>
+              <a:rPr lang="pt-BR" sz="1400" b="1" dirty="0" err="1"/>
+              <a:t>South</a:t>
+            </a:r>
+            <a:r>
+              <a:rPr lang="pt-BR" sz="1400" b="1" dirty="0"/>
+              <a:t> </a:t>
+            </a:r>
+            <a:r>
+              <a:rPr lang="pt-BR" sz="1400" b="1" dirty="0" err="1"/>
+              <a:t>and</a:t>
+            </a:r>
+            <a:r>
+              <a:rPr lang="pt-BR" sz="1400" b="1" dirty="0"/>
+              <a:t> </a:t>
+            </a:r>
+            <a:r>
+              <a:rPr lang="pt-BR" sz="1400" b="1" dirty="0" err="1"/>
+              <a:t>Northeast</a:t>
+            </a:r>
+            <a:r>
+              <a:rPr lang="pt-BR" sz="1400" b="1" dirty="0"/>
+              <a:t> </a:t>
+            </a:r>
+            <a:r>
+              <a:rPr lang="pt-BR" sz="1400" b="1" dirty="0" err="1"/>
+              <a:t>Brazil</a:t>
             </a:r>
             <a:r>
               <a:rPr lang="pt-BR" sz="1400" dirty="0"/>
-              <a:t>. Disponível em:&lt; https://www.google.com.br/urlsa=t&amp;rct=j&amp;q=&amp;esrc=s&amp;source= </a:t>
+              <a:t>. Cad. Saúde Pública, 24(2), 267-280.</a:t>
+            </a:r>
+          </a:p>
+          <a:p>
+            <a:r>
+              <a:rPr lang="pt-BR" sz="1400" dirty="0"/>
+              <a:t>PÚBLIO, </a:t>
             </a:r>
             <a:r>
               <a:rPr lang="pt-BR" sz="1400" dirty="0" err="1"/>
-              <a:t>web&amp;cd</a:t>
+              <a:t>Rilke</a:t>
             </a:r>
             <a:r>
               <a:rPr lang="pt-BR" sz="1400" dirty="0"/>
-              <a:t>=1&amp;</a:t>
-            </a:r>
-            <a:r>
-              <a:rPr lang="pt-BR" sz="1400" dirty="0" err="1"/>
-              <a:t>ved</a:t>
+              <a:t> Novato (2015). </a:t>
+            </a:r>
+            <a:r>
+              <a:rPr lang="pt-BR" sz="1400" b="1" dirty="0"/>
+              <a:t>O Consumo de Medicamentos no Brasil - a tênue linha entre o remédio e o veneno</a:t>
             </a:r>
             <a:r>
               <a:rPr lang="pt-BR" sz="1400" dirty="0"/>
-              <a:t>=0ahUKEwiSueKyyKDNAhWDHZAKHSv_A2sQFggeMAA&amp;url=</a:t>
-            </a:r>
-            <a:r>
-              <a:rPr lang="pt-BR" sz="1400" dirty="0" err="1"/>
-              <a:t>https</a:t>
-            </a:r>
+              <a:t>. Disponível em: . Acesso em: 28 de maio, 2016</a:t>
+            </a:r>
+          </a:p>
+          <a:p>
             <a:r>
               <a:rPr lang="pt-BR" sz="1400" dirty="0"/>
-              <a:t>%3A%2F %2Fwww.spcbrasil.org.</a:t>
-            </a:r>
-            <a:r>
-              <a:rPr lang="pt-BR" sz="1400" dirty="0" err="1"/>
-              <a:t>br</a:t>
+              <a:t>RUAS, Danielle (2014). </a:t>
+            </a:r>
+            <a:r>
+              <a:rPr lang="pt-BR" sz="1400" b="1" dirty="0"/>
+              <a:t>Em ano de crise, o ideal é reduzir custos. </a:t>
             </a:r>
             <a:r>
               <a:rPr lang="pt-BR" sz="1400" dirty="0"/>
-              <a:t>%2Fwpimprensa%2Fwp-</a:t>
-            </a:r>
-            <a:r>
-              <a:rPr lang="pt-BR" sz="1400" dirty="0" err="1"/>
-              <a:t>content</a:t>
-            </a:r>
+              <a:t>Disponível em: . Acesso em: 09 de junho, 2016</a:t>
+            </a:r>
+          </a:p>
+          <a:p>
             <a:r>
               <a:rPr lang="pt-BR" sz="1400" dirty="0"/>
-              <a:t>%2Fuploads %2F2016%2F04%2Frelease_crise_economica_consumidores_v4-1.</a:t>
-            </a:r>
-            <a:r>
-              <a:rPr lang="pt-BR" sz="1400" dirty="0" err="1"/>
-              <a:t>pdf&amp;usg</a:t>
+              <a:t>SILVA, Eduardo (2014). </a:t>
+            </a:r>
+            <a:r>
+              <a:rPr lang="pt-BR" sz="1400" b="1" dirty="0"/>
+              <a:t>Tempo, informação e poder: fórmula para o sucesso?</a:t>
             </a:r>
             <a:r>
               <a:rPr lang="pt-BR" sz="1400" dirty="0"/>
-              <a:t>=</a:t>
-            </a:r>
-            <a:r>
-              <a:rPr lang="pt-BR" sz="1400" dirty="0" err="1"/>
-              <a:t>AFQj</a:t>
-            </a:r>
-            <a:r>
-              <a:rPr lang="pt-BR" sz="1400" dirty="0"/>
-              <a:t>&gt;. Acesso em: 28 de maio, 2016.</a:t>
-            </a:r>
-          </a:p>
-          <a:p>
-            <a:r>
-              <a:rPr lang="pt-BR" sz="1400" dirty="0"/>
-              <a:t>G1(2015). </a:t>
-            </a:r>
-            <a:r>
-              <a:rPr lang="pt-BR" sz="1400" b="1" dirty="0"/>
-              <a:t>Preços de remédios variam quase 1000% em São Paulo, diz </a:t>
-            </a:r>
-            <a:r>
-              <a:rPr lang="pt-BR" sz="1400" b="1" dirty="0" err="1"/>
-              <a:t>Procon</a:t>
-            </a:r>
-            <a:r>
-              <a:rPr lang="pt-BR" sz="1400" b="1" dirty="0"/>
-              <a:t>.</a:t>
-            </a:r>
-            <a:r>
-              <a:rPr lang="pt-BR" sz="1400" dirty="0"/>
-              <a:t> Disponível em: . Acesso em: 28 de maio, 2016.</a:t>
-            </a:r>
-          </a:p>
-          <a:p>
-            <a:r>
-              <a:rPr lang="pt-BR" sz="1400" dirty="0"/>
-              <a:t>MARTINELLI, D. P. (2002). </a:t>
-            </a:r>
-            <a:r>
-              <a:rPr lang="pt-BR" sz="1400" b="1" dirty="0"/>
-              <a:t>Negociação empresarial. Editora </a:t>
-            </a:r>
-            <a:r>
-              <a:rPr lang="pt-BR" sz="1400" b="1" dirty="0" err="1"/>
-              <a:t>Manole</a:t>
-            </a:r>
-            <a:r>
-              <a:rPr lang="pt-BR" sz="1400" b="1" dirty="0"/>
-              <a:t> Ltda</a:t>
-            </a:r>
-            <a:r>
-              <a:rPr lang="pt-BR" sz="1400" dirty="0"/>
-              <a:t>.</a:t>
-            </a:r>
-          </a:p>
-          <a:p>
-            <a:r>
-              <a:rPr lang="pt-BR" sz="1400" dirty="0"/>
-              <a:t>MIZIARA, </a:t>
-            </a:r>
-            <a:r>
-              <a:rPr lang="pt-BR" sz="1400" dirty="0" err="1"/>
-              <a:t>Nathália</a:t>
-            </a:r>
-            <a:r>
-              <a:rPr lang="pt-BR" sz="1400" dirty="0"/>
-              <a:t> </a:t>
-            </a:r>
-            <a:r>
-              <a:rPr lang="pt-BR" sz="1400" dirty="0" err="1"/>
-              <a:t>Molleis</a:t>
-            </a:r>
-            <a:r>
-              <a:rPr lang="pt-BR" sz="1400" dirty="0"/>
-              <a:t>. </a:t>
-            </a:r>
-            <a:r>
-              <a:rPr lang="pt-BR" sz="1400" b="1" dirty="0"/>
-              <a:t>Regulação do mercado de medicamentos: a CMED e a política de controle de preços</a:t>
-            </a:r>
-            <a:r>
-              <a:rPr lang="pt-BR" sz="1400" dirty="0"/>
-              <a:t>. Dissertação Universidade de São Paulo, 2007.</a:t>
-            </a:r>
-          </a:p>
-          <a:p>
-            <a:endParaRPr lang="pt-BR" sz="1400" dirty="0"/>
+              <a:t>. Disponível em: . Acesso em: 28 de maio, 2016.</a:t>
+            </a:r>
           </a:p>
         </p:txBody>
       </p:sp>
@@ -11002,217 +11102,6 @@
 </file>
 
 <file path=ppt/slides/slide34.xml><?xml version="1.0" encoding="utf-8"?>
-<p:sld xmlns:a="http://schemas.openxmlformats.org/drawingml/2006/main" xmlns:r="http://schemas.openxmlformats.org/officeDocument/2006/relationships" xmlns:p="http://schemas.openxmlformats.org/presentationml/2006/main">
-  <p:cSld>
-    <p:spTree>
-      <p:nvGrpSpPr>
-        <p:cNvPr id="1" name=""/>
-        <p:cNvGrpSpPr/>
-        <p:nvPr/>
-      </p:nvGrpSpPr>
-      <p:grpSpPr>
-        <a:xfrm>
-          <a:off x="0" y="0"/>
-          <a:ext cx="0" cy="0"/>
-          <a:chOff x="0" y="0"/>
-          <a:chExt cx="0" cy="0"/>
-        </a:xfrm>
-      </p:grpSpPr>
-      <p:sp>
-        <p:nvSpPr>
-          <p:cNvPr id="2" name="Título 1"/>
-          <p:cNvSpPr>
-            <a:spLocks noGrp="1"/>
-          </p:cNvSpPr>
-          <p:nvPr>
-            <p:ph type="title"/>
-          </p:nvPr>
-        </p:nvSpPr>
-        <p:spPr/>
-        <p:txBody>
-          <a:bodyPr/>
-          <a:lstStyle/>
-          <a:p>
-            <a:r>
-              <a:rPr lang="pt-BR" dirty="0"/>
-              <a:t>Referências Bibliográficas</a:t>
-            </a:r>
-          </a:p>
-        </p:txBody>
-      </p:sp>
-      <p:sp>
-        <p:nvSpPr>
-          <p:cNvPr id="3" name="Espaço Reservado para Conteúdo 2"/>
-          <p:cNvSpPr>
-            <a:spLocks noGrp="1"/>
-          </p:cNvSpPr>
-          <p:nvPr>
-            <p:ph idx="1"/>
-          </p:nvPr>
-        </p:nvSpPr>
-        <p:spPr/>
-        <p:txBody>
-          <a:bodyPr/>
-          <a:lstStyle/>
-          <a:p>
-            <a:r>
-              <a:rPr lang="pt-BR" sz="1400" dirty="0"/>
-              <a:t>PANIZ, V. M. V; FASSA, A. G., FACCHINI, L. A; BERTOLDI, A. D; PICCINI, R. X; TOMASI, E; Rodrigues, M. A. (2008). </a:t>
-            </a:r>
-            <a:r>
-              <a:rPr lang="pt-BR" sz="1400" b="1" dirty="0"/>
-              <a:t>Acesso a medicamentos de uso contínuo em adultos e idosos nas regiões Sul e Nordeste do Brasil Access to </a:t>
-            </a:r>
-            <a:r>
-              <a:rPr lang="pt-BR" sz="1400" b="1" dirty="0" err="1"/>
-              <a:t>continuous-use</a:t>
-            </a:r>
-            <a:r>
-              <a:rPr lang="pt-BR" sz="1400" b="1" dirty="0"/>
-              <a:t> </a:t>
-            </a:r>
-            <a:r>
-              <a:rPr lang="pt-BR" sz="1400" b="1" dirty="0" err="1"/>
-              <a:t>medication</a:t>
-            </a:r>
-            <a:r>
-              <a:rPr lang="pt-BR" sz="1400" b="1" dirty="0"/>
-              <a:t> </a:t>
-            </a:r>
-            <a:r>
-              <a:rPr lang="pt-BR" sz="1400" b="1" dirty="0" err="1"/>
-              <a:t>among</a:t>
-            </a:r>
-            <a:r>
-              <a:rPr lang="pt-BR" sz="1400" b="1" dirty="0"/>
-              <a:t> </a:t>
-            </a:r>
-            <a:r>
-              <a:rPr lang="pt-BR" sz="1400" b="1" dirty="0" err="1"/>
-              <a:t>adults</a:t>
-            </a:r>
-            <a:r>
-              <a:rPr lang="pt-BR" sz="1400" b="1" dirty="0"/>
-              <a:t> </a:t>
-            </a:r>
-            <a:r>
-              <a:rPr lang="pt-BR" sz="1400" b="1" dirty="0" err="1"/>
-              <a:t>and</a:t>
-            </a:r>
-            <a:r>
-              <a:rPr lang="pt-BR" sz="1400" b="1" dirty="0"/>
-              <a:t> </a:t>
-            </a:r>
-            <a:r>
-              <a:rPr lang="pt-BR" sz="1400" b="1" dirty="0" err="1"/>
-              <a:t>the</a:t>
-            </a:r>
-            <a:r>
-              <a:rPr lang="pt-BR" sz="1400" b="1" dirty="0"/>
-              <a:t> </a:t>
-            </a:r>
-            <a:r>
-              <a:rPr lang="pt-BR" sz="1400" b="1" dirty="0" err="1"/>
-              <a:t>elderly</a:t>
-            </a:r>
-            <a:r>
-              <a:rPr lang="pt-BR" sz="1400" b="1" dirty="0"/>
-              <a:t> in </a:t>
-            </a:r>
-            <a:r>
-              <a:rPr lang="pt-BR" sz="1400" b="1" dirty="0" err="1"/>
-              <a:t>South</a:t>
-            </a:r>
-            <a:r>
-              <a:rPr lang="pt-BR" sz="1400" b="1" dirty="0"/>
-              <a:t> </a:t>
-            </a:r>
-            <a:r>
-              <a:rPr lang="pt-BR" sz="1400" b="1" dirty="0" err="1"/>
-              <a:t>and</a:t>
-            </a:r>
-            <a:r>
-              <a:rPr lang="pt-BR" sz="1400" b="1" dirty="0"/>
-              <a:t> </a:t>
-            </a:r>
-            <a:r>
-              <a:rPr lang="pt-BR" sz="1400" b="1" dirty="0" err="1"/>
-              <a:t>Northeast</a:t>
-            </a:r>
-            <a:r>
-              <a:rPr lang="pt-BR" sz="1400" b="1" dirty="0"/>
-              <a:t> </a:t>
-            </a:r>
-            <a:r>
-              <a:rPr lang="pt-BR" sz="1400" b="1" dirty="0" err="1"/>
-              <a:t>Brazil</a:t>
-            </a:r>
-            <a:r>
-              <a:rPr lang="pt-BR" sz="1400" dirty="0"/>
-              <a:t>. Cad. Saúde Pública, 24(2), 267-280.</a:t>
-            </a:r>
-          </a:p>
-          <a:p>
-            <a:r>
-              <a:rPr lang="pt-BR" sz="1400" dirty="0"/>
-              <a:t>PÚBLIO, </a:t>
-            </a:r>
-            <a:r>
-              <a:rPr lang="pt-BR" sz="1400" dirty="0" err="1"/>
-              <a:t>Rilke</a:t>
-            </a:r>
-            <a:r>
-              <a:rPr lang="pt-BR" sz="1400" dirty="0"/>
-              <a:t> Novato (2015). </a:t>
-            </a:r>
-            <a:r>
-              <a:rPr lang="pt-BR" sz="1400" b="1" dirty="0"/>
-              <a:t>O Consumo de Medicamentos no Brasil - a tênue linha entre o remédio e o veneno</a:t>
-            </a:r>
-            <a:r>
-              <a:rPr lang="pt-BR" sz="1400" dirty="0"/>
-              <a:t>. Disponível em: . Acesso em: 28 de maio, 2016</a:t>
-            </a:r>
-          </a:p>
-          <a:p>
-            <a:r>
-              <a:rPr lang="pt-BR" sz="1400" dirty="0"/>
-              <a:t>RUAS, Danielle (2014). </a:t>
-            </a:r>
-            <a:r>
-              <a:rPr lang="pt-BR" sz="1400" b="1" dirty="0"/>
-              <a:t>Em ano de crise, o ideal é reduzir custos. </a:t>
-            </a:r>
-            <a:r>
-              <a:rPr lang="pt-BR" sz="1400" dirty="0"/>
-              <a:t>Disponível em: . Acesso em: 09 de junho, 2016</a:t>
-            </a:r>
-          </a:p>
-          <a:p>
-            <a:r>
-              <a:rPr lang="pt-BR" sz="1400" dirty="0"/>
-              <a:t>SILVA, Eduardo (2014). </a:t>
-            </a:r>
-            <a:r>
-              <a:rPr lang="pt-BR" sz="1400" b="1" dirty="0"/>
-              <a:t>Tempo, informação e poder: fórmula para o sucesso?</a:t>
-            </a:r>
-            <a:r>
-              <a:rPr lang="pt-BR" sz="1400" dirty="0"/>
-              <a:t>. Disponível em: . Acesso em: 28 de maio, 2016.</a:t>
-            </a:r>
-          </a:p>
-        </p:txBody>
-      </p:sp>
-    </p:spTree>
-  </p:cSld>
-  <p:clrMapOvr>
-    <a:masterClrMapping/>
-  </p:clrMapOvr>
-</p:sld>
-</file>
-
-<file path=ppt/slides/slide35.xml><?xml version="1.0" encoding="utf-8"?>
 <p:sld xmlns:a="http://schemas.openxmlformats.org/drawingml/2006/main" xmlns:r="http://schemas.openxmlformats.org/officeDocument/2006/relationships" xmlns:p="http://schemas.openxmlformats.org/presentationml/2006/main">
   <p:cSld>
     <p:spTree>
@@ -11284,7 +11173,7 @@
 </p:sld>
 </file>
 
-<file path=ppt/slides/slide36.xml><?xml version="1.0" encoding="utf-8"?>
+<file path=ppt/slides/slide35.xml><?xml version="1.0" encoding="utf-8"?>
 <p:sld xmlns:a="http://schemas.openxmlformats.org/drawingml/2006/main" xmlns:r="http://schemas.openxmlformats.org/officeDocument/2006/relationships" xmlns:p="http://schemas.openxmlformats.org/presentationml/2006/main">
   <p:cSld>
     <p:spTree>
@@ -11509,14 +11398,14 @@
           </a:ln>
           <a:extLst>
             <a:ext uri="{909E8E84-426E-40DD-AFC4-6F175D3DCCD1}">
-              <a14:hiddenFill xmlns:a14="http://schemas.microsoft.com/office/drawing/2010/main">
+              <a14:hiddenFill xmlns:a14="http://schemas.microsoft.com/office/drawing/2010/main" xmlns="">
                 <a:solidFill>
                   <a:srgbClr val="FFFFFF"/>
                 </a:solidFill>
               </a14:hiddenFill>
             </a:ext>
             <a:ext uri="{91240B29-F687-4F45-9708-019B960494DF}">
-              <a14:hiddenLine xmlns:a14="http://schemas.microsoft.com/office/drawing/2010/main" w="9525">
+              <a14:hiddenLine xmlns:a14="http://schemas.microsoft.com/office/drawing/2010/main" xmlns="" w="9525">
                 <a:solidFill>
                   <a:srgbClr val="000000"/>
                 </a:solidFill>
@@ -12118,7 +12007,7 @@
       </p:grpSpPr>
       <p:pic>
         <p:nvPicPr>
-          <p:cNvPr id="6" name="Espaço Reservado para Conteúdo 5" descr="MedicamentoPrecificado.PNG"/>
+          <p:cNvPr id="4" name="Espaço Reservado para Conteúdo 3" descr="Estoque.PNG"/>
           <p:cNvPicPr>
             <a:picLocks noGrp="1" noChangeAspect="1"/>
           </p:cNvPicPr>
@@ -12134,16 +12023,51 @@
         </p:blipFill>
         <p:spPr>
           <a:xfrm>
-            <a:off x="0" y="0"/>
-            <a:ext cx="9144000" cy="6924582"/>
+            <a:off x="3759917" y="214290"/>
+            <a:ext cx="4955487" cy="6357982"/>
           </a:xfrm>
         </p:spPr>
       </p:pic>
+      <p:sp>
+        <p:nvSpPr>
+          <p:cNvPr id="5" name="Título 1"/>
+          <p:cNvSpPr>
+            <a:spLocks noGrp="1"/>
+          </p:cNvSpPr>
+          <p:nvPr>
+            <p:ph type="title"/>
+          </p:nvPr>
+        </p:nvSpPr>
+        <p:spPr>
+          <a:xfrm>
+            <a:off x="1370013" y="301625"/>
+            <a:ext cx="7313612" cy="1143000"/>
+          </a:xfrm>
+        </p:spPr>
+        <p:txBody>
+          <a:bodyPr/>
+          <a:lstStyle/>
+          <a:p>
+            <a:r>
+              <a:rPr lang="pt-BR" dirty="0" smtClean="0"/>
+              <a:t>Estoque</a:t>
+            </a:r>
+            <a:endParaRPr lang="pt-BR" dirty="0"/>
+          </a:p>
+        </p:txBody>
+      </p:sp>
     </p:spTree>
   </p:cSld>
   <p:clrMapOvr>
     <a:masterClrMapping/>
   </p:clrMapOvr>
+  <p:timing>
+    <p:tnLst>
+      <p:par>
+        <p:cTn id="1" dur="indefinite" restart="never" nodeType="tmRoot"/>
+      </p:par>
+    </p:tnLst>
+  </p:timing>
 </p:sld>
 </file>
 
@@ -13038,7 +12962,7 @@
   <a:extraClrSchemeLst/>
   <a:extLst>
     <a:ext uri="{05A4C25C-085E-4340-85A3-A5531E510DB2}">
-      <thm15:themeFamily xmlns:thm15="http://schemas.microsoft.com/office/thememl/2012/main" name="Office Theme" id="{62F939B6-93AF-4DB8-9C6B-D6C7DFDC589F}" vid="{4A3C46E8-61CC-4603-A589-7422A47A8E4A}"/>
+      <thm15:themeFamily xmlns:thm15="http://schemas.microsoft.com/office/thememl/2012/main" xmlns="" name="Office Theme" id="{62F939B6-93AF-4DB8-9C6B-D6C7DFDC589F}" vid="{4A3C46E8-61CC-4603-A589-7422A47A8E4A}"/>
     </a:ext>
   </a:extLst>
 </a:theme>
